--- a/Final Presentation.pptx
+++ b/Final Presentation.pptx
@@ -8325,10 +8325,33 @@
         </p:nvSpPr>
         <p:spPr/>
         <p:txBody>
-          <a:bodyPr/>
+          <a:bodyPr anchor="t">
+            <a:normAutofit/>
+          </a:bodyPr>
           <a:lstStyle/>
           <a:p>
-            <a:endParaRPr lang="en-US"/>
+            <a:r>
+              <a:rPr lang="en-US" sz="2400" dirty="0"/>
+              <a:t>Analyzing actor popularity</a:t>
+            </a:r>
+          </a:p>
+          <a:p>
+            <a:r>
+              <a:rPr lang="en-US" sz="2400" dirty="0"/>
+              <a:t>Gathering data from multiple time periods prior to a movies release</a:t>
+            </a:r>
+          </a:p>
+          <a:p>
+            <a:r>
+              <a:rPr lang="en-US" sz="2400" dirty="0"/>
+              <a:t>Analyzing post release movie data</a:t>
+            </a:r>
+          </a:p>
+          <a:p>
+            <a:r>
+              <a:rPr lang="en-US" sz="2400" dirty="0"/>
+              <a:t>Faster twitter scraper</a:t>
+            </a:r>
           </a:p>
         </p:txBody>
       </p:sp>
@@ -8557,53 +8580,55 @@
         </p:nvSpPr>
         <p:spPr/>
         <p:txBody>
-          <a:bodyPr/>
+          <a:bodyPr>
+            <a:normAutofit fontScale="92500" lnSpcReduction="10000"/>
+          </a:bodyPr>
           <a:lstStyle/>
           <a:p>
             <a:r>
-              <a:rPr lang="en-US" dirty="0"/>
+              <a:rPr lang="en-US" sz="2400" dirty="0"/>
               <a:t>Introduction to our project</a:t>
             </a:r>
           </a:p>
           <a:p>
             <a:r>
-              <a:rPr lang="en-US" dirty="0"/>
+              <a:rPr lang="en-US" sz="2400" dirty="0"/>
               <a:t>Related works</a:t>
             </a:r>
           </a:p>
           <a:p>
             <a:r>
-              <a:rPr lang="en-US" dirty="0"/>
+              <a:rPr lang="en-US" sz="2400" dirty="0"/>
               <a:t>Our approach</a:t>
             </a:r>
           </a:p>
           <a:p>
             <a:r>
-              <a:rPr lang="en-US" dirty="0"/>
+              <a:rPr lang="en-US" sz="2400" dirty="0"/>
               <a:t>Gathering Data</a:t>
             </a:r>
           </a:p>
           <a:p>
             <a:r>
-              <a:rPr lang="en-US" dirty="0"/>
+              <a:rPr lang="en-US" sz="2400" dirty="0"/>
               <a:t>Evaluation</a:t>
             </a:r>
           </a:p>
           <a:p>
             <a:r>
-              <a:rPr lang="en-US" dirty="0"/>
+              <a:rPr lang="en-US" sz="2400" dirty="0"/>
               <a:t>Discussion</a:t>
             </a:r>
           </a:p>
           <a:p>
             <a:r>
-              <a:rPr lang="en-US" dirty="0"/>
+              <a:rPr lang="en-US" sz="2400" dirty="0"/>
               <a:t>Room for improvement</a:t>
             </a:r>
           </a:p>
           <a:p>
             <a:r>
-              <a:rPr lang="en-US" dirty="0"/>
+              <a:rPr lang="en-US" sz="2400" dirty="0"/>
               <a:t>Conclusions</a:t>
             </a:r>
           </a:p>
@@ -8685,29 +8710,31 @@
         </p:nvSpPr>
         <p:spPr/>
         <p:txBody>
-          <a:bodyPr/>
+          <a:bodyPr>
+            <a:normAutofit/>
+          </a:bodyPr>
           <a:lstStyle/>
           <a:p>
             <a:r>
-              <a:rPr lang="en-US" dirty="0"/>
+              <a:rPr lang="en-US" sz="2400" dirty="0"/>
               <a:t>Our goal was to determine if there is a reasonable metric for predicting movie success based on Twitter traffic prior to launch</a:t>
             </a:r>
           </a:p>
           <a:p>
             <a:r>
-              <a:rPr lang="en-US" dirty="0"/>
+              <a:rPr lang="en-US" sz="2400" dirty="0"/>
               <a:t>Some common measures of success include IMDB rating, Rotten Tomato rating, total earnings, earnings vs budget</a:t>
             </a:r>
           </a:p>
           <a:p>
             <a:r>
-              <a:rPr lang="en-US" dirty="0"/>
+              <a:rPr lang="en-US" sz="2400" dirty="0"/>
               <a:t>Relevant Twitter data includes total number of tweets, retweets, likes, and replies</a:t>
             </a:r>
           </a:p>
           <a:p>
             <a:r>
-              <a:rPr lang="en-US" dirty="0"/>
+              <a:rPr lang="en-US" sz="2400" dirty="0"/>
               <a:t>Sentiment analysis used in addition to Twitter data collection to make additional correlations between data points</a:t>
             </a:r>
           </a:p>
@@ -8872,34 +8899,36 @@
         </p:nvSpPr>
         <p:spPr/>
         <p:txBody>
-          <a:bodyPr/>
+          <a:bodyPr>
+            <a:normAutofit/>
+          </a:bodyPr>
           <a:lstStyle/>
           <a:p>
             <a:r>
-              <a:rPr lang="en-US" dirty="0"/>
+              <a:rPr lang="en-US" sz="2400" dirty="0"/>
               <a:t>Gathered Twitter data on 15 movies over the past year</a:t>
             </a:r>
           </a:p>
           <a:p>
             <a:r>
-              <a:rPr lang="en-US" dirty="0"/>
+              <a:rPr lang="en-US" sz="2400" dirty="0"/>
               <a:t>Data was gathered one week prior to the release of the movie in US theaters</a:t>
             </a:r>
           </a:p>
           <a:p>
             <a:r>
-              <a:rPr lang="en-US" dirty="0"/>
+              <a:rPr lang="en-US" sz="2400" dirty="0"/>
               <a:t>Using Twitter data, we analyzed trends related to movie ratings and earnings</a:t>
             </a:r>
           </a:p>
           <a:p>
             <a:r>
-              <a:rPr lang="en-US" dirty="0"/>
+              <a:rPr lang="en-US" sz="2400" dirty="0"/>
               <a:t>Sentiment analysis of twitter data provided additional insight</a:t>
             </a:r>
           </a:p>
           <a:p>
-            <a:endParaRPr lang="en-US" dirty="0"/>
+            <a:endParaRPr lang="en-US" sz="2400" dirty="0"/>
           </a:p>
         </p:txBody>
       </p:sp>
@@ -8979,34 +9008,36 @@
         </p:nvSpPr>
         <p:spPr/>
         <p:txBody>
-          <a:bodyPr/>
+          <a:bodyPr>
+            <a:normAutofit/>
+          </a:bodyPr>
           <a:lstStyle/>
           <a:p>
             <a:r>
-              <a:rPr lang="en-US" dirty="0"/>
+              <a:rPr lang="en-US" sz="2400" dirty="0"/>
               <a:t>Python Twitter Scraper</a:t>
             </a:r>
           </a:p>
           <a:p>
             <a:r>
-              <a:rPr lang="en-US" dirty="0"/>
+              <a:rPr lang="en-US" sz="2400" dirty="0"/>
               <a:t>Stored Tweet text, likes, retweets, and replies to a JSON file for each movie</a:t>
             </a:r>
           </a:p>
           <a:p>
             <a:r>
-              <a:rPr lang="en-US" dirty="0"/>
+              <a:rPr lang="en-US" sz="2400" dirty="0"/>
               <a:t>Movies were chosen based on factors like box office performance, academy awards, and budget</a:t>
             </a:r>
           </a:p>
           <a:p>
             <a:r>
-              <a:rPr lang="en-US" dirty="0"/>
+              <a:rPr lang="en-US" sz="2400" dirty="0"/>
               <a:t>Goal was to have a variety of movies to see if we could produce outliers</a:t>
             </a:r>
           </a:p>
           <a:p>
-            <a:endParaRPr lang="en-US" dirty="0"/>
+            <a:endParaRPr lang="en-US" sz="2400" dirty="0"/>
           </a:p>
         </p:txBody>
       </p:sp>
@@ -9407,10 +9438,39 @@
         </p:nvSpPr>
         <p:spPr/>
         <p:txBody>
-          <a:bodyPr/>
+          <a:bodyPr anchor="t">
+            <a:normAutofit/>
+          </a:bodyPr>
           <a:lstStyle/>
           <a:p>
-            <a:endParaRPr lang="en-US"/>
+            <a:r>
+              <a:rPr lang="en-US" sz="2400" dirty="0"/>
+              <a:t>What about analyzing data from older movies?</a:t>
+            </a:r>
+          </a:p>
+          <a:p>
+            <a:r>
+              <a:rPr lang="en-US" sz="2400" dirty="0"/>
+              <a:t>What makes a movie “successful”?</a:t>
+            </a:r>
+          </a:p>
+          <a:p>
+            <a:r>
+              <a:rPr lang="en-US" sz="2400" dirty="0"/>
+              <a:t>Is sentiment analysis necessary for predicting movie success?</a:t>
+            </a:r>
+          </a:p>
+          <a:p>
+            <a:r>
+              <a:rPr lang="en-US" sz="2400" dirty="0"/>
+              <a:t>How our outlook changed throughout the project</a:t>
+            </a:r>
+          </a:p>
+          <a:p>
+            <a:endParaRPr lang="en-US" sz="2400" dirty="0"/>
+          </a:p>
+          <a:p>
+            <a:endParaRPr lang="en-US" sz="2400" dirty="0"/>
           </a:p>
         </p:txBody>
       </p:sp>

--- a/Final Presentation.pptx
+++ b/Final Presentation.pptx
@@ -2,10 +2,10 @@
 <file path=ppt/presentation.xml><?xml version="1.0" encoding="utf-8"?>
 <p:presentation xmlns:a="http://schemas.openxmlformats.org/drawingml/2006/main" xmlns:r="http://schemas.openxmlformats.org/officeDocument/2006/relationships" xmlns:p="http://schemas.openxmlformats.org/presentationml/2006/main" autoCompressPictures="0">
   <p:sldMasterIdLst>
-    <p:sldMasterId id="2147483648" r:id="rId1"/>
+    <p:sldMasterId id="2147483792" r:id="rId1"/>
   </p:sldMasterIdLst>
   <p:notesMasterIdLst>
-    <p:notesMasterId r:id="rId14"/>
+    <p:notesMasterId r:id="rId15"/>
   </p:notesMasterIdLst>
   <p:sldIdLst>
     <p:sldId id="256" r:id="rId2"/>
@@ -15,11 +15,12 @@
     <p:sldId id="260" r:id="rId6"/>
     <p:sldId id="261" r:id="rId7"/>
     <p:sldId id="262" r:id="rId8"/>
-    <p:sldId id="263" r:id="rId9"/>
-    <p:sldId id="264" r:id="rId10"/>
-    <p:sldId id="265" r:id="rId11"/>
-    <p:sldId id="266" r:id="rId12"/>
-    <p:sldId id="267" r:id="rId13"/>
+    <p:sldId id="268" r:id="rId9"/>
+    <p:sldId id="263" r:id="rId10"/>
+    <p:sldId id="264" r:id="rId11"/>
+    <p:sldId id="265" r:id="rId12"/>
+    <p:sldId id="266" r:id="rId13"/>
+    <p:sldId id="267" r:id="rId14"/>
   </p:sldIdLst>
   <p:sldSz cx="12192000" cy="6858000"/>
   <p:notesSz cx="6858000" cy="9144000"/>
@@ -118,6 +119,11 @@
       </a:defRPr>
     </a:lvl9pPr>
   </p:defaultTextStyle>
+  <p:extLst>
+    <p:ext uri="{EFAFB233-063F-42B5-8137-9DF3F51BA10A}">
+      <p15:sldGuideLst xmlns:p15="http://schemas.microsoft.com/office/powerpoint/2012/main"/>
+    </p:ext>
+  </p:extLst>
 </p:presentation>
 </file>
 
@@ -565,8 +571,8 @@
               </a:defRPr>
             </a:pPr>
             <a:r>
-              <a:rPr lang="en-US"/>
-              <a:t>Rotten Tomatoes vs Total Tweets</a:t>
+              <a:rPr lang="en-US" dirty="0"/>
+              <a:t>Rotten Tomatoes vs Number of Tweets</a:t>
             </a:r>
           </a:p>
         </c:rich>
@@ -983,6 +989,851 @@
             </a:pPr>
             <a:r>
               <a:rPr lang="en-US" dirty="0"/>
+              <a:t>IMDB vs Number of Tweets</a:t>
+            </a:r>
+          </a:p>
+        </c:rich>
+      </c:tx>
+      <c:overlay val="0"/>
+      <c:spPr>
+        <a:noFill/>
+        <a:ln>
+          <a:noFill/>
+        </a:ln>
+        <a:effectLst/>
+      </c:spPr>
+      <c:txPr>
+        <a:bodyPr rot="0" spcFirstLastPara="1" vertOverflow="ellipsis" vert="horz" wrap="square" anchor="ctr" anchorCtr="1"/>
+        <a:lstStyle/>
+        <a:p>
+          <a:pPr>
+            <a:defRPr sz="1400" b="0" i="0" u="none" strike="noStrike" kern="1200" spc="0" baseline="0">
+              <a:solidFill>
+                <a:schemeClr val="tx1">
+                  <a:lumMod val="65000"/>
+                  <a:lumOff val="35000"/>
+                </a:schemeClr>
+              </a:solidFill>
+              <a:latin typeface="+mn-lt"/>
+              <a:ea typeface="+mn-ea"/>
+              <a:cs typeface="+mn-cs"/>
+            </a:defRPr>
+          </a:pPr>
+          <a:endParaRPr lang="en-US"/>
+        </a:p>
+      </c:txPr>
+    </c:title>
+    <c:autoTitleDeleted val="0"/>
+    <c:plotArea>
+      <c:layout/>
+      <c:scatterChart>
+        <c:scatterStyle val="lineMarker"/>
+        <c:varyColors val="0"/>
+        <c:ser>
+          <c:idx val="0"/>
+          <c:order val="0"/>
+          <c:tx>
+            <c:strRef>
+              <c:f>Data!$M$1</c:f>
+              <c:strCache>
+                <c:ptCount val="1"/>
+                <c:pt idx="0">
+                  <c:v>IMDB</c:v>
+                </c:pt>
+              </c:strCache>
+            </c:strRef>
+          </c:tx>
+          <c:spPr>
+            <a:ln w="19050" cap="rnd">
+              <a:noFill/>
+              <a:round/>
+            </a:ln>
+            <a:effectLst/>
+          </c:spPr>
+          <c:marker>
+            <c:symbol val="circle"/>
+            <c:size val="5"/>
+            <c:spPr>
+              <a:solidFill>
+                <a:schemeClr val="accent1"/>
+              </a:solidFill>
+              <a:ln w="9525">
+                <a:solidFill>
+                  <a:schemeClr val="accent1"/>
+                </a:solidFill>
+              </a:ln>
+              <a:effectLst/>
+            </c:spPr>
+          </c:marker>
+          <c:trendline>
+            <c:spPr>
+              <a:ln w="19050" cap="rnd">
+                <a:solidFill>
+                  <a:schemeClr val="accent1"/>
+                </a:solidFill>
+                <a:prstDash val="sysDot"/>
+              </a:ln>
+              <a:effectLst/>
+            </c:spPr>
+            <c:trendlineType val="linear"/>
+            <c:dispRSqr val="0"/>
+            <c:dispEq val="0"/>
+          </c:trendline>
+          <c:xVal>
+            <c:numRef>
+              <c:f>Data!$B$2:$B$16</c:f>
+              <c:numCache>
+                <c:formatCode>General</c:formatCode>
+                <c:ptCount val="15"/>
+                <c:pt idx="0">
+                  <c:v>146890</c:v>
+                </c:pt>
+                <c:pt idx="1">
+                  <c:v>167830</c:v>
+                </c:pt>
+                <c:pt idx="2">
+                  <c:v>206457</c:v>
+                </c:pt>
+                <c:pt idx="3">
+                  <c:v>116943</c:v>
+                </c:pt>
+                <c:pt idx="4">
+                  <c:v>120761</c:v>
+                </c:pt>
+                <c:pt idx="5">
+                  <c:v>186840</c:v>
+                </c:pt>
+                <c:pt idx="6">
+                  <c:v>112422</c:v>
+                </c:pt>
+                <c:pt idx="7">
+                  <c:v>71614</c:v>
+                </c:pt>
+                <c:pt idx="8">
+                  <c:v>124383</c:v>
+                </c:pt>
+                <c:pt idx="9">
+                  <c:v>62388</c:v>
+                </c:pt>
+                <c:pt idx="10">
+                  <c:v>32987</c:v>
+                </c:pt>
+                <c:pt idx="11">
+                  <c:v>22801</c:v>
+                </c:pt>
+                <c:pt idx="12">
+                  <c:v>10241</c:v>
+                </c:pt>
+                <c:pt idx="13">
+                  <c:v>7365</c:v>
+                </c:pt>
+                <c:pt idx="14">
+                  <c:v>6212</c:v>
+                </c:pt>
+              </c:numCache>
+            </c:numRef>
+          </c:xVal>
+          <c:yVal>
+            <c:numRef>
+              <c:f>Data!$M$2:$M$16</c:f>
+              <c:numCache>
+                <c:formatCode>0%</c:formatCode>
+                <c:ptCount val="15"/>
+                <c:pt idx="0">
+                  <c:v>0.77</c:v>
+                </c:pt>
+                <c:pt idx="1">
+                  <c:v>0.77</c:v>
+                </c:pt>
+                <c:pt idx="2">
+                  <c:v>0.75</c:v>
+                </c:pt>
+                <c:pt idx="3">
+                  <c:v>0.74</c:v>
+                </c:pt>
+                <c:pt idx="4">
+                  <c:v>0.8</c:v>
+                </c:pt>
+                <c:pt idx="5">
+                  <c:v>0.67</c:v>
+                </c:pt>
+                <c:pt idx="6">
+                  <c:v>0.72</c:v>
+                </c:pt>
+                <c:pt idx="7">
+                  <c:v>0.81</c:v>
+                </c:pt>
+                <c:pt idx="8">
+                  <c:v>0.79</c:v>
+                </c:pt>
+                <c:pt idx="9">
+                  <c:v>0.77</c:v>
+                </c:pt>
+                <c:pt idx="10">
+                  <c:v>0.73</c:v>
+                </c:pt>
+                <c:pt idx="11">
+                  <c:v>0.75</c:v>
+                </c:pt>
+                <c:pt idx="12">
+                  <c:v>0.75</c:v>
+                </c:pt>
+                <c:pt idx="13">
+                  <c:v>0.56000000000000005</c:v>
+                </c:pt>
+                <c:pt idx="14">
+                  <c:v>0.68</c:v>
+                </c:pt>
+              </c:numCache>
+            </c:numRef>
+          </c:yVal>
+          <c:smooth val="0"/>
+          <c:extLst>
+            <c:ext xmlns:c16="http://schemas.microsoft.com/office/drawing/2014/chart" uri="{C3380CC4-5D6E-409C-BE32-E72D297353CC}">
+              <c16:uniqueId val="{00000001-3651-C54A-B0D6-9724C4EC26B9}"/>
+            </c:ext>
+          </c:extLst>
+        </c:ser>
+        <c:dLbls>
+          <c:showLegendKey val="0"/>
+          <c:showVal val="0"/>
+          <c:showCatName val="0"/>
+          <c:showSerName val="0"/>
+          <c:showPercent val="0"/>
+          <c:showBubbleSize val="0"/>
+        </c:dLbls>
+        <c:axId val="389148320"/>
+        <c:axId val="389150016"/>
+      </c:scatterChart>
+      <c:valAx>
+        <c:axId val="389148320"/>
+        <c:scaling>
+          <c:orientation val="minMax"/>
+        </c:scaling>
+        <c:delete val="0"/>
+        <c:axPos val="b"/>
+        <c:majorGridlines>
+          <c:spPr>
+            <a:ln w="9525" cap="flat" cmpd="sng" algn="ctr">
+              <a:solidFill>
+                <a:schemeClr val="tx1">
+                  <a:lumMod val="15000"/>
+                  <a:lumOff val="85000"/>
+                </a:schemeClr>
+              </a:solidFill>
+              <a:round/>
+            </a:ln>
+            <a:effectLst/>
+          </c:spPr>
+        </c:majorGridlines>
+        <c:numFmt formatCode="General" sourceLinked="1"/>
+        <c:majorTickMark val="none"/>
+        <c:minorTickMark val="none"/>
+        <c:tickLblPos val="nextTo"/>
+        <c:spPr>
+          <a:noFill/>
+          <a:ln w="9525" cap="flat" cmpd="sng" algn="ctr">
+            <a:solidFill>
+              <a:schemeClr val="tx1">
+                <a:lumMod val="25000"/>
+                <a:lumOff val="75000"/>
+              </a:schemeClr>
+            </a:solidFill>
+            <a:round/>
+          </a:ln>
+          <a:effectLst/>
+        </c:spPr>
+        <c:txPr>
+          <a:bodyPr rot="-60000000" spcFirstLastPara="1" vertOverflow="ellipsis" vert="horz" wrap="square" anchor="ctr" anchorCtr="1"/>
+          <a:lstStyle/>
+          <a:p>
+            <a:pPr>
+              <a:defRPr sz="900" b="0" i="0" u="none" strike="noStrike" kern="1200" baseline="0">
+                <a:solidFill>
+                  <a:schemeClr val="tx1">
+                    <a:lumMod val="65000"/>
+                    <a:lumOff val="35000"/>
+                  </a:schemeClr>
+                </a:solidFill>
+                <a:latin typeface="+mn-lt"/>
+                <a:ea typeface="+mn-ea"/>
+                <a:cs typeface="+mn-cs"/>
+              </a:defRPr>
+            </a:pPr>
+            <a:endParaRPr lang="en-US"/>
+          </a:p>
+        </c:txPr>
+        <c:crossAx val="389150016"/>
+        <c:crosses val="autoZero"/>
+        <c:crossBetween val="midCat"/>
+      </c:valAx>
+      <c:valAx>
+        <c:axId val="389150016"/>
+        <c:scaling>
+          <c:orientation val="minMax"/>
+        </c:scaling>
+        <c:delete val="0"/>
+        <c:axPos val="l"/>
+        <c:majorGridlines>
+          <c:spPr>
+            <a:ln w="9525" cap="flat" cmpd="sng" algn="ctr">
+              <a:solidFill>
+                <a:schemeClr val="tx1">
+                  <a:lumMod val="15000"/>
+                  <a:lumOff val="85000"/>
+                </a:schemeClr>
+              </a:solidFill>
+              <a:round/>
+            </a:ln>
+            <a:effectLst/>
+          </c:spPr>
+        </c:majorGridlines>
+        <c:numFmt formatCode="0%" sourceLinked="1"/>
+        <c:majorTickMark val="none"/>
+        <c:minorTickMark val="none"/>
+        <c:tickLblPos val="nextTo"/>
+        <c:spPr>
+          <a:noFill/>
+          <a:ln w="9525" cap="flat" cmpd="sng" algn="ctr">
+            <a:solidFill>
+              <a:schemeClr val="tx1">
+                <a:lumMod val="25000"/>
+                <a:lumOff val="75000"/>
+              </a:schemeClr>
+            </a:solidFill>
+            <a:round/>
+          </a:ln>
+          <a:effectLst/>
+        </c:spPr>
+        <c:txPr>
+          <a:bodyPr rot="-60000000" spcFirstLastPara="1" vertOverflow="ellipsis" vert="horz" wrap="square" anchor="ctr" anchorCtr="1"/>
+          <a:lstStyle/>
+          <a:p>
+            <a:pPr>
+              <a:defRPr sz="900" b="0" i="0" u="none" strike="noStrike" kern="1200" baseline="0">
+                <a:solidFill>
+                  <a:schemeClr val="tx1">
+                    <a:lumMod val="65000"/>
+                    <a:lumOff val="35000"/>
+                  </a:schemeClr>
+                </a:solidFill>
+                <a:latin typeface="+mn-lt"/>
+                <a:ea typeface="+mn-ea"/>
+                <a:cs typeface="+mn-cs"/>
+              </a:defRPr>
+            </a:pPr>
+            <a:endParaRPr lang="en-US"/>
+          </a:p>
+        </c:txPr>
+        <c:crossAx val="389148320"/>
+        <c:crosses val="autoZero"/>
+        <c:crossBetween val="midCat"/>
+      </c:valAx>
+      <c:spPr>
+        <a:noFill/>
+        <a:ln>
+          <a:noFill/>
+        </a:ln>
+        <a:effectLst/>
+      </c:spPr>
+    </c:plotArea>
+    <c:plotVisOnly val="1"/>
+    <c:dispBlanksAs val="gap"/>
+    <c:extLst>
+      <c:ext xmlns:c16r3="http://schemas.microsoft.com/office/drawing/2017/03/chart" uri="{56B9EC1D-385E-4148-901F-78D8002777C0}">
+        <c16r3:dataDisplayOptions16>
+          <c16r3:dispNaAsBlank val="1"/>
+        </c16r3:dataDisplayOptions16>
+      </c:ext>
+    </c:extLst>
+    <c:showDLblsOverMax val="0"/>
+  </c:chart>
+  <c:spPr>
+    <a:noFill/>
+    <a:ln>
+      <a:noFill/>
+    </a:ln>
+    <a:effectLst/>
+  </c:spPr>
+  <c:txPr>
+    <a:bodyPr/>
+    <a:lstStyle/>
+    <a:p>
+      <a:pPr>
+        <a:defRPr/>
+      </a:pPr>
+      <a:endParaRPr lang="en-US"/>
+    </a:p>
+  </c:txPr>
+  <c:externalData r:id="rId3">
+    <c:autoUpdate val="0"/>
+  </c:externalData>
+</c:chartSpace>
+</file>
+
+<file path=ppt/charts/chart4.xml><?xml version="1.0" encoding="utf-8"?>
+<c:chartSpace xmlns:c="http://schemas.openxmlformats.org/drawingml/2006/chart" xmlns:a="http://schemas.openxmlformats.org/drawingml/2006/main" xmlns:r="http://schemas.openxmlformats.org/officeDocument/2006/relationships" xmlns:c16r2="http://schemas.microsoft.com/office/drawing/2015/06/chart">
+  <c:date1904 val="0"/>
+  <c:lang val="en-US"/>
+  <c:roundedCorners val="0"/>
+  <mc:AlternateContent xmlns:mc="http://schemas.openxmlformats.org/markup-compatibility/2006">
+    <mc:Choice xmlns:c14="http://schemas.microsoft.com/office/drawing/2007/8/2/chart" Requires="c14">
+      <c14:style val="102"/>
+    </mc:Choice>
+    <mc:Fallback>
+      <c:style val="2"/>
+    </mc:Fallback>
+  </mc:AlternateContent>
+  <c:chart>
+    <c:title>
+      <c:tx>
+        <c:rich>
+          <a:bodyPr rot="0" spcFirstLastPara="1" vertOverflow="ellipsis" vert="horz" wrap="square" anchor="ctr" anchorCtr="1"/>
+          <a:lstStyle/>
+          <a:p>
+            <a:pPr>
+              <a:defRPr sz="1400" b="0" i="0" u="none" strike="noStrike" kern="1200" spc="0" baseline="0">
+                <a:solidFill>
+                  <a:schemeClr val="tx1">
+                    <a:lumMod val="65000"/>
+                    <a:lumOff val="35000"/>
+                  </a:schemeClr>
+                </a:solidFill>
+                <a:latin typeface="+mn-lt"/>
+                <a:ea typeface="+mn-ea"/>
+                <a:cs typeface="+mn-cs"/>
+              </a:defRPr>
+            </a:pPr>
+            <a:r>
+              <a:rPr lang="en-US"/>
+              <a:t>Rotten Tomatoes vs </a:t>
+            </a:r>
+            <a:r>
+              <a:rPr lang="en-US" sz="1400" b="0" i="0" u="none" strike="noStrike" baseline="0">
+                <a:effectLst/>
+              </a:rPr>
+              <a:t>Number of Tweets</a:t>
+            </a:r>
+            <a:r>
+              <a:rPr lang="en-US" sz="1400" b="0" i="0" u="none" strike="noStrike" baseline="0"/>
+              <a:t> </a:t>
+            </a:r>
+            <a:endParaRPr lang="en-US"/>
+          </a:p>
+        </c:rich>
+      </c:tx>
+      <c:overlay val="0"/>
+      <c:spPr>
+        <a:noFill/>
+        <a:ln>
+          <a:noFill/>
+        </a:ln>
+        <a:effectLst/>
+      </c:spPr>
+      <c:txPr>
+        <a:bodyPr rot="0" spcFirstLastPara="1" vertOverflow="ellipsis" vert="horz" wrap="square" anchor="ctr" anchorCtr="1"/>
+        <a:lstStyle/>
+        <a:p>
+          <a:pPr>
+            <a:defRPr sz="1400" b="0" i="0" u="none" strike="noStrike" kern="1200" spc="0" baseline="0">
+              <a:solidFill>
+                <a:schemeClr val="tx1">
+                  <a:lumMod val="65000"/>
+                  <a:lumOff val="35000"/>
+                </a:schemeClr>
+              </a:solidFill>
+              <a:latin typeface="+mn-lt"/>
+              <a:ea typeface="+mn-ea"/>
+              <a:cs typeface="+mn-cs"/>
+            </a:defRPr>
+          </a:pPr>
+          <a:endParaRPr lang="en-US"/>
+        </a:p>
+      </c:txPr>
+    </c:title>
+    <c:autoTitleDeleted val="0"/>
+    <c:plotArea>
+      <c:layout/>
+      <c:scatterChart>
+        <c:scatterStyle val="lineMarker"/>
+        <c:varyColors val="0"/>
+        <c:ser>
+          <c:idx val="0"/>
+          <c:order val="0"/>
+          <c:tx>
+            <c:strRef>
+              <c:f>Data!$N$1</c:f>
+              <c:strCache>
+                <c:ptCount val="1"/>
+                <c:pt idx="0">
+                  <c:v>Rotten Tomatoes</c:v>
+                </c:pt>
+              </c:strCache>
+            </c:strRef>
+          </c:tx>
+          <c:spPr>
+            <a:ln w="19050" cap="rnd">
+              <a:noFill/>
+              <a:round/>
+            </a:ln>
+            <a:effectLst/>
+          </c:spPr>
+          <c:marker>
+            <c:symbol val="circle"/>
+            <c:size val="5"/>
+            <c:spPr>
+              <a:solidFill>
+                <a:schemeClr val="accent1"/>
+              </a:solidFill>
+              <a:ln w="9525">
+                <a:solidFill>
+                  <a:schemeClr val="accent1"/>
+                </a:solidFill>
+              </a:ln>
+              <a:effectLst/>
+            </c:spPr>
+          </c:marker>
+          <c:trendline>
+            <c:spPr>
+              <a:ln w="19050" cap="rnd">
+                <a:solidFill>
+                  <a:schemeClr val="accent1"/>
+                </a:solidFill>
+                <a:prstDash val="sysDot"/>
+              </a:ln>
+              <a:effectLst/>
+            </c:spPr>
+            <c:trendlineType val="linear"/>
+            <c:dispRSqr val="0"/>
+            <c:dispEq val="0"/>
+          </c:trendline>
+          <c:xVal>
+            <c:numRef>
+              <c:f>Data!$B$2:$B$16</c:f>
+              <c:numCache>
+                <c:formatCode>General</c:formatCode>
+                <c:ptCount val="15"/>
+                <c:pt idx="0">
+                  <c:v>146890</c:v>
+                </c:pt>
+                <c:pt idx="1">
+                  <c:v>167830</c:v>
+                </c:pt>
+                <c:pt idx="2">
+                  <c:v>206457</c:v>
+                </c:pt>
+                <c:pt idx="3">
+                  <c:v>116943</c:v>
+                </c:pt>
+                <c:pt idx="4">
+                  <c:v>120761</c:v>
+                </c:pt>
+                <c:pt idx="5">
+                  <c:v>186840</c:v>
+                </c:pt>
+                <c:pt idx="6">
+                  <c:v>112422</c:v>
+                </c:pt>
+                <c:pt idx="7">
+                  <c:v>71614</c:v>
+                </c:pt>
+                <c:pt idx="8">
+                  <c:v>124383</c:v>
+                </c:pt>
+                <c:pt idx="9">
+                  <c:v>62388</c:v>
+                </c:pt>
+                <c:pt idx="10">
+                  <c:v>32987</c:v>
+                </c:pt>
+                <c:pt idx="11">
+                  <c:v>22801</c:v>
+                </c:pt>
+                <c:pt idx="12">
+                  <c:v>10241</c:v>
+                </c:pt>
+                <c:pt idx="13">
+                  <c:v>7365</c:v>
+                </c:pt>
+                <c:pt idx="14">
+                  <c:v>6212</c:v>
+                </c:pt>
+              </c:numCache>
+            </c:numRef>
+          </c:xVal>
+          <c:yVal>
+            <c:numRef>
+              <c:f>Data!$N$2:$N$16</c:f>
+              <c:numCache>
+                <c:formatCode>0%</c:formatCode>
+                <c:ptCount val="15"/>
+                <c:pt idx="0">
+                  <c:v>0.99</c:v>
+                </c:pt>
+                <c:pt idx="1">
+                  <c:v>0.97</c:v>
+                </c:pt>
+                <c:pt idx="2">
+                  <c:v>0.92</c:v>
+                </c:pt>
+                <c:pt idx="3">
+                  <c:v>0.91</c:v>
+                </c:pt>
+                <c:pt idx="4">
+                  <c:v>0.92</c:v>
+                </c:pt>
+                <c:pt idx="5">
+                  <c:v>0.4</c:v>
+                </c:pt>
+                <c:pt idx="6">
+                  <c:v>0.71</c:v>
+                </c:pt>
+                <c:pt idx="7">
+                  <c:v>0.87</c:v>
+                </c:pt>
+                <c:pt idx="8">
+                  <c:v>0.92</c:v>
+                </c:pt>
+                <c:pt idx="9">
+                  <c:v>0.83</c:v>
+                </c:pt>
+                <c:pt idx="10">
+                  <c:v>0.9</c:v>
+                </c:pt>
+                <c:pt idx="11">
+                  <c:v>0.93</c:v>
+                </c:pt>
+                <c:pt idx="12">
+                  <c:v>0.92</c:v>
+                </c:pt>
+                <c:pt idx="13">
+                  <c:v>0.18</c:v>
+                </c:pt>
+                <c:pt idx="14">
+                  <c:v>0.3</c:v>
+                </c:pt>
+              </c:numCache>
+            </c:numRef>
+          </c:yVal>
+          <c:smooth val="0"/>
+          <c:extLst>
+            <c:ext xmlns:c16="http://schemas.microsoft.com/office/drawing/2014/chart" uri="{C3380CC4-5D6E-409C-BE32-E72D297353CC}">
+              <c16:uniqueId val="{00000001-0B2C-274D-B410-BB87F201C827}"/>
+            </c:ext>
+          </c:extLst>
+        </c:ser>
+        <c:dLbls>
+          <c:showLegendKey val="0"/>
+          <c:showVal val="0"/>
+          <c:showCatName val="0"/>
+          <c:showSerName val="0"/>
+          <c:showPercent val="0"/>
+          <c:showBubbleSize val="0"/>
+        </c:dLbls>
+        <c:axId val="403075712"/>
+        <c:axId val="403382960"/>
+      </c:scatterChart>
+      <c:valAx>
+        <c:axId val="403075712"/>
+        <c:scaling>
+          <c:orientation val="minMax"/>
+        </c:scaling>
+        <c:delete val="0"/>
+        <c:axPos val="b"/>
+        <c:majorGridlines>
+          <c:spPr>
+            <a:ln w="9525" cap="flat" cmpd="sng" algn="ctr">
+              <a:solidFill>
+                <a:schemeClr val="tx1">
+                  <a:lumMod val="15000"/>
+                  <a:lumOff val="85000"/>
+                </a:schemeClr>
+              </a:solidFill>
+              <a:round/>
+            </a:ln>
+            <a:effectLst/>
+          </c:spPr>
+        </c:majorGridlines>
+        <c:numFmt formatCode="General" sourceLinked="1"/>
+        <c:majorTickMark val="none"/>
+        <c:minorTickMark val="none"/>
+        <c:tickLblPos val="nextTo"/>
+        <c:spPr>
+          <a:noFill/>
+          <a:ln w="9525" cap="flat" cmpd="sng" algn="ctr">
+            <a:solidFill>
+              <a:schemeClr val="tx1">
+                <a:lumMod val="25000"/>
+                <a:lumOff val="75000"/>
+              </a:schemeClr>
+            </a:solidFill>
+            <a:round/>
+          </a:ln>
+          <a:effectLst/>
+        </c:spPr>
+        <c:txPr>
+          <a:bodyPr rot="-60000000" spcFirstLastPara="1" vertOverflow="ellipsis" vert="horz" wrap="square" anchor="ctr" anchorCtr="1"/>
+          <a:lstStyle/>
+          <a:p>
+            <a:pPr>
+              <a:defRPr sz="900" b="0" i="0" u="none" strike="noStrike" kern="1200" baseline="0">
+                <a:solidFill>
+                  <a:schemeClr val="tx1">
+                    <a:lumMod val="65000"/>
+                    <a:lumOff val="35000"/>
+                  </a:schemeClr>
+                </a:solidFill>
+                <a:latin typeface="+mn-lt"/>
+                <a:ea typeface="+mn-ea"/>
+                <a:cs typeface="+mn-cs"/>
+              </a:defRPr>
+            </a:pPr>
+            <a:endParaRPr lang="en-US"/>
+          </a:p>
+        </c:txPr>
+        <c:crossAx val="403382960"/>
+        <c:crosses val="autoZero"/>
+        <c:crossBetween val="midCat"/>
+      </c:valAx>
+      <c:valAx>
+        <c:axId val="403382960"/>
+        <c:scaling>
+          <c:orientation val="minMax"/>
+        </c:scaling>
+        <c:delete val="0"/>
+        <c:axPos val="l"/>
+        <c:majorGridlines>
+          <c:spPr>
+            <a:ln w="9525" cap="flat" cmpd="sng" algn="ctr">
+              <a:solidFill>
+                <a:schemeClr val="tx1">
+                  <a:lumMod val="15000"/>
+                  <a:lumOff val="85000"/>
+                </a:schemeClr>
+              </a:solidFill>
+              <a:round/>
+            </a:ln>
+            <a:effectLst/>
+          </c:spPr>
+        </c:majorGridlines>
+        <c:numFmt formatCode="0%" sourceLinked="1"/>
+        <c:majorTickMark val="none"/>
+        <c:minorTickMark val="none"/>
+        <c:tickLblPos val="nextTo"/>
+        <c:spPr>
+          <a:noFill/>
+          <a:ln w="9525" cap="flat" cmpd="sng" algn="ctr">
+            <a:solidFill>
+              <a:schemeClr val="tx1">
+                <a:lumMod val="25000"/>
+                <a:lumOff val="75000"/>
+              </a:schemeClr>
+            </a:solidFill>
+            <a:round/>
+          </a:ln>
+          <a:effectLst/>
+        </c:spPr>
+        <c:txPr>
+          <a:bodyPr rot="-60000000" spcFirstLastPara="1" vertOverflow="ellipsis" vert="horz" wrap="square" anchor="ctr" anchorCtr="1"/>
+          <a:lstStyle/>
+          <a:p>
+            <a:pPr>
+              <a:defRPr sz="900" b="0" i="0" u="none" strike="noStrike" kern="1200" baseline="0">
+                <a:solidFill>
+                  <a:schemeClr val="tx1">
+                    <a:lumMod val="65000"/>
+                    <a:lumOff val="35000"/>
+                  </a:schemeClr>
+                </a:solidFill>
+                <a:latin typeface="+mn-lt"/>
+                <a:ea typeface="+mn-ea"/>
+                <a:cs typeface="+mn-cs"/>
+              </a:defRPr>
+            </a:pPr>
+            <a:endParaRPr lang="en-US"/>
+          </a:p>
+        </c:txPr>
+        <c:crossAx val="403075712"/>
+        <c:crosses val="autoZero"/>
+        <c:crossBetween val="midCat"/>
+      </c:valAx>
+      <c:spPr>
+        <a:noFill/>
+        <a:ln>
+          <a:noFill/>
+        </a:ln>
+        <a:effectLst/>
+      </c:spPr>
+    </c:plotArea>
+    <c:plotVisOnly val="1"/>
+    <c:dispBlanksAs val="gap"/>
+    <c:extLst>
+      <c:ext xmlns:c16r3="http://schemas.microsoft.com/office/drawing/2017/03/chart" uri="{56B9EC1D-385E-4148-901F-78D8002777C0}">
+        <c16r3:dataDisplayOptions16>
+          <c16r3:dispNaAsBlank val="1"/>
+        </c16r3:dataDisplayOptions16>
+      </c:ext>
+    </c:extLst>
+    <c:showDLblsOverMax val="0"/>
+  </c:chart>
+  <c:spPr>
+    <a:noFill/>
+    <a:ln>
+      <a:noFill/>
+    </a:ln>
+    <a:effectLst/>
+  </c:spPr>
+  <c:txPr>
+    <a:bodyPr/>
+    <a:lstStyle/>
+    <a:p>
+      <a:pPr>
+        <a:defRPr/>
+      </a:pPr>
+      <a:endParaRPr lang="en-US"/>
+    </a:p>
+  </c:txPr>
+  <c:externalData r:id="rId3">
+    <c:autoUpdate val="0"/>
+  </c:externalData>
+</c:chartSpace>
+</file>
+
+<file path=ppt/charts/chart5.xml><?xml version="1.0" encoding="utf-8"?>
+<c:chartSpace xmlns:c="http://schemas.openxmlformats.org/drawingml/2006/chart" xmlns:a="http://schemas.openxmlformats.org/drawingml/2006/main" xmlns:r="http://schemas.openxmlformats.org/officeDocument/2006/relationships" xmlns:c16r2="http://schemas.microsoft.com/office/drawing/2015/06/chart">
+  <c:date1904 val="0"/>
+  <c:lang val="en-US"/>
+  <c:roundedCorners val="0"/>
+  <mc:AlternateContent xmlns:mc="http://schemas.openxmlformats.org/markup-compatibility/2006">
+    <mc:Choice xmlns:c14="http://schemas.microsoft.com/office/drawing/2007/8/2/chart" Requires="c14">
+      <c14:style val="102"/>
+    </mc:Choice>
+    <mc:Fallback>
+      <c:style val="2"/>
+    </mc:Fallback>
+  </mc:AlternateContent>
+  <c:chart>
+    <c:title>
+      <c:tx>
+        <c:rich>
+          <a:bodyPr rot="0" spcFirstLastPara="1" vertOverflow="ellipsis" vert="horz" wrap="square" anchor="ctr" anchorCtr="1"/>
+          <a:lstStyle/>
+          <a:p>
+            <a:pPr>
+              <a:defRPr sz="1400" b="0" i="0" u="none" strike="noStrike" kern="1200" spc="0" baseline="0">
+                <a:solidFill>
+                  <a:schemeClr val="tx1">
+                    <a:lumMod val="65000"/>
+                    <a:lumOff val="35000"/>
+                  </a:schemeClr>
+                </a:solidFill>
+                <a:latin typeface="+mn-lt"/>
+                <a:ea typeface="+mn-ea"/>
+                <a:cs typeface="+mn-cs"/>
+              </a:defRPr>
+            </a:pPr>
+            <a:r>
+              <a:rPr lang="en-US" dirty="0"/>
               <a:t>Movie Earnings vs Positive Tweets</a:t>
             </a:r>
           </a:p>
@@ -1380,7 +2231,7 @@
 </c:chartSpace>
 </file>
 
-<file path=ppt/charts/chart4.xml><?xml version="1.0" encoding="utf-8"?>
+<file path=ppt/charts/chart6.xml><?xml version="1.0" encoding="utf-8"?>
 <c:chartSpace xmlns:c="http://schemas.openxmlformats.org/drawingml/2006/chart" xmlns:a="http://schemas.openxmlformats.org/drawingml/2006/main" xmlns:r="http://schemas.openxmlformats.org/officeDocument/2006/relationships" xmlns:c16r2="http://schemas.microsoft.com/office/drawing/2015/06/chart">
   <c:date1904 val="0"/>
   <c:lang val="en-US"/>
@@ -1972,6 +2823,86 @@
 </cs:colorStyle>
 </file>
 
+<file path=ppt/charts/colors5.xml><?xml version="1.0" encoding="utf-8"?>
+<cs:colorStyle xmlns:cs="http://schemas.microsoft.com/office/drawing/2012/chartStyle" xmlns:a="http://schemas.openxmlformats.org/drawingml/2006/main" meth="cycle" id="10">
+  <a:schemeClr val="accent1"/>
+  <a:schemeClr val="accent2"/>
+  <a:schemeClr val="accent3"/>
+  <a:schemeClr val="accent4"/>
+  <a:schemeClr val="accent5"/>
+  <a:schemeClr val="accent6"/>
+  <cs:variation/>
+  <cs:variation>
+    <a:lumMod val="60000"/>
+  </cs:variation>
+  <cs:variation>
+    <a:lumMod val="80000"/>
+    <a:lumOff val="20000"/>
+  </cs:variation>
+  <cs:variation>
+    <a:lumMod val="80000"/>
+  </cs:variation>
+  <cs:variation>
+    <a:lumMod val="60000"/>
+    <a:lumOff val="40000"/>
+  </cs:variation>
+  <cs:variation>
+    <a:lumMod val="50000"/>
+  </cs:variation>
+  <cs:variation>
+    <a:lumMod val="70000"/>
+    <a:lumOff val="30000"/>
+  </cs:variation>
+  <cs:variation>
+    <a:lumMod val="70000"/>
+  </cs:variation>
+  <cs:variation>
+    <a:lumMod val="50000"/>
+    <a:lumOff val="50000"/>
+  </cs:variation>
+</cs:colorStyle>
+</file>
+
+<file path=ppt/charts/colors6.xml><?xml version="1.0" encoding="utf-8"?>
+<cs:colorStyle xmlns:cs="http://schemas.microsoft.com/office/drawing/2012/chartStyle" xmlns:a="http://schemas.openxmlformats.org/drawingml/2006/main" meth="cycle" id="10">
+  <a:schemeClr val="accent1"/>
+  <a:schemeClr val="accent2"/>
+  <a:schemeClr val="accent3"/>
+  <a:schemeClr val="accent4"/>
+  <a:schemeClr val="accent5"/>
+  <a:schemeClr val="accent6"/>
+  <cs:variation/>
+  <cs:variation>
+    <a:lumMod val="60000"/>
+  </cs:variation>
+  <cs:variation>
+    <a:lumMod val="80000"/>
+    <a:lumOff val="20000"/>
+  </cs:variation>
+  <cs:variation>
+    <a:lumMod val="80000"/>
+  </cs:variation>
+  <cs:variation>
+    <a:lumMod val="60000"/>
+    <a:lumOff val="40000"/>
+  </cs:variation>
+  <cs:variation>
+    <a:lumMod val="50000"/>
+  </cs:variation>
+  <cs:variation>
+    <a:lumMod val="70000"/>
+    <a:lumOff val="30000"/>
+  </cs:variation>
+  <cs:variation>
+    <a:lumMod val="70000"/>
+  </cs:variation>
+  <cs:variation>
+    <a:lumMod val="50000"/>
+    <a:lumOff val="50000"/>
+  </cs:variation>
+</cs:colorStyle>
+</file>
+
 <file path=ppt/charts/style1.xml><?xml version="1.0" encoding="utf-8"?>
 <cs:chartStyle xmlns:cs="http://schemas.microsoft.com/office/drawing/2012/chartStyle" xmlns:a="http://schemas.openxmlformats.org/drawingml/2006/main" id="240">
   <cs:axisTitle>
@@ -3521,6 +4452,1038 @@
 </file>
 
 <file path=ppt/charts/style4.xml><?xml version="1.0" encoding="utf-8"?>
+<cs:chartStyle xmlns:cs="http://schemas.microsoft.com/office/drawing/2012/chartStyle" xmlns:a="http://schemas.openxmlformats.org/drawingml/2006/main" id="240">
+  <cs:axisTitle>
+    <cs:lnRef idx="0"/>
+    <cs:fillRef idx="0"/>
+    <cs:effectRef idx="0"/>
+    <cs:fontRef idx="minor">
+      <a:schemeClr val="tx1">
+        <a:lumMod val="65000"/>
+        <a:lumOff val="35000"/>
+      </a:schemeClr>
+    </cs:fontRef>
+    <cs:defRPr sz="1000" kern="1200"/>
+  </cs:axisTitle>
+  <cs:categoryAxis>
+    <cs:lnRef idx="0"/>
+    <cs:fillRef idx="0"/>
+    <cs:effectRef idx="0"/>
+    <cs:fontRef idx="minor">
+      <a:schemeClr val="tx1">
+        <a:lumMod val="65000"/>
+        <a:lumOff val="35000"/>
+      </a:schemeClr>
+    </cs:fontRef>
+    <cs:spPr>
+      <a:ln w="9525" cap="flat" cmpd="sng" algn="ctr">
+        <a:solidFill>
+          <a:schemeClr val="tx1">
+            <a:lumMod val="25000"/>
+            <a:lumOff val="75000"/>
+          </a:schemeClr>
+        </a:solidFill>
+        <a:round/>
+      </a:ln>
+    </cs:spPr>
+    <cs:defRPr sz="900" kern="1200"/>
+  </cs:categoryAxis>
+  <cs:chartArea mods="allowNoFillOverride allowNoLineOverride">
+    <cs:lnRef idx="0"/>
+    <cs:fillRef idx="0"/>
+    <cs:effectRef idx="0"/>
+    <cs:fontRef idx="minor">
+      <a:schemeClr val="tx1"/>
+    </cs:fontRef>
+    <cs:spPr>
+      <a:solidFill>
+        <a:schemeClr val="bg1"/>
+      </a:solidFill>
+      <a:ln w="9525" cap="flat" cmpd="sng" algn="ctr">
+        <a:solidFill>
+          <a:schemeClr val="tx1">
+            <a:lumMod val="15000"/>
+            <a:lumOff val="85000"/>
+          </a:schemeClr>
+        </a:solidFill>
+        <a:round/>
+      </a:ln>
+    </cs:spPr>
+    <cs:defRPr sz="1000" kern="1200"/>
+  </cs:chartArea>
+  <cs:dataLabel>
+    <cs:lnRef idx="0"/>
+    <cs:fillRef idx="0"/>
+    <cs:effectRef idx="0"/>
+    <cs:fontRef idx="minor">
+      <a:schemeClr val="tx1">
+        <a:lumMod val="75000"/>
+        <a:lumOff val="25000"/>
+      </a:schemeClr>
+    </cs:fontRef>
+    <cs:defRPr sz="900" kern="1200"/>
+  </cs:dataLabel>
+  <cs:dataLabelCallout>
+    <cs:lnRef idx="0"/>
+    <cs:fillRef idx="0"/>
+    <cs:effectRef idx="0"/>
+    <cs:fontRef idx="minor">
+      <a:schemeClr val="dk1">
+        <a:lumMod val="65000"/>
+        <a:lumOff val="35000"/>
+      </a:schemeClr>
+    </cs:fontRef>
+    <cs:spPr>
+      <a:solidFill>
+        <a:schemeClr val="lt1"/>
+      </a:solidFill>
+      <a:ln>
+        <a:solidFill>
+          <a:schemeClr val="dk1">
+            <a:lumMod val="25000"/>
+            <a:lumOff val="75000"/>
+          </a:schemeClr>
+        </a:solidFill>
+      </a:ln>
+    </cs:spPr>
+    <cs:defRPr sz="900" kern="1200"/>
+    <cs:bodyPr rot="0" spcFirstLastPara="1" vertOverflow="clip" horzOverflow="clip" vert="horz" wrap="square" lIns="36576" tIns="18288" rIns="36576" bIns="18288" anchor="ctr" anchorCtr="1">
+      <a:spAutoFit/>
+    </cs:bodyPr>
+  </cs:dataLabelCallout>
+  <cs:dataPoint>
+    <cs:lnRef idx="0"/>
+    <cs:fillRef idx="1">
+      <cs:styleClr val="auto"/>
+    </cs:fillRef>
+    <cs:effectRef idx="0"/>
+    <cs:fontRef idx="minor">
+      <a:schemeClr val="tx1"/>
+    </cs:fontRef>
+  </cs:dataPoint>
+  <cs:dataPoint3D>
+    <cs:lnRef idx="0"/>
+    <cs:fillRef idx="1">
+      <cs:styleClr val="auto"/>
+    </cs:fillRef>
+    <cs:effectRef idx="0"/>
+    <cs:fontRef idx="minor">
+      <a:schemeClr val="tx1"/>
+    </cs:fontRef>
+  </cs:dataPoint3D>
+  <cs:dataPointLine>
+    <cs:lnRef idx="0">
+      <cs:styleClr val="auto"/>
+    </cs:lnRef>
+    <cs:fillRef idx="1"/>
+    <cs:effectRef idx="0"/>
+    <cs:fontRef idx="minor">
+      <a:schemeClr val="tx1"/>
+    </cs:fontRef>
+    <cs:spPr>
+      <a:ln w="19050" cap="rnd">
+        <a:solidFill>
+          <a:schemeClr val="phClr"/>
+        </a:solidFill>
+        <a:round/>
+      </a:ln>
+    </cs:spPr>
+  </cs:dataPointLine>
+  <cs:dataPointMarker>
+    <cs:lnRef idx="0">
+      <cs:styleClr val="auto"/>
+    </cs:lnRef>
+    <cs:fillRef idx="1">
+      <cs:styleClr val="auto"/>
+    </cs:fillRef>
+    <cs:effectRef idx="0"/>
+    <cs:fontRef idx="minor">
+      <a:schemeClr val="tx1"/>
+    </cs:fontRef>
+    <cs:spPr>
+      <a:ln w="9525">
+        <a:solidFill>
+          <a:schemeClr val="phClr"/>
+        </a:solidFill>
+      </a:ln>
+    </cs:spPr>
+  </cs:dataPointMarker>
+  <cs:dataPointMarkerLayout symbol="circle" size="5"/>
+  <cs:dataPointWireframe>
+    <cs:lnRef idx="0">
+      <cs:styleClr val="auto"/>
+    </cs:lnRef>
+    <cs:fillRef idx="0"/>
+    <cs:effectRef idx="0"/>
+    <cs:fontRef idx="minor">
+      <a:schemeClr val="dk1"/>
+    </cs:fontRef>
+    <cs:spPr>
+      <a:ln w="9525" cap="rnd">
+        <a:solidFill>
+          <a:schemeClr val="phClr"/>
+        </a:solidFill>
+        <a:round/>
+      </a:ln>
+    </cs:spPr>
+  </cs:dataPointWireframe>
+  <cs:dataTable>
+    <cs:lnRef idx="0"/>
+    <cs:fillRef idx="0"/>
+    <cs:effectRef idx="0"/>
+    <cs:fontRef idx="minor">
+      <a:schemeClr val="tx1">
+        <a:lumMod val="65000"/>
+        <a:lumOff val="35000"/>
+      </a:schemeClr>
+    </cs:fontRef>
+    <cs:spPr>
+      <a:noFill/>
+      <a:ln w="9525" cap="flat" cmpd="sng" algn="ctr">
+        <a:solidFill>
+          <a:schemeClr val="tx1">
+            <a:lumMod val="15000"/>
+            <a:lumOff val="85000"/>
+          </a:schemeClr>
+        </a:solidFill>
+        <a:round/>
+      </a:ln>
+    </cs:spPr>
+    <cs:defRPr sz="900" kern="1200"/>
+  </cs:dataTable>
+  <cs:downBar>
+    <cs:lnRef idx="0"/>
+    <cs:fillRef idx="0"/>
+    <cs:effectRef idx="0"/>
+    <cs:fontRef idx="minor">
+      <a:schemeClr val="tx1"/>
+    </cs:fontRef>
+    <cs:spPr>
+      <a:solidFill>
+        <a:schemeClr val="dk1">
+          <a:lumMod val="75000"/>
+          <a:lumOff val="25000"/>
+        </a:schemeClr>
+      </a:solidFill>
+      <a:ln w="9525" cap="flat" cmpd="sng" algn="ctr">
+        <a:solidFill>
+          <a:schemeClr val="tx1">
+            <a:lumMod val="65000"/>
+            <a:lumOff val="35000"/>
+          </a:schemeClr>
+        </a:solidFill>
+        <a:round/>
+      </a:ln>
+    </cs:spPr>
+  </cs:downBar>
+  <cs:dropLine>
+    <cs:lnRef idx="0"/>
+    <cs:fillRef idx="0"/>
+    <cs:effectRef idx="0"/>
+    <cs:fontRef idx="minor">
+      <a:schemeClr val="tx1"/>
+    </cs:fontRef>
+    <cs:spPr>
+      <a:ln w="9525" cap="flat" cmpd="sng" algn="ctr">
+        <a:solidFill>
+          <a:schemeClr val="tx1">
+            <a:lumMod val="35000"/>
+            <a:lumOff val="65000"/>
+          </a:schemeClr>
+        </a:solidFill>
+        <a:round/>
+      </a:ln>
+    </cs:spPr>
+  </cs:dropLine>
+  <cs:errorBar>
+    <cs:lnRef idx="0"/>
+    <cs:fillRef idx="0"/>
+    <cs:effectRef idx="0"/>
+    <cs:fontRef idx="minor">
+      <a:schemeClr val="tx1"/>
+    </cs:fontRef>
+    <cs:spPr>
+      <a:ln w="9525" cap="flat" cmpd="sng" algn="ctr">
+        <a:solidFill>
+          <a:schemeClr val="tx1">
+            <a:lumMod val="65000"/>
+            <a:lumOff val="35000"/>
+          </a:schemeClr>
+        </a:solidFill>
+        <a:round/>
+      </a:ln>
+    </cs:spPr>
+  </cs:errorBar>
+  <cs:floor>
+    <cs:lnRef idx="0"/>
+    <cs:fillRef idx="0"/>
+    <cs:effectRef idx="0"/>
+    <cs:fontRef idx="minor">
+      <a:schemeClr val="tx1"/>
+    </cs:fontRef>
+    <cs:spPr>
+      <a:noFill/>
+      <a:ln>
+        <a:noFill/>
+      </a:ln>
+    </cs:spPr>
+  </cs:floor>
+  <cs:gridlineMajor>
+    <cs:lnRef idx="0"/>
+    <cs:fillRef idx="0"/>
+    <cs:effectRef idx="0"/>
+    <cs:fontRef idx="minor">
+      <a:schemeClr val="tx1"/>
+    </cs:fontRef>
+    <cs:spPr>
+      <a:ln w="9525" cap="flat" cmpd="sng" algn="ctr">
+        <a:solidFill>
+          <a:schemeClr val="tx1">
+            <a:lumMod val="15000"/>
+            <a:lumOff val="85000"/>
+          </a:schemeClr>
+        </a:solidFill>
+        <a:round/>
+      </a:ln>
+    </cs:spPr>
+  </cs:gridlineMajor>
+  <cs:gridlineMinor>
+    <cs:lnRef idx="0"/>
+    <cs:fillRef idx="0"/>
+    <cs:effectRef idx="0"/>
+    <cs:fontRef idx="minor">
+      <a:schemeClr val="tx1"/>
+    </cs:fontRef>
+    <cs:spPr>
+      <a:ln w="9525" cap="flat" cmpd="sng" algn="ctr">
+        <a:solidFill>
+          <a:schemeClr val="tx1">
+            <a:lumMod val="5000"/>
+            <a:lumOff val="95000"/>
+          </a:schemeClr>
+        </a:solidFill>
+        <a:round/>
+      </a:ln>
+    </cs:spPr>
+  </cs:gridlineMinor>
+  <cs:hiLoLine>
+    <cs:lnRef idx="0"/>
+    <cs:fillRef idx="0"/>
+    <cs:effectRef idx="0"/>
+    <cs:fontRef idx="minor">
+      <a:schemeClr val="tx1"/>
+    </cs:fontRef>
+    <cs:spPr>
+      <a:ln w="9525" cap="flat" cmpd="sng" algn="ctr">
+        <a:solidFill>
+          <a:schemeClr val="tx1">
+            <a:lumMod val="50000"/>
+            <a:lumOff val="50000"/>
+          </a:schemeClr>
+        </a:solidFill>
+        <a:round/>
+      </a:ln>
+    </cs:spPr>
+  </cs:hiLoLine>
+  <cs:leaderLine>
+    <cs:lnRef idx="0"/>
+    <cs:fillRef idx="0"/>
+    <cs:effectRef idx="0"/>
+    <cs:fontRef idx="minor">
+      <a:schemeClr val="tx1"/>
+    </cs:fontRef>
+    <cs:spPr>
+      <a:ln w="9525" cap="flat" cmpd="sng" algn="ctr">
+        <a:solidFill>
+          <a:schemeClr val="tx1">
+            <a:lumMod val="35000"/>
+            <a:lumOff val="65000"/>
+          </a:schemeClr>
+        </a:solidFill>
+        <a:round/>
+      </a:ln>
+    </cs:spPr>
+  </cs:leaderLine>
+  <cs:legend>
+    <cs:lnRef idx="0"/>
+    <cs:fillRef idx="0"/>
+    <cs:effectRef idx="0"/>
+    <cs:fontRef idx="minor">
+      <a:schemeClr val="tx1">
+        <a:lumMod val="65000"/>
+        <a:lumOff val="35000"/>
+      </a:schemeClr>
+    </cs:fontRef>
+    <cs:defRPr sz="900" kern="1200"/>
+  </cs:legend>
+  <cs:plotArea mods="allowNoFillOverride allowNoLineOverride">
+    <cs:lnRef idx="0"/>
+    <cs:fillRef idx="0"/>
+    <cs:effectRef idx="0"/>
+    <cs:fontRef idx="minor">
+      <a:schemeClr val="tx1"/>
+    </cs:fontRef>
+  </cs:plotArea>
+  <cs:plotArea3D mods="allowNoFillOverride allowNoLineOverride">
+    <cs:lnRef idx="0"/>
+    <cs:fillRef idx="0"/>
+    <cs:effectRef idx="0"/>
+    <cs:fontRef idx="minor">
+      <a:schemeClr val="tx1"/>
+    </cs:fontRef>
+  </cs:plotArea3D>
+  <cs:seriesAxis>
+    <cs:lnRef idx="0"/>
+    <cs:fillRef idx="0"/>
+    <cs:effectRef idx="0"/>
+    <cs:fontRef idx="minor">
+      <a:schemeClr val="tx1">
+        <a:lumMod val="65000"/>
+        <a:lumOff val="35000"/>
+      </a:schemeClr>
+    </cs:fontRef>
+    <cs:defRPr sz="900" kern="1200"/>
+  </cs:seriesAxis>
+  <cs:seriesLine>
+    <cs:lnRef idx="0"/>
+    <cs:fillRef idx="0"/>
+    <cs:effectRef idx="0"/>
+    <cs:fontRef idx="minor">
+      <a:schemeClr val="tx1"/>
+    </cs:fontRef>
+    <cs:spPr>
+      <a:ln w="9525" cap="flat" cmpd="sng" algn="ctr">
+        <a:solidFill>
+          <a:schemeClr val="tx1">
+            <a:lumMod val="35000"/>
+            <a:lumOff val="65000"/>
+          </a:schemeClr>
+        </a:solidFill>
+        <a:round/>
+      </a:ln>
+    </cs:spPr>
+  </cs:seriesLine>
+  <cs:title>
+    <cs:lnRef idx="0"/>
+    <cs:fillRef idx="0"/>
+    <cs:effectRef idx="0"/>
+    <cs:fontRef idx="minor">
+      <a:schemeClr val="tx1">
+        <a:lumMod val="65000"/>
+        <a:lumOff val="35000"/>
+      </a:schemeClr>
+    </cs:fontRef>
+    <cs:defRPr sz="1400" b="0" kern="1200" spc="0" baseline="0"/>
+  </cs:title>
+  <cs:trendline>
+    <cs:lnRef idx="0">
+      <cs:styleClr val="auto"/>
+    </cs:lnRef>
+    <cs:fillRef idx="0"/>
+    <cs:effectRef idx="0"/>
+    <cs:fontRef idx="minor">
+      <a:schemeClr val="tx1"/>
+    </cs:fontRef>
+    <cs:spPr>
+      <a:ln w="19050" cap="rnd">
+        <a:solidFill>
+          <a:schemeClr val="phClr"/>
+        </a:solidFill>
+        <a:prstDash val="sysDot"/>
+      </a:ln>
+    </cs:spPr>
+  </cs:trendline>
+  <cs:trendlineLabel>
+    <cs:lnRef idx="0"/>
+    <cs:fillRef idx="0"/>
+    <cs:effectRef idx="0"/>
+    <cs:fontRef idx="minor">
+      <a:schemeClr val="tx1">
+        <a:lumMod val="65000"/>
+        <a:lumOff val="35000"/>
+      </a:schemeClr>
+    </cs:fontRef>
+    <cs:defRPr sz="900" kern="1200"/>
+  </cs:trendlineLabel>
+  <cs:upBar>
+    <cs:lnRef idx="0"/>
+    <cs:fillRef idx="0"/>
+    <cs:effectRef idx="0"/>
+    <cs:fontRef idx="minor">
+      <a:schemeClr val="tx1"/>
+    </cs:fontRef>
+    <cs:spPr>
+      <a:solidFill>
+        <a:schemeClr val="lt1"/>
+      </a:solidFill>
+      <a:ln w="9525" cap="flat" cmpd="sng" algn="ctr">
+        <a:solidFill>
+          <a:schemeClr val="tx1">
+            <a:lumMod val="65000"/>
+            <a:lumOff val="35000"/>
+          </a:schemeClr>
+        </a:solidFill>
+        <a:round/>
+      </a:ln>
+    </cs:spPr>
+  </cs:upBar>
+  <cs:valueAxis>
+    <cs:lnRef idx="0"/>
+    <cs:fillRef idx="0"/>
+    <cs:effectRef idx="0"/>
+    <cs:fontRef idx="minor">
+      <a:schemeClr val="tx1">
+        <a:lumMod val="65000"/>
+        <a:lumOff val="35000"/>
+      </a:schemeClr>
+    </cs:fontRef>
+    <cs:spPr>
+      <a:ln w="9525" cap="flat" cmpd="sng" algn="ctr">
+        <a:solidFill>
+          <a:schemeClr val="tx1">
+            <a:lumMod val="25000"/>
+            <a:lumOff val="75000"/>
+          </a:schemeClr>
+        </a:solidFill>
+        <a:round/>
+      </a:ln>
+    </cs:spPr>
+    <cs:defRPr sz="900" kern="1200"/>
+  </cs:valueAxis>
+  <cs:wall>
+    <cs:lnRef idx="0"/>
+    <cs:fillRef idx="0"/>
+    <cs:effectRef idx="0"/>
+    <cs:fontRef idx="minor">
+      <a:schemeClr val="tx1"/>
+    </cs:fontRef>
+    <cs:spPr>
+      <a:noFill/>
+      <a:ln>
+        <a:noFill/>
+      </a:ln>
+    </cs:spPr>
+  </cs:wall>
+</cs:chartStyle>
+</file>
+
+<file path=ppt/charts/style5.xml><?xml version="1.0" encoding="utf-8"?>
+<cs:chartStyle xmlns:cs="http://schemas.microsoft.com/office/drawing/2012/chartStyle" xmlns:a="http://schemas.openxmlformats.org/drawingml/2006/main" id="240">
+  <cs:axisTitle>
+    <cs:lnRef idx="0"/>
+    <cs:fillRef idx="0"/>
+    <cs:effectRef idx="0"/>
+    <cs:fontRef idx="minor">
+      <a:schemeClr val="tx1">
+        <a:lumMod val="65000"/>
+        <a:lumOff val="35000"/>
+      </a:schemeClr>
+    </cs:fontRef>
+    <cs:defRPr sz="1000" kern="1200"/>
+  </cs:axisTitle>
+  <cs:categoryAxis>
+    <cs:lnRef idx="0"/>
+    <cs:fillRef idx="0"/>
+    <cs:effectRef idx="0"/>
+    <cs:fontRef idx="minor">
+      <a:schemeClr val="tx1">
+        <a:lumMod val="65000"/>
+        <a:lumOff val="35000"/>
+      </a:schemeClr>
+    </cs:fontRef>
+    <cs:spPr>
+      <a:ln w="9525" cap="flat" cmpd="sng" algn="ctr">
+        <a:solidFill>
+          <a:schemeClr val="tx1">
+            <a:lumMod val="25000"/>
+            <a:lumOff val="75000"/>
+          </a:schemeClr>
+        </a:solidFill>
+        <a:round/>
+      </a:ln>
+    </cs:spPr>
+    <cs:defRPr sz="900" kern="1200"/>
+  </cs:categoryAxis>
+  <cs:chartArea mods="allowNoFillOverride allowNoLineOverride">
+    <cs:lnRef idx="0"/>
+    <cs:fillRef idx="0"/>
+    <cs:effectRef idx="0"/>
+    <cs:fontRef idx="minor">
+      <a:schemeClr val="tx1"/>
+    </cs:fontRef>
+    <cs:spPr>
+      <a:solidFill>
+        <a:schemeClr val="bg1"/>
+      </a:solidFill>
+      <a:ln w="9525" cap="flat" cmpd="sng" algn="ctr">
+        <a:solidFill>
+          <a:schemeClr val="tx1">
+            <a:lumMod val="15000"/>
+            <a:lumOff val="85000"/>
+          </a:schemeClr>
+        </a:solidFill>
+        <a:round/>
+      </a:ln>
+    </cs:spPr>
+    <cs:defRPr sz="1000" kern="1200"/>
+  </cs:chartArea>
+  <cs:dataLabel>
+    <cs:lnRef idx="0"/>
+    <cs:fillRef idx="0"/>
+    <cs:effectRef idx="0"/>
+    <cs:fontRef idx="minor">
+      <a:schemeClr val="tx1">
+        <a:lumMod val="75000"/>
+        <a:lumOff val="25000"/>
+      </a:schemeClr>
+    </cs:fontRef>
+    <cs:defRPr sz="900" kern="1200"/>
+  </cs:dataLabel>
+  <cs:dataLabelCallout>
+    <cs:lnRef idx="0"/>
+    <cs:fillRef idx="0"/>
+    <cs:effectRef idx="0"/>
+    <cs:fontRef idx="minor">
+      <a:schemeClr val="dk1">
+        <a:lumMod val="65000"/>
+        <a:lumOff val="35000"/>
+      </a:schemeClr>
+    </cs:fontRef>
+    <cs:spPr>
+      <a:solidFill>
+        <a:schemeClr val="lt1"/>
+      </a:solidFill>
+      <a:ln>
+        <a:solidFill>
+          <a:schemeClr val="dk1">
+            <a:lumMod val="25000"/>
+            <a:lumOff val="75000"/>
+          </a:schemeClr>
+        </a:solidFill>
+      </a:ln>
+    </cs:spPr>
+    <cs:defRPr sz="900" kern="1200"/>
+    <cs:bodyPr rot="0" spcFirstLastPara="1" vertOverflow="clip" horzOverflow="clip" vert="horz" wrap="square" lIns="36576" tIns="18288" rIns="36576" bIns="18288" anchor="ctr" anchorCtr="1">
+      <a:spAutoFit/>
+    </cs:bodyPr>
+  </cs:dataLabelCallout>
+  <cs:dataPoint>
+    <cs:lnRef idx="0"/>
+    <cs:fillRef idx="1">
+      <cs:styleClr val="auto"/>
+    </cs:fillRef>
+    <cs:effectRef idx="0"/>
+    <cs:fontRef idx="minor">
+      <a:schemeClr val="tx1"/>
+    </cs:fontRef>
+  </cs:dataPoint>
+  <cs:dataPoint3D>
+    <cs:lnRef idx="0"/>
+    <cs:fillRef idx="1">
+      <cs:styleClr val="auto"/>
+    </cs:fillRef>
+    <cs:effectRef idx="0"/>
+    <cs:fontRef idx="minor">
+      <a:schemeClr val="tx1"/>
+    </cs:fontRef>
+  </cs:dataPoint3D>
+  <cs:dataPointLine>
+    <cs:lnRef idx="0">
+      <cs:styleClr val="auto"/>
+    </cs:lnRef>
+    <cs:fillRef idx="1"/>
+    <cs:effectRef idx="0"/>
+    <cs:fontRef idx="minor">
+      <a:schemeClr val="tx1"/>
+    </cs:fontRef>
+    <cs:spPr>
+      <a:ln w="19050" cap="rnd">
+        <a:solidFill>
+          <a:schemeClr val="phClr"/>
+        </a:solidFill>
+        <a:round/>
+      </a:ln>
+    </cs:spPr>
+  </cs:dataPointLine>
+  <cs:dataPointMarker>
+    <cs:lnRef idx="0">
+      <cs:styleClr val="auto"/>
+    </cs:lnRef>
+    <cs:fillRef idx="1">
+      <cs:styleClr val="auto"/>
+    </cs:fillRef>
+    <cs:effectRef idx="0"/>
+    <cs:fontRef idx="minor">
+      <a:schemeClr val="tx1"/>
+    </cs:fontRef>
+    <cs:spPr>
+      <a:ln w="9525">
+        <a:solidFill>
+          <a:schemeClr val="phClr"/>
+        </a:solidFill>
+      </a:ln>
+    </cs:spPr>
+  </cs:dataPointMarker>
+  <cs:dataPointMarkerLayout symbol="circle" size="5"/>
+  <cs:dataPointWireframe>
+    <cs:lnRef idx="0">
+      <cs:styleClr val="auto"/>
+    </cs:lnRef>
+    <cs:fillRef idx="0"/>
+    <cs:effectRef idx="0"/>
+    <cs:fontRef idx="minor">
+      <a:schemeClr val="dk1"/>
+    </cs:fontRef>
+    <cs:spPr>
+      <a:ln w="9525" cap="rnd">
+        <a:solidFill>
+          <a:schemeClr val="phClr"/>
+        </a:solidFill>
+        <a:round/>
+      </a:ln>
+    </cs:spPr>
+  </cs:dataPointWireframe>
+  <cs:dataTable>
+    <cs:lnRef idx="0"/>
+    <cs:fillRef idx="0"/>
+    <cs:effectRef idx="0"/>
+    <cs:fontRef idx="minor">
+      <a:schemeClr val="tx1">
+        <a:lumMod val="65000"/>
+        <a:lumOff val="35000"/>
+      </a:schemeClr>
+    </cs:fontRef>
+    <cs:spPr>
+      <a:noFill/>
+      <a:ln w="9525" cap="flat" cmpd="sng" algn="ctr">
+        <a:solidFill>
+          <a:schemeClr val="tx1">
+            <a:lumMod val="15000"/>
+            <a:lumOff val="85000"/>
+          </a:schemeClr>
+        </a:solidFill>
+        <a:round/>
+      </a:ln>
+    </cs:spPr>
+    <cs:defRPr sz="900" kern="1200"/>
+  </cs:dataTable>
+  <cs:downBar>
+    <cs:lnRef idx="0"/>
+    <cs:fillRef idx="0"/>
+    <cs:effectRef idx="0"/>
+    <cs:fontRef idx="minor">
+      <a:schemeClr val="tx1"/>
+    </cs:fontRef>
+    <cs:spPr>
+      <a:solidFill>
+        <a:schemeClr val="dk1">
+          <a:lumMod val="75000"/>
+          <a:lumOff val="25000"/>
+        </a:schemeClr>
+      </a:solidFill>
+      <a:ln w="9525" cap="flat" cmpd="sng" algn="ctr">
+        <a:solidFill>
+          <a:schemeClr val="tx1">
+            <a:lumMod val="65000"/>
+            <a:lumOff val="35000"/>
+          </a:schemeClr>
+        </a:solidFill>
+        <a:round/>
+      </a:ln>
+    </cs:spPr>
+  </cs:downBar>
+  <cs:dropLine>
+    <cs:lnRef idx="0"/>
+    <cs:fillRef idx="0"/>
+    <cs:effectRef idx="0"/>
+    <cs:fontRef idx="minor">
+      <a:schemeClr val="tx1"/>
+    </cs:fontRef>
+    <cs:spPr>
+      <a:ln w="9525" cap="flat" cmpd="sng" algn="ctr">
+        <a:solidFill>
+          <a:schemeClr val="tx1">
+            <a:lumMod val="35000"/>
+            <a:lumOff val="65000"/>
+          </a:schemeClr>
+        </a:solidFill>
+        <a:round/>
+      </a:ln>
+    </cs:spPr>
+  </cs:dropLine>
+  <cs:errorBar>
+    <cs:lnRef idx="0"/>
+    <cs:fillRef idx="0"/>
+    <cs:effectRef idx="0"/>
+    <cs:fontRef idx="minor">
+      <a:schemeClr val="tx1"/>
+    </cs:fontRef>
+    <cs:spPr>
+      <a:ln w="9525" cap="flat" cmpd="sng" algn="ctr">
+        <a:solidFill>
+          <a:schemeClr val="tx1">
+            <a:lumMod val="65000"/>
+            <a:lumOff val="35000"/>
+          </a:schemeClr>
+        </a:solidFill>
+        <a:round/>
+      </a:ln>
+    </cs:spPr>
+  </cs:errorBar>
+  <cs:floor>
+    <cs:lnRef idx="0"/>
+    <cs:fillRef idx="0"/>
+    <cs:effectRef idx="0"/>
+    <cs:fontRef idx="minor">
+      <a:schemeClr val="tx1"/>
+    </cs:fontRef>
+    <cs:spPr>
+      <a:noFill/>
+      <a:ln>
+        <a:noFill/>
+      </a:ln>
+    </cs:spPr>
+  </cs:floor>
+  <cs:gridlineMajor>
+    <cs:lnRef idx="0"/>
+    <cs:fillRef idx="0"/>
+    <cs:effectRef idx="0"/>
+    <cs:fontRef idx="minor">
+      <a:schemeClr val="tx1"/>
+    </cs:fontRef>
+    <cs:spPr>
+      <a:ln w="9525" cap="flat" cmpd="sng" algn="ctr">
+        <a:solidFill>
+          <a:schemeClr val="tx1">
+            <a:lumMod val="15000"/>
+            <a:lumOff val="85000"/>
+          </a:schemeClr>
+        </a:solidFill>
+        <a:round/>
+      </a:ln>
+    </cs:spPr>
+  </cs:gridlineMajor>
+  <cs:gridlineMinor>
+    <cs:lnRef idx="0"/>
+    <cs:fillRef idx="0"/>
+    <cs:effectRef idx="0"/>
+    <cs:fontRef idx="minor">
+      <a:schemeClr val="tx1"/>
+    </cs:fontRef>
+    <cs:spPr>
+      <a:ln w="9525" cap="flat" cmpd="sng" algn="ctr">
+        <a:solidFill>
+          <a:schemeClr val="tx1">
+            <a:lumMod val="5000"/>
+            <a:lumOff val="95000"/>
+          </a:schemeClr>
+        </a:solidFill>
+        <a:round/>
+      </a:ln>
+    </cs:spPr>
+  </cs:gridlineMinor>
+  <cs:hiLoLine>
+    <cs:lnRef idx="0"/>
+    <cs:fillRef idx="0"/>
+    <cs:effectRef idx="0"/>
+    <cs:fontRef idx="minor">
+      <a:schemeClr val="tx1"/>
+    </cs:fontRef>
+    <cs:spPr>
+      <a:ln w="9525" cap="flat" cmpd="sng" algn="ctr">
+        <a:solidFill>
+          <a:schemeClr val="tx1">
+            <a:lumMod val="50000"/>
+            <a:lumOff val="50000"/>
+          </a:schemeClr>
+        </a:solidFill>
+        <a:round/>
+      </a:ln>
+    </cs:spPr>
+  </cs:hiLoLine>
+  <cs:leaderLine>
+    <cs:lnRef idx="0"/>
+    <cs:fillRef idx="0"/>
+    <cs:effectRef idx="0"/>
+    <cs:fontRef idx="minor">
+      <a:schemeClr val="tx1"/>
+    </cs:fontRef>
+    <cs:spPr>
+      <a:ln w="9525" cap="flat" cmpd="sng" algn="ctr">
+        <a:solidFill>
+          <a:schemeClr val="tx1">
+            <a:lumMod val="35000"/>
+            <a:lumOff val="65000"/>
+          </a:schemeClr>
+        </a:solidFill>
+        <a:round/>
+      </a:ln>
+    </cs:spPr>
+  </cs:leaderLine>
+  <cs:legend>
+    <cs:lnRef idx="0"/>
+    <cs:fillRef idx="0"/>
+    <cs:effectRef idx="0"/>
+    <cs:fontRef idx="minor">
+      <a:schemeClr val="tx1">
+        <a:lumMod val="65000"/>
+        <a:lumOff val="35000"/>
+      </a:schemeClr>
+    </cs:fontRef>
+    <cs:defRPr sz="900" kern="1200"/>
+  </cs:legend>
+  <cs:plotArea mods="allowNoFillOverride allowNoLineOverride">
+    <cs:lnRef idx="0"/>
+    <cs:fillRef idx="0"/>
+    <cs:effectRef idx="0"/>
+    <cs:fontRef idx="minor">
+      <a:schemeClr val="tx1"/>
+    </cs:fontRef>
+  </cs:plotArea>
+  <cs:plotArea3D mods="allowNoFillOverride allowNoLineOverride">
+    <cs:lnRef idx="0"/>
+    <cs:fillRef idx="0"/>
+    <cs:effectRef idx="0"/>
+    <cs:fontRef idx="minor">
+      <a:schemeClr val="tx1"/>
+    </cs:fontRef>
+  </cs:plotArea3D>
+  <cs:seriesAxis>
+    <cs:lnRef idx="0"/>
+    <cs:fillRef idx="0"/>
+    <cs:effectRef idx="0"/>
+    <cs:fontRef idx="minor">
+      <a:schemeClr val="tx1">
+        <a:lumMod val="65000"/>
+        <a:lumOff val="35000"/>
+      </a:schemeClr>
+    </cs:fontRef>
+    <cs:defRPr sz="900" kern="1200"/>
+  </cs:seriesAxis>
+  <cs:seriesLine>
+    <cs:lnRef idx="0"/>
+    <cs:fillRef idx="0"/>
+    <cs:effectRef idx="0"/>
+    <cs:fontRef idx="minor">
+      <a:schemeClr val="tx1"/>
+    </cs:fontRef>
+    <cs:spPr>
+      <a:ln w="9525" cap="flat" cmpd="sng" algn="ctr">
+        <a:solidFill>
+          <a:schemeClr val="tx1">
+            <a:lumMod val="35000"/>
+            <a:lumOff val="65000"/>
+          </a:schemeClr>
+        </a:solidFill>
+        <a:round/>
+      </a:ln>
+    </cs:spPr>
+  </cs:seriesLine>
+  <cs:title>
+    <cs:lnRef idx="0"/>
+    <cs:fillRef idx="0"/>
+    <cs:effectRef idx="0"/>
+    <cs:fontRef idx="minor">
+      <a:schemeClr val="tx1">
+        <a:lumMod val="65000"/>
+        <a:lumOff val="35000"/>
+      </a:schemeClr>
+    </cs:fontRef>
+    <cs:defRPr sz="1400" b="0" kern="1200" spc="0" baseline="0"/>
+  </cs:title>
+  <cs:trendline>
+    <cs:lnRef idx="0">
+      <cs:styleClr val="auto"/>
+    </cs:lnRef>
+    <cs:fillRef idx="0"/>
+    <cs:effectRef idx="0"/>
+    <cs:fontRef idx="minor">
+      <a:schemeClr val="tx1"/>
+    </cs:fontRef>
+    <cs:spPr>
+      <a:ln w="19050" cap="rnd">
+        <a:solidFill>
+          <a:schemeClr val="phClr"/>
+        </a:solidFill>
+        <a:prstDash val="sysDot"/>
+      </a:ln>
+    </cs:spPr>
+  </cs:trendline>
+  <cs:trendlineLabel>
+    <cs:lnRef idx="0"/>
+    <cs:fillRef idx="0"/>
+    <cs:effectRef idx="0"/>
+    <cs:fontRef idx="minor">
+      <a:schemeClr val="tx1">
+        <a:lumMod val="65000"/>
+        <a:lumOff val="35000"/>
+      </a:schemeClr>
+    </cs:fontRef>
+    <cs:defRPr sz="900" kern="1200"/>
+  </cs:trendlineLabel>
+  <cs:upBar>
+    <cs:lnRef idx="0"/>
+    <cs:fillRef idx="0"/>
+    <cs:effectRef idx="0"/>
+    <cs:fontRef idx="minor">
+      <a:schemeClr val="tx1"/>
+    </cs:fontRef>
+    <cs:spPr>
+      <a:solidFill>
+        <a:schemeClr val="lt1"/>
+      </a:solidFill>
+      <a:ln w="9525" cap="flat" cmpd="sng" algn="ctr">
+        <a:solidFill>
+          <a:schemeClr val="tx1">
+            <a:lumMod val="65000"/>
+            <a:lumOff val="35000"/>
+          </a:schemeClr>
+        </a:solidFill>
+        <a:round/>
+      </a:ln>
+    </cs:spPr>
+  </cs:upBar>
+  <cs:valueAxis>
+    <cs:lnRef idx="0"/>
+    <cs:fillRef idx="0"/>
+    <cs:effectRef idx="0"/>
+    <cs:fontRef idx="minor">
+      <a:schemeClr val="tx1">
+        <a:lumMod val="65000"/>
+        <a:lumOff val="35000"/>
+      </a:schemeClr>
+    </cs:fontRef>
+    <cs:spPr>
+      <a:ln w="9525" cap="flat" cmpd="sng" algn="ctr">
+        <a:solidFill>
+          <a:schemeClr val="tx1">
+            <a:lumMod val="25000"/>
+            <a:lumOff val="75000"/>
+          </a:schemeClr>
+        </a:solidFill>
+        <a:round/>
+      </a:ln>
+    </cs:spPr>
+    <cs:defRPr sz="900" kern="1200"/>
+  </cs:valueAxis>
+  <cs:wall>
+    <cs:lnRef idx="0"/>
+    <cs:fillRef idx="0"/>
+    <cs:effectRef idx="0"/>
+    <cs:fontRef idx="minor">
+      <a:schemeClr val="tx1"/>
+    </cs:fontRef>
+    <cs:spPr>
+      <a:noFill/>
+      <a:ln>
+        <a:noFill/>
+      </a:ln>
+    </cs:spPr>
+  </cs:wall>
+</cs:chartStyle>
+</file>
+
+<file path=ppt/charts/style6.xml><?xml version="1.0" encoding="utf-8"?>
 <cs:chartStyle xmlns:cs="http://schemas.microsoft.com/office/drawing/2012/chartStyle" xmlns:a="http://schemas.openxmlformats.org/drawingml/2006/main" id="240">
   <cs:axisTitle>
     <cs:lnRef idx="0"/>
@@ -4118,7 +6081,7 @@
           <a:p>
             <a:fld id="{EB32E11D-AA62-1A48-B42E-F452D285CE0B}" type="datetimeFigureOut">
               <a:rPr lang="en-US" smtClean="0"/>
-              <a:t>4/22/18</a:t>
+              <a:t>4/23/18</a:t>
             </a:fld>
             <a:endParaRPr lang="en-US"/>
           </a:p>
@@ -4724,9 +6687,9 @@
           </a:lstStyle>
           <a:p>
             <a:fld id="{B61BEF0D-F0BB-DE4B-95CE-6DB70DBA9567}" type="datetimeFigureOut">
-              <a:rPr lang="en-US" dirty="0"/>
+              <a:rPr lang="en-US" smtClean="0"/>
               <a:pPr/>
-              <a:t>4/22/18</a:t>
+              <a:t>4/23/18</a:t>
             </a:fld>
             <a:endParaRPr lang="en-US" dirty="0"/>
           </a:p>
@@ -4799,7 +6762,7 @@
           </a:lstStyle>
           <a:p>
             <a:fld id="{D57F1E4F-1CFF-5643-939E-217C01CDF565}" type="slidenum">
-              <a:rPr lang="en-US" dirty="0"/>
+              <a:rPr lang="en-US" smtClean="0"/>
               <a:pPr/>
               <a:t>‹#›</a:t>
             </a:fld>
@@ -4808,6 +6771,11 @@
         </p:txBody>
       </p:sp>
     </p:spTree>
+    <p:extLst>
+      <p:ext uri="{BB962C8B-B14F-4D97-AF65-F5344CB8AC3E}">
+        <p14:creationId xmlns:p14="http://schemas.microsoft.com/office/powerpoint/2010/main" val="1489538398"/>
+      </p:ext>
+    </p:extLst>
   </p:cSld>
   <p:clrMapOvr>
     <a:masterClrMapping/>
@@ -4983,9 +6951,9 @@
           <a:lstStyle/>
           <a:p>
             <a:fld id="{B61BEF0D-F0BB-DE4B-95CE-6DB70DBA9567}" type="datetimeFigureOut">
-              <a:rPr lang="en-US" dirty="0"/>
+              <a:rPr lang="en-US" smtClean="0"/>
               <a:pPr/>
-              <a:t>4/22/18</a:t>
+              <a:t>4/23/18</a:t>
             </a:fld>
             <a:endParaRPr lang="en-US" dirty="0"/>
           </a:p>
@@ -5026,7 +6994,7 @@
           <a:lstStyle/>
           <a:p>
             <a:fld id="{D57F1E4F-1CFF-5643-939E-217C01CDF565}" type="slidenum">
-              <a:rPr lang="en-US" dirty="0"/>
+              <a:rPr lang="en-US" smtClean="0"/>
               <a:pPr/>
               <a:t>‹#›</a:t>
             </a:fld>
@@ -5035,6 +7003,11 @@
         </p:txBody>
       </p:sp>
     </p:spTree>
+    <p:extLst>
+      <p:ext uri="{BB962C8B-B14F-4D97-AF65-F5344CB8AC3E}">
+        <p14:creationId xmlns:p14="http://schemas.microsoft.com/office/powerpoint/2010/main" val="2412335070"/>
+      </p:ext>
+    </p:extLst>
   </p:cSld>
   <p:clrMapOvr>
     <a:masterClrMapping/>
@@ -5215,9 +7188,9 @@
           </a:lstStyle>
           <a:p>
             <a:fld id="{B61BEF0D-F0BB-DE4B-95CE-6DB70DBA9567}" type="datetimeFigureOut">
-              <a:rPr lang="en-US" dirty="0"/>
+              <a:rPr lang="en-US" smtClean="0"/>
               <a:pPr/>
-              <a:t>4/22/18</a:t>
+              <a:t>4/23/18</a:t>
             </a:fld>
             <a:endParaRPr lang="en-US" dirty="0"/>
           </a:p>
@@ -5279,7 +7252,7 @@
           </a:lstStyle>
           <a:p>
             <a:fld id="{D57F1E4F-1CFF-5643-939E-217C01CDF565}" type="slidenum">
-              <a:rPr lang="en-US" dirty="0"/>
+              <a:rPr lang="en-US" smtClean="0"/>
               <a:pPr/>
               <a:t>‹#›</a:t>
             </a:fld>
@@ -5288,6 +7261,11 @@
         </p:txBody>
       </p:sp>
     </p:spTree>
+    <p:extLst>
+      <p:ext uri="{BB962C8B-B14F-4D97-AF65-F5344CB8AC3E}">
+        <p14:creationId xmlns:p14="http://schemas.microsoft.com/office/powerpoint/2010/main" val="1702660061"/>
+      </p:ext>
+    </p:extLst>
   </p:cSld>
   <p:clrMapOvr>
     <a:masterClrMapping/>
@@ -5452,9 +7430,9 @@
           <a:lstStyle/>
           <a:p>
             <a:fld id="{B61BEF0D-F0BB-DE4B-95CE-6DB70DBA9567}" type="datetimeFigureOut">
-              <a:rPr lang="en-US" dirty="0"/>
+              <a:rPr lang="en-US" smtClean="0"/>
               <a:pPr/>
-              <a:t>4/22/18</a:t>
+              <a:t>4/23/18</a:t>
             </a:fld>
             <a:endParaRPr lang="en-US" dirty="0"/>
           </a:p>
@@ -5500,7 +7478,7 @@
           <a:lstStyle/>
           <a:p>
             <a:fld id="{D57F1E4F-1CFF-5643-939E-217C01CDF565}" type="slidenum">
-              <a:rPr lang="en-US" dirty="0"/>
+              <a:rPr lang="en-US" smtClean="0"/>
               <a:pPr/>
               <a:t>‹#›</a:t>
             </a:fld>
@@ -5509,6 +7487,11 @@
         </p:txBody>
       </p:sp>
     </p:spTree>
+    <p:extLst>
+      <p:ext uri="{BB962C8B-B14F-4D97-AF65-F5344CB8AC3E}">
+        <p14:creationId xmlns:p14="http://schemas.microsoft.com/office/powerpoint/2010/main" val="249755289"/>
+      </p:ext>
+    </p:extLst>
   </p:cSld>
   <p:clrMapOvr>
     <a:masterClrMapping/>
@@ -5756,9 +7739,9 @@
           </a:lstStyle>
           <a:p>
             <a:fld id="{B61BEF0D-F0BB-DE4B-95CE-6DB70DBA9567}" type="datetimeFigureOut">
-              <a:rPr lang="en-US" dirty="0"/>
+              <a:rPr lang="en-US" smtClean="0"/>
               <a:pPr/>
-              <a:t>4/22/18</a:t>
+              <a:t>4/23/18</a:t>
             </a:fld>
             <a:endParaRPr lang="en-US" dirty="0"/>
           </a:p>
@@ -5821,7 +7804,7 @@
           </a:lstStyle>
           <a:p>
             <a:fld id="{D57F1E4F-1CFF-5643-939E-217C01CDF565}" type="slidenum">
-              <a:rPr lang="en-US" dirty="0"/>
+              <a:rPr lang="en-US" smtClean="0"/>
               <a:pPr/>
               <a:t>‹#›</a:t>
             </a:fld>
@@ -5830,6 +7813,11 @@
         </p:txBody>
       </p:sp>
     </p:spTree>
+    <p:extLst>
+      <p:ext uri="{BB962C8B-B14F-4D97-AF65-F5344CB8AC3E}">
+        <p14:creationId xmlns:p14="http://schemas.microsoft.com/office/powerpoint/2010/main" val="1062095570"/>
+      </p:ext>
+    </p:extLst>
   </p:cSld>
   <p:clrMapOvr>
     <a:masterClrMapping/>
@@ -6055,9 +8043,9 @@
           <a:lstStyle/>
           <a:p>
             <a:fld id="{B61BEF0D-F0BB-DE4B-95CE-6DB70DBA9567}" type="datetimeFigureOut">
-              <a:rPr lang="en-US" dirty="0"/>
+              <a:rPr lang="en-US" smtClean="0"/>
               <a:pPr/>
-              <a:t>4/22/18</a:t>
+              <a:t>4/23/18</a:t>
             </a:fld>
             <a:endParaRPr lang="en-US" dirty="0"/>
           </a:p>
@@ -6098,7 +8086,7 @@
           <a:lstStyle/>
           <a:p>
             <a:fld id="{D57F1E4F-1CFF-5643-939E-217C01CDF565}" type="slidenum">
-              <a:rPr lang="en-US" dirty="0"/>
+              <a:rPr lang="en-US" smtClean="0"/>
               <a:pPr/>
               <a:t>‹#›</a:t>
             </a:fld>
@@ -6107,6 +8095,11 @@
         </p:txBody>
       </p:sp>
     </p:spTree>
+    <p:extLst>
+      <p:ext uri="{BB962C8B-B14F-4D97-AF65-F5344CB8AC3E}">
+        <p14:creationId xmlns:p14="http://schemas.microsoft.com/office/powerpoint/2010/main" val="2464133713"/>
+      </p:ext>
+    </p:extLst>
   </p:cSld>
   <p:clrMapOvr>
     <a:masterClrMapping/>
@@ -6474,9 +8467,9 @@
           <a:lstStyle/>
           <a:p>
             <a:fld id="{B61BEF0D-F0BB-DE4B-95CE-6DB70DBA9567}" type="datetimeFigureOut">
-              <a:rPr lang="en-US" dirty="0"/>
+              <a:rPr lang="en-US" smtClean="0"/>
               <a:pPr/>
-              <a:t>4/22/18</a:t>
+              <a:t>4/23/18</a:t>
             </a:fld>
             <a:endParaRPr lang="en-US" dirty="0"/>
           </a:p>
@@ -6517,7 +8510,7 @@
           <a:lstStyle/>
           <a:p>
             <a:fld id="{D57F1E4F-1CFF-5643-939E-217C01CDF565}" type="slidenum">
-              <a:rPr lang="en-US" dirty="0"/>
+              <a:rPr lang="en-US" smtClean="0"/>
               <a:pPr/>
               <a:t>‹#›</a:t>
             </a:fld>
@@ -6526,6 +8519,11 @@
         </p:txBody>
       </p:sp>
     </p:spTree>
+    <p:extLst>
+      <p:ext uri="{BB962C8B-B14F-4D97-AF65-F5344CB8AC3E}">
+        <p14:creationId xmlns:p14="http://schemas.microsoft.com/office/powerpoint/2010/main" val="495881828"/>
+      </p:ext>
+    </p:extLst>
   </p:cSld>
   <p:clrMapOvr>
     <a:masterClrMapping/>
@@ -6633,9 +8631,9 @@
           <a:lstStyle/>
           <a:p>
             <a:fld id="{B61BEF0D-F0BB-DE4B-95CE-6DB70DBA9567}" type="datetimeFigureOut">
-              <a:rPr lang="en-US" dirty="0"/>
+              <a:rPr lang="en-US" smtClean="0"/>
               <a:pPr/>
-              <a:t>4/22/18</a:t>
+              <a:t>4/23/18</a:t>
             </a:fld>
             <a:endParaRPr lang="en-US" dirty="0"/>
           </a:p>
@@ -6676,7 +8674,7 @@
           <a:lstStyle/>
           <a:p>
             <a:fld id="{D57F1E4F-1CFF-5643-939E-217C01CDF565}" type="slidenum">
-              <a:rPr lang="en-US" dirty="0"/>
+              <a:rPr lang="en-US" smtClean="0"/>
               <a:pPr/>
               <a:t>‹#›</a:t>
             </a:fld>
@@ -6685,6 +8683,11 @@
         </p:txBody>
       </p:sp>
     </p:spTree>
+    <p:extLst>
+      <p:ext uri="{BB962C8B-B14F-4D97-AF65-F5344CB8AC3E}">
+        <p14:creationId xmlns:p14="http://schemas.microsoft.com/office/powerpoint/2010/main" val="1419098706"/>
+      </p:ext>
+    </p:extLst>
   </p:cSld>
   <p:clrMapOvr>
     <a:masterClrMapping/>
@@ -6725,9 +8728,9 @@
           <a:lstStyle/>
           <a:p>
             <a:fld id="{B61BEF0D-F0BB-DE4B-95CE-6DB70DBA9567}" type="datetimeFigureOut">
-              <a:rPr lang="en-US" dirty="0"/>
+              <a:rPr lang="en-US" smtClean="0"/>
               <a:pPr/>
-              <a:t>4/22/18</a:t>
+              <a:t>4/23/18</a:t>
             </a:fld>
             <a:endParaRPr lang="en-US" dirty="0"/>
           </a:p>
@@ -6768,7 +8771,7 @@
           <a:lstStyle/>
           <a:p>
             <a:fld id="{D57F1E4F-1CFF-5643-939E-217C01CDF565}" type="slidenum">
-              <a:rPr lang="en-US" dirty="0"/>
+              <a:rPr lang="en-US" smtClean="0"/>
               <a:pPr/>
               <a:t>‹#›</a:t>
             </a:fld>
@@ -6777,6 +8780,11 @@
         </p:txBody>
       </p:sp>
     </p:spTree>
+    <p:extLst>
+      <p:ext uri="{BB962C8B-B14F-4D97-AF65-F5344CB8AC3E}">
+        <p14:creationId xmlns:p14="http://schemas.microsoft.com/office/powerpoint/2010/main" val="2257147978"/>
+      </p:ext>
+    </p:extLst>
   </p:cSld>
   <p:clrMapOvr>
     <a:masterClrMapping/>
@@ -7100,9 +9108,9 @@
           </a:lstStyle>
           <a:p>
             <a:fld id="{B61BEF0D-F0BB-DE4B-95CE-6DB70DBA9567}" type="datetimeFigureOut">
-              <a:rPr lang="en-US" dirty="0"/>
+              <a:rPr lang="en-US" smtClean="0"/>
               <a:pPr/>
-              <a:t>4/22/18</a:t>
+              <a:t>4/23/18</a:t>
             </a:fld>
             <a:endParaRPr lang="en-US" dirty="0"/>
           </a:p>
@@ -7165,7 +9173,7 @@
           </a:lstStyle>
           <a:p>
             <a:fld id="{D57F1E4F-1CFF-5643-939E-217C01CDF565}" type="slidenum">
-              <a:rPr lang="en-US" dirty="0"/>
+              <a:rPr lang="en-US" smtClean="0"/>
               <a:pPr/>
               <a:t>‹#›</a:t>
             </a:fld>
@@ -7174,6 +9182,11 @@
         </p:txBody>
       </p:sp>
     </p:spTree>
+    <p:extLst>
+      <p:ext uri="{BB962C8B-B14F-4D97-AF65-F5344CB8AC3E}">
+        <p14:creationId xmlns:p14="http://schemas.microsoft.com/office/powerpoint/2010/main" val="2983990324"/>
+      </p:ext>
+    </p:extLst>
   </p:cSld>
   <p:clrMapOvr>
     <a:masterClrMapping/>
@@ -7386,9 +9399,9 @@
           <a:lstStyle/>
           <a:p>
             <a:fld id="{B61BEF0D-F0BB-DE4B-95CE-6DB70DBA9567}" type="datetimeFigureOut">
-              <a:rPr lang="en-US" dirty="0"/>
+              <a:rPr lang="en-US" smtClean="0"/>
               <a:pPr/>
-              <a:t>4/22/18</a:t>
+              <a:t>4/23/18</a:t>
             </a:fld>
             <a:endParaRPr lang="en-US" dirty="0"/>
           </a:p>
@@ -7429,7 +9442,7 @@
           <a:lstStyle/>
           <a:p>
             <a:fld id="{D57F1E4F-1CFF-5643-939E-217C01CDF565}" type="slidenum">
-              <a:rPr lang="en-US" dirty="0"/>
+              <a:rPr lang="en-US" smtClean="0"/>
               <a:pPr/>
               <a:t>‹#›</a:t>
             </a:fld>
@@ -7438,6 +9451,11 @@
         </p:txBody>
       </p:sp>
     </p:spTree>
+    <p:extLst>
+      <p:ext uri="{BB962C8B-B14F-4D97-AF65-F5344CB8AC3E}">
+        <p14:creationId xmlns:p14="http://schemas.microsoft.com/office/powerpoint/2010/main" val="411513978"/>
+      </p:ext>
+    </p:extLst>
   </p:cSld>
   <p:clrMapOvr>
     <a:masterClrMapping/>
@@ -7594,9 +9612,9 @@
           </a:lstStyle>
           <a:p>
             <a:fld id="{B61BEF0D-F0BB-DE4B-95CE-6DB70DBA9567}" type="datetimeFigureOut">
-              <a:rPr lang="en-US" dirty="0"/>
+              <a:rPr lang="en-US" smtClean="0"/>
               <a:pPr/>
-              <a:t>4/22/18</a:t>
+              <a:t>4/23/18</a:t>
             </a:fld>
             <a:endParaRPr lang="en-US" dirty="0"/>
           </a:p>
@@ -7669,7 +9687,7 @@
           </a:lstStyle>
           <a:p>
             <a:fld id="{D57F1E4F-1CFF-5643-939E-217C01CDF565}" type="slidenum">
-              <a:rPr lang="en-US" dirty="0"/>
+              <a:rPr lang="en-US" smtClean="0"/>
               <a:pPr/>
               <a:t>‹#›</a:t>
             </a:fld>
@@ -7789,20 +9807,25 @@
         </p:style>
       </p:sp>
     </p:spTree>
+    <p:extLst>
+      <p:ext uri="{BB962C8B-B14F-4D97-AF65-F5344CB8AC3E}">
+        <p14:creationId xmlns:p14="http://schemas.microsoft.com/office/powerpoint/2010/main" val="2095976561"/>
+      </p:ext>
+    </p:extLst>
   </p:cSld>
   <p:clrMap bg1="lt1" tx1="dk1" bg2="lt2" tx2="dk2" accent1="accent1" accent2="accent2" accent3="accent3" accent4="accent4" accent5="accent5" accent6="accent6" hlink="hlink" folHlink="folHlink"/>
   <p:sldLayoutIdLst>
-    <p:sldLayoutId id="2147483649" r:id="rId1"/>
-    <p:sldLayoutId id="2147483650" r:id="rId2"/>
-    <p:sldLayoutId id="2147483651" r:id="rId3"/>
-    <p:sldLayoutId id="2147483652" r:id="rId4"/>
-    <p:sldLayoutId id="2147483653" r:id="rId5"/>
-    <p:sldLayoutId id="2147483654" r:id="rId6"/>
-    <p:sldLayoutId id="2147483655" r:id="rId7"/>
-    <p:sldLayoutId id="2147483656" r:id="rId8"/>
-    <p:sldLayoutId id="2147483657" r:id="rId9"/>
-    <p:sldLayoutId id="2147483658" r:id="rId10"/>
-    <p:sldLayoutId id="2147483659" r:id="rId11"/>
+    <p:sldLayoutId id="2147483793" r:id="rId1"/>
+    <p:sldLayoutId id="2147483794" r:id="rId2"/>
+    <p:sldLayoutId id="2147483795" r:id="rId3"/>
+    <p:sldLayoutId id="2147483796" r:id="rId4"/>
+    <p:sldLayoutId id="2147483797" r:id="rId5"/>
+    <p:sldLayoutId id="2147483798" r:id="rId6"/>
+    <p:sldLayoutId id="2147483799" r:id="rId7"/>
+    <p:sldLayoutId id="2147483800" r:id="rId8"/>
+    <p:sldLayoutId id="2147483801" r:id="rId9"/>
+    <p:sldLayoutId id="2147483802" r:id="rId10"/>
+    <p:sldLayoutId id="2147483803" r:id="rId11"/>
   </p:sldLayoutIdLst>
   <p:txStyles>
     <p:titleStyle>
@@ -8284,6 +10307,124 @@
           <p:cNvPr id="2" name="Title 1">
             <a:extLst>
               <a:ext uri="{FF2B5EF4-FFF2-40B4-BE49-F238E27FC236}">
+                <a16:creationId xmlns:a16="http://schemas.microsoft.com/office/drawing/2014/main" id="{ACFC4EE0-9626-294D-9E7A-C6013D6F095F}"/>
+              </a:ext>
+            </a:extLst>
+          </p:cNvPr>
+          <p:cNvSpPr>
+            <a:spLocks noGrp="1"/>
+          </p:cNvSpPr>
+          <p:nvPr>
+            <p:ph type="title"/>
+          </p:nvPr>
+        </p:nvSpPr>
+        <p:spPr/>
+        <p:txBody>
+          <a:bodyPr/>
+          <a:lstStyle/>
+          <a:p>
+            <a:r>
+              <a:rPr lang="en-US" dirty="0"/>
+              <a:t>Discussion</a:t>
+            </a:r>
+          </a:p>
+        </p:txBody>
+      </p:sp>
+      <p:sp>
+        <p:nvSpPr>
+          <p:cNvPr id="3" name="Content Placeholder 2">
+            <a:extLst>
+              <a:ext uri="{FF2B5EF4-FFF2-40B4-BE49-F238E27FC236}">
+                <a16:creationId xmlns:a16="http://schemas.microsoft.com/office/drawing/2014/main" id="{8B3E3A04-6972-0142-9295-7554F45E04F9}"/>
+              </a:ext>
+            </a:extLst>
+          </p:cNvPr>
+          <p:cNvSpPr>
+            <a:spLocks noGrp="1"/>
+          </p:cNvSpPr>
+          <p:nvPr>
+            <p:ph idx="1"/>
+          </p:nvPr>
+        </p:nvSpPr>
+        <p:spPr/>
+        <p:txBody>
+          <a:bodyPr anchor="t">
+            <a:normAutofit/>
+          </a:bodyPr>
+          <a:lstStyle/>
+          <a:p>
+            <a:r>
+              <a:rPr lang="en-US" sz="2400" dirty="0"/>
+              <a:t>What about analyzing data from older movies?</a:t>
+            </a:r>
+          </a:p>
+          <a:p>
+            <a:r>
+              <a:rPr lang="en-US" sz="2400" dirty="0"/>
+              <a:t>What makes a movie “successful”?</a:t>
+            </a:r>
+          </a:p>
+          <a:p>
+            <a:r>
+              <a:rPr lang="en-US" sz="2400" dirty="0"/>
+              <a:t>Is sentiment analysis necessary for predicting movie success?</a:t>
+            </a:r>
+          </a:p>
+          <a:p>
+            <a:r>
+              <a:rPr lang="en-US" sz="2400" dirty="0"/>
+              <a:t>How our outlook changed throughout the project</a:t>
+            </a:r>
+          </a:p>
+          <a:p>
+            <a:r>
+              <a:rPr lang="en-US" sz="2400" dirty="0"/>
+              <a:t>Difficult to clean irrelevant tweets</a:t>
+            </a:r>
+          </a:p>
+          <a:p>
+            <a:endParaRPr lang="en-US" sz="2400" dirty="0"/>
+          </a:p>
+          <a:p>
+            <a:endParaRPr lang="en-US" sz="2400" dirty="0"/>
+          </a:p>
+        </p:txBody>
+      </p:sp>
+    </p:spTree>
+    <p:extLst>
+      <p:ext uri="{BB962C8B-B14F-4D97-AF65-F5344CB8AC3E}">
+        <p14:creationId xmlns:p14="http://schemas.microsoft.com/office/powerpoint/2010/main" val="1588995595"/>
+      </p:ext>
+    </p:extLst>
+  </p:cSld>
+  <p:clrMapOvr>
+    <a:masterClrMapping/>
+  </p:clrMapOvr>
+</p:sld>
+</file>
+
+<file path=ppt/slides/slide11.xml><?xml version="1.0" encoding="utf-8"?>
+<p:sld xmlns:a="http://schemas.openxmlformats.org/drawingml/2006/main" xmlns:r="http://schemas.openxmlformats.org/officeDocument/2006/relationships" xmlns:p="http://schemas.openxmlformats.org/presentationml/2006/main">
+  <p:cSld>
+    <p:spTree>
+      <p:nvGrpSpPr>
+        <p:cNvPr id="1" name=""/>
+        <p:cNvGrpSpPr/>
+        <p:nvPr/>
+      </p:nvGrpSpPr>
+      <p:grpSpPr>
+        <a:xfrm>
+          <a:off x="0" y="0"/>
+          <a:ext cx="0" cy="0"/>
+          <a:chOff x="0" y="0"/>
+          <a:chExt cx="0" cy="0"/>
+        </a:xfrm>
+      </p:grpSpPr>
+      <p:sp>
+        <p:nvSpPr>
+          <p:cNvPr id="2" name="Title 1">
+            <a:extLst>
+              <a:ext uri="{FF2B5EF4-FFF2-40B4-BE49-F238E27FC236}">
                 <a16:creationId xmlns:a16="http://schemas.microsoft.com/office/drawing/2014/main" id="{BA861813-B516-9144-98ED-C76EEED49E46}"/>
               </a:ext>
             </a:extLst>
@@ -8353,6 +10494,12 @@
               <a:t>Faster twitter scraper</a:t>
             </a:r>
           </a:p>
+          <a:p>
+            <a:r>
+              <a:rPr lang="en-US" sz="2400" dirty="0"/>
+              <a:t>Cleaning irrelevant Tweets from gathered data</a:t>
+            </a:r>
+          </a:p>
         </p:txBody>
       </p:sp>
     </p:spTree>
@@ -8368,7 +10515,7 @@
 </p:sld>
 </file>
 
-<file path=ppt/slides/slide11.xml><?xml version="1.0" encoding="utf-8"?>
+<file path=ppt/slides/slide12.xml><?xml version="1.0" encoding="utf-8"?>
 <p:sld xmlns:a="http://schemas.openxmlformats.org/drawingml/2006/main" xmlns:r="http://schemas.openxmlformats.org/officeDocument/2006/relationships" xmlns:p="http://schemas.openxmlformats.org/presentationml/2006/main">
   <p:cSld>
     <p:spTree>
@@ -8431,10 +10578,33 @@
         </p:nvSpPr>
         <p:spPr/>
         <p:txBody>
-          <a:bodyPr/>
+          <a:bodyPr anchor="t">
+            <a:normAutofit/>
+          </a:bodyPr>
           <a:lstStyle/>
           <a:p>
-            <a:endParaRPr lang="en-US"/>
+            <a:r>
+              <a:rPr lang="en-US" sz="2400" dirty="0"/>
+              <a:t>The number of Tweets provided the most obvious correlation to movie success</a:t>
+            </a:r>
+          </a:p>
+          <a:p>
+            <a:r>
+              <a:rPr lang="en-US" sz="2400" dirty="0"/>
+              <a:t>Sentiment analysis was largely neutral and did not provide any additional insight to potential movie success</a:t>
+            </a:r>
+          </a:p>
+          <a:p>
+            <a:r>
+              <a:rPr lang="en-US" sz="2400" dirty="0"/>
+              <a:t>Likes, Retweets, and Replies provided mostly the same correlation as number of Tweets</a:t>
+            </a:r>
+          </a:p>
+          <a:p>
+            <a:r>
+              <a:rPr lang="en-US" sz="2400" dirty="0"/>
+              <a:t>Rotten Tomatoes ratings has a stronger correlation with Twitter activity than IMDB</a:t>
+            </a:r>
           </a:p>
         </p:txBody>
       </p:sp>
@@ -8451,7 +10621,7 @@
 </p:sld>
 </file>
 
-<file path=ppt/slides/slide12.xml><?xml version="1.0" encoding="utf-8"?>
+<file path=ppt/slides/slide13.xml><?xml version="1.0" encoding="utf-8"?>
 <p:sld xmlns:a="http://schemas.openxmlformats.org/drawingml/2006/main" xmlns:r="http://schemas.openxmlformats.org/officeDocument/2006/relationships" xmlns:p="http://schemas.openxmlformats.org/presentationml/2006/main">
   <p:cSld>
     <p:spTree>
@@ -8740,6 +10910,96 @@
           </a:p>
         </p:txBody>
       </p:sp>
+      <p:pic>
+        <p:nvPicPr>
+          <p:cNvPr id="4" name="Picture 3">
+            <a:extLst>
+              <a:ext uri="{FF2B5EF4-FFF2-40B4-BE49-F238E27FC236}">
+                <a16:creationId xmlns:a16="http://schemas.microsoft.com/office/drawing/2014/main" id="{66594824-55D9-194B-AFCB-17090A33A824}"/>
+              </a:ext>
+            </a:extLst>
+          </p:cNvPr>
+          <p:cNvPicPr>
+            <a:picLocks noChangeAspect="1"/>
+          </p:cNvPicPr>
+          <p:nvPr/>
+        </p:nvPicPr>
+        <p:blipFill>
+          <a:blip r:embed="rId2"/>
+          <a:stretch>
+            <a:fillRect/>
+          </a:stretch>
+        </p:blipFill>
+        <p:spPr>
+          <a:xfrm>
+            <a:off x="6039644" y="5380061"/>
+            <a:ext cx="1963738" cy="957475"/>
+          </a:xfrm>
+          <a:prstGeom prst="rect">
+            <a:avLst/>
+          </a:prstGeom>
+        </p:spPr>
+      </p:pic>
+      <p:pic>
+        <p:nvPicPr>
+          <p:cNvPr id="5" name="Picture 4">
+            <a:extLst>
+              <a:ext uri="{FF2B5EF4-FFF2-40B4-BE49-F238E27FC236}">
+                <a16:creationId xmlns:a16="http://schemas.microsoft.com/office/drawing/2014/main" id="{FEB7F43E-0CC1-614E-ACB4-B34F7FE6C177}"/>
+              </a:ext>
+            </a:extLst>
+          </p:cNvPr>
+          <p:cNvPicPr>
+            <a:picLocks noChangeAspect="1"/>
+          </p:cNvPicPr>
+          <p:nvPr/>
+        </p:nvPicPr>
+        <p:blipFill>
+          <a:blip r:embed="rId3"/>
+          <a:stretch>
+            <a:fillRect/>
+          </a:stretch>
+        </p:blipFill>
+        <p:spPr>
+          <a:xfrm>
+            <a:off x="8140700" y="5175380"/>
+            <a:ext cx="1419225" cy="1419225"/>
+          </a:xfrm>
+          <a:prstGeom prst="rect">
+            <a:avLst/>
+          </a:prstGeom>
+        </p:spPr>
+      </p:pic>
+      <p:pic>
+        <p:nvPicPr>
+          <p:cNvPr id="6" name="Picture 5">
+            <a:extLst>
+              <a:ext uri="{FF2B5EF4-FFF2-40B4-BE49-F238E27FC236}">
+                <a16:creationId xmlns:a16="http://schemas.microsoft.com/office/drawing/2014/main" id="{30B7300F-6A71-EC4D-AD3E-69B1B640B86A}"/>
+              </a:ext>
+            </a:extLst>
+          </p:cNvPr>
+          <p:cNvPicPr>
+            <a:picLocks noChangeAspect="1"/>
+          </p:cNvPicPr>
+          <p:nvPr/>
+        </p:nvPicPr>
+        <p:blipFill>
+          <a:blip r:embed="rId4"/>
+          <a:stretch>
+            <a:fillRect/>
+          </a:stretch>
+        </p:blipFill>
+        <p:spPr>
+          <a:xfrm>
+            <a:off x="9834562" y="5175380"/>
+            <a:ext cx="1366838" cy="1366838"/>
+          </a:xfrm>
+          <a:prstGeom prst="rect">
+            <a:avLst/>
+          </a:prstGeom>
+        </p:spPr>
+      </p:pic>
     </p:spTree>
     <p:extLst>
       <p:ext uri="{BB962C8B-B14F-4D97-AF65-F5344CB8AC3E}">
@@ -8816,13 +11076,69 @@
         </p:nvSpPr>
         <p:spPr/>
         <p:txBody>
-          <a:bodyPr/>
+          <a:bodyPr>
+            <a:normAutofit/>
+          </a:bodyPr>
           <a:lstStyle/>
           <a:p>
-            <a:endParaRPr lang="en-US" dirty="0"/>
+            <a:r>
+              <a:rPr lang="en-US" sz="2400" dirty="0" err="1"/>
+              <a:t>Chuan</a:t>
+            </a:r>
+            <a:r>
+              <a:rPr lang="en-US" sz="2400" dirty="0"/>
+              <a:t> Sun from NYC Data Science Academy performed a similar study by comparing data to IMDB rating score</a:t>
+            </a:r>
+          </a:p>
+          <a:p>
+            <a:r>
+              <a:rPr lang="en-US" sz="2400" dirty="0"/>
+              <a:t>Used data from Facebook including overall movie popularity, director popularity, and top 3 actors/actresses popularity</a:t>
+            </a:r>
+          </a:p>
+          <a:p>
+            <a:r>
+              <a:rPr lang="en-US" sz="2400" dirty="0"/>
+              <a:t>Concluded that Facebook popularity of a director and top 3 actors are strongly related to movie rating</a:t>
+            </a:r>
+          </a:p>
+          <a:p>
+            <a:r>
+              <a:rPr lang="en-US" sz="2400" dirty="0"/>
+              <a:t>Interesting data point he found is that movie duration and rating also have a strong correlation</a:t>
+            </a:r>
           </a:p>
         </p:txBody>
       </p:sp>
+      <p:pic>
+        <p:nvPicPr>
+          <p:cNvPr id="4" name="Picture 3">
+            <a:extLst>
+              <a:ext uri="{FF2B5EF4-FFF2-40B4-BE49-F238E27FC236}">
+                <a16:creationId xmlns:a16="http://schemas.microsoft.com/office/drawing/2014/main" id="{ED64D171-C76D-4742-87F5-79E54F4956FF}"/>
+              </a:ext>
+            </a:extLst>
+          </p:cNvPr>
+          <p:cNvPicPr>
+            <a:picLocks noChangeAspect="1"/>
+          </p:cNvPicPr>
+          <p:nvPr/>
+        </p:nvPicPr>
+        <p:blipFill rotWithShape="1">
+          <a:blip r:embed="rId3"/>
+          <a:srcRect t="16483" b="37408"/>
+          <a:stretch/>
+        </p:blipFill>
+        <p:spPr>
+          <a:xfrm>
+            <a:off x="7761085" y="5472112"/>
+            <a:ext cx="3849722" cy="1057275"/>
+          </a:xfrm>
+          <a:prstGeom prst="rect">
+            <a:avLst/>
+          </a:prstGeom>
+        </p:spPr>
+      </p:pic>
     </p:spTree>
     <p:extLst>
       <p:ext uri="{BB962C8B-B14F-4D97-AF65-F5344CB8AC3E}">
@@ -8899,7 +11215,7 @@
         </p:nvSpPr>
         <p:spPr/>
         <p:txBody>
-          <a:bodyPr>
+          <a:bodyPr anchor="t">
             <a:normAutofit/>
           </a:bodyPr>
           <a:lstStyle/>
@@ -8932,6 +11248,96 @@
           </a:p>
         </p:txBody>
       </p:sp>
+      <p:pic>
+        <p:nvPicPr>
+          <p:cNvPr id="4" name="Picture 3">
+            <a:extLst>
+              <a:ext uri="{FF2B5EF4-FFF2-40B4-BE49-F238E27FC236}">
+                <a16:creationId xmlns:a16="http://schemas.microsoft.com/office/drawing/2014/main" id="{2F04479B-415B-804B-87EB-7B3C8B52F458}"/>
+              </a:ext>
+            </a:extLst>
+          </p:cNvPr>
+          <p:cNvPicPr>
+            <a:picLocks noChangeAspect="1"/>
+          </p:cNvPicPr>
+          <p:nvPr/>
+        </p:nvPicPr>
+        <p:blipFill>
+          <a:blip r:embed="rId2"/>
+          <a:stretch>
+            <a:fillRect/>
+          </a:stretch>
+        </p:blipFill>
+        <p:spPr>
+          <a:xfrm>
+            <a:off x="284163" y="4257207"/>
+            <a:ext cx="3365500" cy="2413000"/>
+          </a:xfrm>
+          <a:prstGeom prst="rect">
+            <a:avLst/>
+          </a:prstGeom>
+        </p:spPr>
+      </p:pic>
+      <p:pic>
+        <p:nvPicPr>
+          <p:cNvPr id="5" name="Picture 4">
+            <a:extLst>
+              <a:ext uri="{FF2B5EF4-FFF2-40B4-BE49-F238E27FC236}">
+                <a16:creationId xmlns:a16="http://schemas.microsoft.com/office/drawing/2014/main" id="{AF401BB9-5FAA-4C4C-8445-E8FEA66DB1D1}"/>
+              </a:ext>
+            </a:extLst>
+          </p:cNvPr>
+          <p:cNvPicPr>
+            <a:picLocks noChangeAspect="1"/>
+          </p:cNvPicPr>
+          <p:nvPr/>
+        </p:nvPicPr>
+        <p:blipFill>
+          <a:blip r:embed="rId3"/>
+          <a:stretch>
+            <a:fillRect/>
+          </a:stretch>
+        </p:blipFill>
+        <p:spPr>
+          <a:xfrm>
+            <a:off x="3649663" y="4876770"/>
+            <a:ext cx="4322762" cy="982029"/>
+          </a:xfrm>
+          <a:prstGeom prst="rect">
+            <a:avLst/>
+          </a:prstGeom>
+        </p:spPr>
+      </p:pic>
+      <p:pic>
+        <p:nvPicPr>
+          <p:cNvPr id="6" name="Picture 5">
+            <a:extLst>
+              <a:ext uri="{FF2B5EF4-FFF2-40B4-BE49-F238E27FC236}">
+                <a16:creationId xmlns:a16="http://schemas.microsoft.com/office/drawing/2014/main" id="{E0CF5D88-3BB0-8440-AF9C-B0BFA09EABFA}"/>
+              </a:ext>
+            </a:extLst>
+          </p:cNvPr>
+          <p:cNvPicPr>
+            <a:picLocks noChangeAspect="1"/>
+          </p:cNvPicPr>
+          <p:nvPr/>
+        </p:nvPicPr>
+        <p:blipFill>
+          <a:blip r:embed="rId4"/>
+          <a:stretch>
+            <a:fillRect/>
+          </a:stretch>
+        </p:blipFill>
+        <p:spPr>
+          <a:xfrm>
+            <a:off x="8051051" y="4604076"/>
+            <a:ext cx="3559756" cy="1719263"/>
+          </a:xfrm>
+          <a:prstGeom prst="rect">
+            <a:avLst/>
+          </a:prstGeom>
+        </p:spPr>
+      </p:pic>
     </p:spTree>
     <p:extLst>
       <p:ext uri="{BB962C8B-B14F-4D97-AF65-F5344CB8AC3E}">
@@ -9008,7 +11414,7 @@
         </p:nvSpPr>
         <p:spPr/>
         <p:txBody>
-          <a:bodyPr>
+          <a:bodyPr anchor="t">
             <a:normAutofit/>
           </a:bodyPr>
           <a:lstStyle/>
@@ -9041,6 +11447,96 @@
           </a:p>
         </p:txBody>
       </p:sp>
+      <p:pic>
+        <p:nvPicPr>
+          <p:cNvPr id="4" name="Picture 3">
+            <a:extLst>
+              <a:ext uri="{FF2B5EF4-FFF2-40B4-BE49-F238E27FC236}">
+                <a16:creationId xmlns:a16="http://schemas.microsoft.com/office/drawing/2014/main" id="{C9009035-0FE0-974B-AAD5-81ECB511F3BB}"/>
+              </a:ext>
+            </a:extLst>
+          </p:cNvPr>
+          <p:cNvPicPr>
+            <a:picLocks noChangeAspect="1"/>
+          </p:cNvPicPr>
+          <p:nvPr/>
+        </p:nvPicPr>
+        <p:blipFill>
+          <a:blip r:embed="rId2"/>
+          <a:stretch>
+            <a:fillRect/>
+          </a:stretch>
+        </p:blipFill>
+        <p:spPr>
+          <a:xfrm>
+            <a:off x="581191" y="4745699"/>
+            <a:ext cx="2747796" cy="1690951"/>
+          </a:xfrm>
+          <a:prstGeom prst="rect">
+            <a:avLst/>
+          </a:prstGeom>
+        </p:spPr>
+      </p:pic>
+      <p:pic>
+        <p:nvPicPr>
+          <p:cNvPr id="5" name="Picture 4">
+            <a:extLst>
+              <a:ext uri="{FF2B5EF4-FFF2-40B4-BE49-F238E27FC236}">
+                <a16:creationId xmlns:a16="http://schemas.microsoft.com/office/drawing/2014/main" id="{02F8FF42-F495-2849-BF83-FEEB80530CE1}"/>
+              </a:ext>
+            </a:extLst>
+          </p:cNvPr>
+          <p:cNvPicPr>
+            <a:picLocks noChangeAspect="1"/>
+          </p:cNvPicPr>
+          <p:nvPr/>
+        </p:nvPicPr>
+        <p:blipFill>
+          <a:blip r:embed="rId3"/>
+          <a:stretch>
+            <a:fillRect/>
+          </a:stretch>
+        </p:blipFill>
+        <p:spPr>
+          <a:xfrm>
+            <a:off x="4972049" y="4467225"/>
+            <a:ext cx="2247900" cy="2247900"/>
+          </a:xfrm>
+          <a:prstGeom prst="rect">
+            <a:avLst/>
+          </a:prstGeom>
+        </p:spPr>
+      </p:pic>
+      <p:pic>
+        <p:nvPicPr>
+          <p:cNvPr id="6" name="Picture 5">
+            <a:extLst>
+              <a:ext uri="{FF2B5EF4-FFF2-40B4-BE49-F238E27FC236}">
+                <a16:creationId xmlns:a16="http://schemas.microsoft.com/office/drawing/2014/main" id="{F45D89AE-EBA7-0D44-96BC-511EDB9C8716}"/>
+              </a:ext>
+            </a:extLst>
+          </p:cNvPr>
+          <p:cNvPicPr>
+            <a:picLocks noChangeAspect="1"/>
+          </p:cNvPicPr>
+          <p:nvPr/>
+        </p:nvPicPr>
+        <p:blipFill>
+          <a:blip r:embed="rId4"/>
+          <a:stretch>
+            <a:fillRect/>
+          </a:stretch>
+        </p:blipFill>
+        <p:spPr>
+          <a:xfrm>
+            <a:off x="8863011" y="5060447"/>
+            <a:ext cx="2752894" cy="1087277"/>
+          </a:xfrm>
+          <a:prstGeom prst="rect">
+            <a:avLst/>
+          </a:prstGeom>
+        </p:spPr>
+      </p:pic>
     </p:spTree>
     <p:extLst>
       <p:ext uri="{BB962C8B-B14F-4D97-AF65-F5344CB8AC3E}">
@@ -9157,14 +11653,14 @@
           <p:nvPr>
             <p:extLst>
               <p:ext uri="{D42A27DB-BD31-4B8C-83A1-F6EECF244321}">
-                <p14:modId xmlns:p14="http://schemas.microsoft.com/office/powerpoint/2010/main" val="1997478486"/>
+                <p14:modId xmlns:p14="http://schemas.microsoft.com/office/powerpoint/2010/main" val="143621731"/>
               </p:ext>
             </p:extLst>
           </p:nvPr>
         </p:nvGraphicFramePr>
         <p:xfrm>
           <a:off x="581192" y="3289300"/>
-          <a:ext cx="5029200" cy="3166288"/>
+          <a:ext cx="5029200" cy="3200400"/>
         </p:xfrm>
         <a:graphic>
           <a:graphicData uri="http://schemas.openxmlformats.org/drawingml/2006/chart">
@@ -9187,14 +11683,14 @@
           <p:nvPr>
             <p:extLst>
               <p:ext uri="{D42A27DB-BD31-4B8C-83A1-F6EECF244321}">
-                <p14:modId xmlns:p14="http://schemas.microsoft.com/office/powerpoint/2010/main" val="3486502982"/>
+                <p14:modId xmlns:p14="http://schemas.microsoft.com/office/powerpoint/2010/main" val="2346023737"/>
               </p:ext>
             </p:extLst>
           </p:nvPr>
         </p:nvGraphicFramePr>
         <p:xfrm>
           <a:off x="6581607" y="3289300"/>
-          <a:ext cx="5029200" cy="3166288"/>
+          <a:ext cx="5029200" cy="3200400"/>
         </p:xfrm>
         <a:graphic>
           <a:graphicData uri="http://schemas.openxmlformats.org/drawingml/2006/chart">
@@ -9216,6 +11712,160 @@
 </file>
 
 <file path=ppt/slides/slide8.xml><?xml version="1.0" encoding="utf-8"?>
+<p:sld xmlns:a="http://schemas.openxmlformats.org/drawingml/2006/main" xmlns:r="http://schemas.openxmlformats.org/officeDocument/2006/relationships" xmlns:p="http://schemas.openxmlformats.org/presentationml/2006/main">
+  <p:cSld>
+    <p:spTree>
+      <p:nvGrpSpPr>
+        <p:cNvPr id="1" name=""/>
+        <p:cNvGrpSpPr/>
+        <p:nvPr/>
+      </p:nvGrpSpPr>
+      <p:grpSpPr>
+        <a:xfrm>
+          <a:off x="0" y="0"/>
+          <a:ext cx="0" cy="0"/>
+          <a:chOff x="0" y="0"/>
+          <a:chExt cx="0" cy="0"/>
+        </a:xfrm>
+      </p:grpSpPr>
+      <p:sp>
+        <p:nvSpPr>
+          <p:cNvPr id="2" name="Title 1">
+            <a:extLst>
+              <a:ext uri="{FF2B5EF4-FFF2-40B4-BE49-F238E27FC236}">
+                <a16:creationId xmlns:a16="http://schemas.microsoft.com/office/drawing/2014/main" id="{DD43417F-8CC5-1E42-830F-3EF2C235AC6F}"/>
+              </a:ext>
+            </a:extLst>
+          </p:cNvPr>
+          <p:cNvSpPr>
+            <a:spLocks noGrp="1"/>
+          </p:cNvSpPr>
+          <p:nvPr>
+            <p:ph type="title"/>
+          </p:nvPr>
+        </p:nvSpPr>
+        <p:spPr/>
+        <p:txBody>
+          <a:bodyPr/>
+          <a:lstStyle/>
+          <a:p>
+            <a:r>
+              <a:rPr lang="en-US" dirty="0"/>
+              <a:t>Rotten Tomatoes vs IMDB</a:t>
+            </a:r>
+          </a:p>
+        </p:txBody>
+      </p:sp>
+      <p:sp>
+        <p:nvSpPr>
+          <p:cNvPr id="3" name="Content Placeholder 2">
+            <a:extLst>
+              <a:ext uri="{FF2B5EF4-FFF2-40B4-BE49-F238E27FC236}">
+                <a16:creationId xmlns:a16="http://schemas.microsoft.com/office/drawing/2014/main" id="{919D766A-2D18-C141-AE7E-46956E642BD4}"/>
+              </a:ext>
+            </a:extLst>
+          </p:cNvPr>
+          <p:cNvSpPr>
+            <a:spLocks noGrp="1"/>
+          </p:cNvSpPr>
+          <p:nvPr>
+            <p:ph idx="1"/>
+          </p:nvPr>
+        </p:nvSpPr>
+        <p:spPr/>
+        <p:txBody>
+          <a:bodyPr anchor="t">
+            <a:normAutofit/>
+          </a:bodyPr>
+          <a:lstStyle/>
+          <a:p>
+            <a:r>
+              <a:rPr lang="en-US" sz="2000" dirty="0"/>
+              <a:t>Rotten Tomatoes showed a stronger correlation between Tweets and movie ratings than IMDB</a:t>
+            </a:r>
+          </a:p>
+          <a:p>
+            <a:r>
+              <a:rPr lang="en-US" sz="2000" dirty="0"/>
+              <a:t>Attributed to Rotten Tomatoes scoring system and allowing audience reviews</a:t>
+            </a:r>
+          </a:p>
+        </p:txBody>
+      </p:sp>
+      <p:graphicFrame>
+        <p:nvGraphicFramePr>
+          <p:cNvPr id="4" name="Chart 3">
+            <a:extLst>
+              <a:ext uri="{FF2B5EF4-FFF2-40B4-BE49-F238E27FC236}">
+                <a16:creationId xmlns:a16="http://schemas.microsoft.com/office/drawing/2014/main" id="{D7421262-AC74-E946-ABB1-15D51BBBABAE}"/>
+              </a:ext>
+            </a:extLst>
+          </p:cNvPr>
+          <p:cNvGraphicFramePr>
+            <a:graphicFrameLocks noGrp="1"/>
+          </p:cNvGraphicFramePr>
+          <p:nvPr>
+            <p:extLst>
+              <p:ext uri="{D42A27DB-BD31-4B8C-83A1-F6EECF244321}">
+                <p14:modId xmlns:p14="http://schemas.microsoft.com/office/powerpoint/2010/main" val="1167935553"/>
+              </p:ext>
+            </p:extLst>
+          </p:nvPr>
+        </p:nvGraphicFramePr>
+        <p:xfrm>
+          <a:off x="581192" y="3262538"/>
+          <a:ext cx="5029200" cy="3200400"/>
+        </p:xfrm>
+        <a:graphic>
+          <a:graphicData uri="http://schemas.openxmlformats.org/drawingml/2006/chart">
+            <c:chart xmlns:c="http://schemas.openxmlformats.org/drawingml/2006/chart" xmlns:r="http://schemas.openxmlformats.org/officeDocument/2006/relationships" r:id="rId2"/>
+          </a:graphicData>
+        </a:graphic>
+      </p:graphicFrame>
+      <p:graphicFrame>
+        <p:nvGraphicFramePr>
+          <p:cNvPr id="5" name="Chart 4">
+            <a:extLst>
+              <a:ext uri="{FF2B5EF4-FFF2-40B4-BE49-F238E27FC236}">
+                <a16:creationId xmlns:a16="http://schemas.microsoft.com/office/drawing/2014/main" id="{9BA51CAB-730A-7B4B-8D90-01D2B83A3A6E}"/>
+              </a:ext>
+            </a:extLst>
+          </p:cNvPr>
+          <p:cNvGraphicFramePr>
+            <a:graphicFrameLocks noGrp="1"/>
+          </p:cNvGraphicFramePr>
+          <p:nvPr>
+            <p:extLst>
+              <p:ext uri="{D42A27DB-BD31-4B8C-83A1-F6EECF244321}">
+                <p14:modId xmlns:p14="http://schemas.microsoft.com/office/powerpoint/2010/main" val="3633009088"/>
+              </p:ext>
+            </p:extLst>
+          </p:nvPr>
+        </p:nvGraphicFramePr>
+        <p:xfrm>
+          <a:off x="6581607" y="3262538"/>
+          <a:ext cx="5029200" cy="3200400"/>
+        </p:xfrm>
+        <a:graphic>
+          <a:graphicData uri="http://schemas.openxmlformats.org/drawingml/2006/chart">
+            <c:chart xmlns:c="http://schemas.openxmlformats.org/drawingml/2006/chart" xmlns:r="http://schemas.openxmlformats.org/officeDocument/2006/relationships" r:id="rId3"/>
+          </a:graphicData>
+        </a:graphic>
+      </p:graphicFrame>
+    </p:spTree>
+    <p:extLst>
+      <p:ext uri="{BB962C8B-B14F-4D97-AF65-F5344CB8AC3E}">
+        <p14:creationId xmlns:p14="http://schemas.microsoft.com/office/powerpoint/2010/main" val="816074318"/>
+      </p:ext>
+    </p:extLst>
+  </p:cSld>
+  <p:clrMapOvr>
+    <a:masterClrMapping/>
+  </p:clrMapOvr>
+</p:sld>
+</file>
+
+<file path=ppt/slides/slide9.xml><?xml version="1.0" encoding="utf-8"?>
 <p:sld xmlns:a="http://schemas.openxmlformats.org/drawingml/2006/main" xmlns:r="http://schemas.openxmlformats.org/officeDocument/2006/relationships" xmlns:p="http://schemas.openxmlformats.org/presentationml/2006/main">
   <p:cSld>
     <p:spTree>
@@ -9375,118 +12025,6 @@
 </p:sld>
 </file>
 
-<file path=ppt/slides/slide9.xml><?xml version="1.0" encoding="utf-8"?>
-<p:sld xmlns:a="http://schemas.openxmlformats.org/drawingml/2006/main" xmlns:r="http://schemas.openxmlformats.org/officeDocument/2006/relationships" xmlns:p="http://schemas.openxmlformats.org/presentationml/2006/main">
-  <p:cSld>
-    <p:spTree>
-      <p:nvGrpSpPr>
-        <p:cNvPr id="1" name=""/>
-        <p:cNvGrpSpPr/>
-        <p:nvPr/>
-      </p:nvGrpSpPr>
-      <p:grpSpPr>
-        <a:xfrm>
-          <a:off x="0" y="0"/>
-          <a:ext cx="0" cy="0"/>
-          <a:chOff x="0" y="0"/>
-          <a:chExt cx="0" cy="0"/>
-        </a:xfrm>
-      </p:grpSpPr>
-      <p:sp>
-        <p:nvSpPr>
-          <p:cNvPr id="2" name="Title 1">
-            <a:extLst>
-              <a:ext uri="{FF2B5EF4-FFF2-40B4-BE49-F238E27FC236}">
-                <a16:creationId xmlns:a16="http://schemas.microsoft.com/office/drawing/2014/main" id="{ACFC4EE0-9626-294D-9E7A-C6013D6F095F}"/>
-              </a:ext>
-            </a:extLst>
-          </p:cNvPr>
-          <p:cNvSpPr>
-            <a:spLocks noGrp="1"/>
-          </p:cNvSpPr>
-          <p:nvPr>
-            <p:ph type="title"/>
-          </p:nvPr>
-        </p:nvSpPr>
-        <p:spPr/>
-        <p:txBody>
-          <a:bodyPr/>
-          <a:lstStyle/>
-          <a:p>
-            <a:r>
-              <a:rPr lang="en-US" dirty="0"/>
-              <a:t>Discussion</a:t>
-            </a:r>
-          </a:p>
-        </p:txBody>
-      </p:sp>
-      <p:sp>
-        <p:nvSpPr>
-          <p:cNvPr id="3" name="Content Placeholder 2">
-            <a:extLst>
-              <a:ext uri="{FF2B5EF4-FFF2-40B4-BE49-F238E27FC236}">
-                <a16:creationId xmlns:a16="http://schemas.microsoft.com/office/drawing/2014/main" id="{8B3E3A04-6972-0142-9295-7554F45E04F9}"/>
-              </a:ext>
-            </a:extLst>
-          </p:cNvPr>
-          <p:cNvSpPr>
-            <a:spLocks noGrp="1"/>
-          </p:cNvSpPr>
-          <p:nvPr>
-            <p:ph idx="1"/>
-          </p:nvPr>
-        </p:nvSpPr>
-        <p:spPr/>
-        <p:txBody>
-          <a:bodyPr anchor="t">
-            <a:normAutofit/>
-          </a:bodyPr>
-          <a:lstStyle/>
-          <a:p>
-            <a:r>
-              <a:rPr lang="en-US" sz="2400" dirty="0"/>
-              <a:t>What about analyzing data from older movies?</a:t>
-            </a:r>
-          </a:p>
-          <a:p>
-            <a:r>
-              <a:rPr lang="en-US" sz="2400" dirty="0"/>
-              <a:t>What makes a movie “successful”?</a:t>
-            </a:r>
-          </a:p>
-          <a:p>
-            <a:r>
-              <a:rPr lang="en-US" sz="2400" dirty="0"/>
-              <a:t>Is sentiment analysis necessary for predicting movie success?</a:t>
-            </a:r>
-          </a:p>
-          <a:p>
-            <a:r>
-              <a:rPr lang="en-US" sz="2400" dirty="0"/>
-              <a:t>How our outlook changed throughout the project</a:t>
-            </a:r>
-          </a:p>
-          <a:p>
-            <a:endParaRPr lang="en-US" sz="2400" dirty="0"/>
-          </a:p>
-          <a:p>
-            <a:endParaRPr lang="en-US" sz="2400" dirty="0"/>
-          </a:p>
-        </p:txBody>
-      </p:sp>
-    </p:spTree>
-    <p:extLst>
-      <p:ext uri="{BB962C8B-B14F-4D97-AF65-F5344CB8AC3E}">
-        <p14:creationId xmlns:p14="http://schemas.microsoft.com/office/powerpoint/2010/main" val="1588995595"/>
-      </p:ext>
-    </p:extLst>
-  </p:cSld>
-  <p:clrMapOvr>
-    <a:masterClrMapping/>
-  </p:clrMapOvr>
-</p:sld>
-</file>
-
 <file path=ppt/theme/theme1.xml><?xml version="1.0" encoding="utf-8"?>
 <a:theme xmlns:a="http://schemas.openxmlformats.org/drawingml/2006/main" name="Dividend">
   <a:themeElements>
@@ -9504,22 +12042,22 @@
         <a:srgbClr val="EBEBEB"/>
       </a:lt2>
       <a:accent1>
-        <a:srgbClr val="4D1434"/>
+        <a:srgbClr val="366658"/>
       </a:accent1>
       <a:accent2>
-        <a:srgbClr val="903163"/>
+        <a:srgbClr val="8CB64A"/>
       </a:accent2>
       <a:accent3>
-        <a:srgbClr val="B2324B"/>
+        <a:srgbClr val="88D5A9"/>
       </a:accent3>
       <a:accent4>
         <a:srgbClr val="969FA7"/>
       </a:accent4>
       <a:accent5>
-        <a:srgbClr val="66B1CE"/>
+        <a:srgbClr val="E8A844"/>
       </a:accent5>
       <a:accent6>
-        <a:srgbClr val="40619D"/>
+        <a:srgbClr val="A1561F"/>
       </a:accent6>
       <a:hlink>
         <a:srgbClr val="828282"/>
@@ -9750,7 +12288,7 @@
   <a:extraClrSchemeLst/>
   <a:extLst>
     <a:ext uri="{05A4C25C-085E-4340-85A3-A5531E510DB2}">
-      <thm15:themeFamily xmlns:thm15="http://schemas.microsoft.com/office/thememl/2012/main" name="Dividend" id="{9697A71B-4AB7-4A1A-BD5B-BB2D22835B57}" vid="{C21699FF-00E4-43C8-BBCC-D7E5536C3717}"/>
+      <thm15:themeFamily xmlns:thm15="http://schemas.microsoft.com/office/thememl/2012/main" name="Dividend" id="{9697A71B-4AB7-4A1A-BD5B-BB2D22835B57}" vid="{4BEC0EAF-CF86-4D49-B83B-56CC62D3CFF1}"/>
     </a:ext>
   </a:extLst>
 </a:theme>

--- a/Final Presentation.pptx
+++ b/Final Presentation.pptx
@@ -5,7 +5,7 @@
     <p:sldMasterId id="2147483792" r:id="rId1"/>
   </p:sldMasterIdLst>
   <p:notesMasterIdLst>
-    <p:notesMasterId r:id="rId15"/>
+    <p:notesMasterId r:id="rId16"/>
   </p:notesMasterIdLst>
   <p:sldIdLst>
     <p:sldId id="256" r:id="rId2"/>
@@ -15,12 +15,13 @@
     <p:sldId id="260" r:id="rId6"/>
     <p:sldId id="261" r:id="rId7"/>
     <p:sldId id="262" r:id="rId8"/>
-    <p:sldId id="268" r:id="rId9"/>
-    <p:sldId id="263" r:id="rId10"/>
-    <p:sldId id="264" r:id="rId11"/>
-    <p:sldId id="265" r:id="rId12"/>
-    <p:sldId id="266" r:id="rId13"/>
-    <p:sldId id="267" r:id="rId14"/>
+    <p:sldId id="269" r:id="rId9"/>
+    <p:sldId id="268" r:id="rId10"/>
+    <p:sldId id="263" r:id="rId11"/>
+    <p:sldId id="264" r:id="rId12"/>
+    <p:sldId id="265" r:id="rId13"/>
+    <p:sldId id="266" r:id="rId14"/>
+    <p:sldId id="267" r:id="rId15"/>
   </p:sldIdLst>
   <p:sldSz cx="12192000" cy="6858000"/>
   <p:notesSz cx="6858000" cy="9144000"/>
@@ -989,7 +990,7 @@
             </a:pPr>
             <a:r>
               <a:rPr lang="en-US" dirty="0"/>
-              <a:t>IMDB vs Number of Tweets</a:t>
+              <a:t>Twitter Attention vs Ratio</a:t>
             </a:r>
           </a:p>
         </c:rich>
@@ -1034,11 +1035,11 @@
           <c:order val="0"/>
           <c:tx>
             <c:strRef>
-              <c:f>Data!$M$1</c:f>
+              <c:f>Data!$Q$1</c:f>
               <c:strCache>
                 <c:ptCount val="1"/>
                 <c:pt idx="0">
-                  <c:v>IMDB</c:v>
+                  <c:v>Ratio</c:v>
                 </c:pt>
               </c:strCache>
             </c:strRef>
@@ -1081,108 +1082,108 @@
           </c:trendline>
           <c:xVal>
             <c:numRef>
-              <c:f>Data!$B$2:$B$16</c:f>
+              <c:f>Data!$F$2:$F$16</c:f>
               <c:numCache>
                 <c:formatCode>General</c:formatCode>
                 <c:ptCount val="15"/>
                 <c:pt idx="0">
-                  <c:v>146890</c:v>
+                  <c:v>3281630</c:v>
                 </c:pt>
                 <c:pt idx="1">
-                  <c:v>167830</c:v>
+                  <c:v>2992484</c:v>
                 </c:pt>
                 <c:pt idx="2">
-                  <c:v>206457</c:v>
+                  <c:v>2139062</c:v>
                 </c:pt>
                 <c:pt idx="3">
-                  <c:v>116943</c:v>
+                  <c:v>2119859</c:v>
                 </c:pt>
                 <c:pt idx="4">
-                  <c:v>120761</c:v>
+                  <c:v>2043168</c:v>
                 </c:pt>
                 <c:pt idx="5">
-                  <c:v>186840</c:v>
+                  <c:v>1680423</c:v>
                 </c:pt>
                 <c:pt idx="6">
-                  <c:v>112422</c:v>
+                  <c:v>1210614</c:v>
                 </c:pt>
                 <c:pt idx="7">
-                  <c:v>71614</c:v>
+                  <c:v>495600</c:v>
                 </c:pt>
                 <c:pt idx="8">
-                  <c:v>124383</c:v>
+                  <c:v>441068</c:v>
                 </c:pt>
                 <c:pt idx="9">
-                  <c:v>62388</c:v>
+                  <c:v>210707</c:v>
                 </c:pt>
                 <c:pt idx="10">
-                  <c:v>32987</c:v>
+                  <c:v>118594</c:v>
                 </c:pt>
                 <c:pt idx="11">
-                  <c:v>22801</c:v>
+                  <c:v>107587</c:v>
                 </c:pt>
                 <c:pt idx="12">
-                  <c:v>10241</c:v>
+                  <c:v>94028</c:v>
                 </c:pt>
                 <c:pt idx="13">
-                  <c:v>7365</c:v>
+                  <c:v>80979</c:v>
                 </c:pt>
                 <c:pt idx="14">
-                  <c:v>6212</c:v>
+                  <c:v>26226</c:v>
                 </c:pt>
               </c:numCache>
             </c:numRef>
           </c:xVal>
           <c:yVal>
             <c:numRef>
-              <c:f>Data!$M$2:$M$16</c:f>
+              <c:f>Data!$Q$2:$Q$16</c:f>
               <c:numCache>
-                <c:formatCode>0%</c:formatCode>
+                <c:formatCode>0.000</c:formatCode>
                 <c:ptCount val="15"/>
                 <c:pt idx="0">
-                  <c:v>0.77</c:v>
+                  <c:v>2.5562275625350541E-2</c:v>
                 </c:pt>
                 <c:pt idx="1">
-                  <c:v>0.77</c:v>
+                  <c:v>0.29420525013328896</c:v>
                 </c:pt>
                 <c:pt idx="2">
-                  <c:v>0.75</c:v>
+                  <c:v>0.36115660553201556</c:v>
                 </c:pt>
                 <c:pt idx="3">
-                  <c:v>0.74</c:v>
+                  <c:v>0.32248974986485662</c:v>
                 </c:pt>
                 <c:pt idx="4">
-                  <c:v>0.8</c:v>
+                  <c:v>0.52612671614642903</c:v>
                 </c:pt>
                 <c:pt idx="5">
-                  <c:v>0.67</c:v>
+                  <c:v>1.309904698102007</c:v>
                 </c:pt>
                 <c:pt idx="6">
-                  <c:v>0.72</c:v>
+                  <c:v>0.31745139543845957</c:v>
                 </c:pt>
                 <c:pt idx="7">
-                  <c:v>0.81</c:v>
+                  <c:v>1.6837913863294325</c:v>
                 </c:pt>
                 <c:pt idx="8">
-                  <c:v>0.79</c:v>
+                  <c:v>0.57132285130895255</c:v>
                 </c:pt>
                 <c:pt idx="9">
-                  <c:v>0.77</c:v>
+                  <c:v>0.51306638870508359</c:v>
                 </c:pt>
                 <c:pt idx="10">
-                  <c:v>0.73</c:v>
+                  <c:v>0.45519103958259344</c:v>
                 </c:pt>
                 <c:pt idx="11">
-                  <c:v>0.75</c:v>
+                  <c:v>1.0212407036969362</c:v>
                 </c:pt>
                 <c:pt idx="12">
-                  <c:v>0.75</c:v>
+                  <c:v>0.30573682700739274</c:v>
                 </c:pt>
                 <c:pt idx="13">
-                  <c:v>0.56000000000000005</c:v>
+                  <c:v>1.1884219592407093</c:v>
                 </c:pt>
                 <c:pt idx="14">
-                  <c:v>0.68</c:v>
+                  <c:v>4.4671271262184984</c:v>
                 </c:pt>
               </c:numCache>
             </c:numRef>
@@ -1190,7 +1191,7 @@
           <c:smooth val="0"/>
           <c:extLst>
             <c:ext xmlns:c16="http://schemas.microsoft.com/office/drawing/2014/chart" uri="{C3380CC4-5D6E-409C-BE32-E72D297353CC}">
-              <c16:uniqueId val="{00000001-3651-C54A-B0D6-9724C4EC26B9}"/>
+              <c16:uniqueId val="{00000001-D841-DE49-8ACE-B1B772B32607}"/>
             </c:ext>
           </c:extLst>
         </c:ser>
@@ -1202,11 +1203,11 @@
           <c:showPercent val="0"/>
           <c:showBubbleSize val="0"/>
         </c:dLbls>
-        <c:axId val="389148320"/>
-        <c:axId val="389150016"/>
+        <c:axId val="807556911"/>
+        <c:axId val="808032111"/>
       </c:scatterChart>
       <c:valAx>
-        <c:axId val="389148320"/>
+        <c:axId val="807556911"/>
         <c:scaling>
           <c:orientation val="minMax"/>
         </c:scaling>
@@ -1263,12 +1264,12 @@
             <a:endParaRPr lang="en-US"/>
           </a:p>
         </c:txPr>
-        <c:crossAx val="389150016"/>
+        <c:crossAx val="808032111"/>
         <c:crosses val="autoZero"/>
         <c:crossBetween val="midCat"/>
       </c:valAx>
       <c:valAx>
-        <c:axId val="389150016"/>
+        <c:axId val="808032111"/>
         <c:scaling>
           <c:orientation val="minMax"/>
         </c:scaling>
@@ -1288,7 +1289,7 @@
             <a:effectLst/>
           </c:spPr>
         </c:majorGridlines>
-        <c:numFmt formatCode="0%" sourceLinked="1"/>
+        <c:numFmt formatCode="0.000" sourceLinked="1"/>
         <c:majorTickMark val="none"/>
         <c:minorTickMark val="none"/>
         <c:tickLblPos val="nextTo"/>
@@ -1325,7 +1326,7 @@
             <a:endParaRPr lang="en-US"/>
           </a:p>
         </c:txPr>
-        <c:crossAx val="389148320"/>
+        <c:crossAx val="807556911"/>
         <c:crosses val="autoZero"/>
         <c:crossBetween val="midCat"/>
       </c:valAx>
@@ -1405,20 +1406,15 @@
               </a:defRPr>
             </a:pPr>
             <a:r>
-              <a:rPr lang="en-US"/>
-              <a:t>Rotten Tomatoes vs </a:t>
-            </a:r>
-            <a:r>
               <a:rPr lang="en-US" sz="1400" b="0" i="0" u="none" strike="noStrike" baseline="0">
                 <a:effectLst/>
               </a:rPr>
               <a:t>Number of Tweets</a:t>
             </a:r>
             <a:r>
-              <a:rPr lang="en-US" sz="1400" b="0" i="0" u="none" strike="noStrike" baseline="0"/>
-              <a:t> </a:t>
+              <a:rPr lang="en-US"/>
+              <a:t> vs Ratio</a:t>
             </a:r>
-            <a:endParaRPr lang="en-US"/>
           </a:p>
         </c:rich>
       </c:tx>
@@ -1462,11 +1458,11 @@
           <c:order val="0"/>
           <c:tx>
             <c:strRef>
-              <c:f>Data!$N$1</c:f>
+              <c:f>Data!$Q$1</c:f>
               <c:strCache>
                 <c:ptCount val="1"/>
                 <c:pt idx="0">
-                  <c:v>Rotten Tomatoes</c:v>
+                  <c:v>Ratio</c:v>
                 </c:pt>
               </c:strCache>
             </c:strRef>
@@ -1563,54 +1559,54 @@
           </c:xVal>
           <c:yVal>
             <c:numRef>
-              <c:f>Data!$N$2:$N$16</c:f>
+              <c:f>Data!$Q$2:$Q$16</c:f>
               <c:numCache>
-                <c:formatCode>0%</c:formatCode>
+                <c:formatCode>0.000</c:formatCode>
                 <c:ptCount val="15"/>
                 <c:pt idx="0">
-                  <c:v>0.99</c:v>
+                  <c:v>2.5562275625350541E-2</c:v>
                 </c:pt>
                 <c:pt idx="1">
-                  <c:v>0.97</c:v>
+                  <c:v>0.29420525013328896</c:v>
                 </c:pt>
                 <c:pt idx="2">
-                  <c:v>0.92</c:v>
+                  <c:v>0.36115660553201556</c:v>
                 </c:pt>
                 <c:pt idx="3">
-                  <c:v>0.91</c:v>
+                  <c:v>0.32248974986485662</c:v>
                 </c:pt>
                 <c:pt idx="4">
-                  <c:v>0.92</c:v>
+                  <c:v>0.52612671614642903</c:v>
                 </c:pt>
                 <c:pt idx="5">
-                  <c:v>0.4</c:v>
+                  <c:v>1.309904698102007</c:v>
                 </c:pt>
                 <c:pt idx="6">
-                  <c:v>0.71</c:v>
+                  <c:v>0.31745139543845957</c:v>
                 </c:pt>
                 <c:pt idx="7">
-                  <c:v>0.87</c:v>
+                  <c:v>1.6837913863294325</c:v>
                 </c:pt>
                 <c:pt idx="8">
-                  <c:v>0.92</c:v>
+                  <c:v>0.57132285130895255</c:v>
                 </c:pt>
                 <c:pt idx="9">
-                  <c:v>0.83</c:v>
+                  <c:v>0.51306638870508359</c:v>
                 </c:pt>
                 <c:pt idx="10">
-                  <c:v>0.9</c:v>
+                  <c:v>0.45519103958259344</c:v>
                 </c:pt>
                 <c:pt idx="11">
-                  <c:v>0.93</c:v>
+                  <c:v>1.0212407036969362</c:v>
                 </c:pt>
                 <c:pt idx="12">
-                  <c:v>0.92</c:v>
+                  <c:v>0.30573682700739274</c:v>
                 </c:pt>
                 <c:pt idx="13">
-                  <c:v>0.18</c:v>
+                  <c:v>1.1884219592407093</c:v>
                 </c:pt>
                 <c:pt idx="14">
-                  <c:v>0.3</c:v>
+                  <c:v>4.4671271262184984</c:v>
                 </c:pt>
               </c:numCache>
             </c:numRef>
@@ -1618,7 +1614,7 @@
           <c:smooth val="0"/>
           <c:extLst>
             <c:ext xmlns:c16="http://schemas.microsoft.com/office/drawing/2014/chart" uri="{C3380CC4-5D6E-409C-BE32-E72D297353CC}">
-              <c16:uniqueId val="{00000001-0B2C-274D-B410-BB87F201C827}"/>
+              <c16:uniqueId val="{00000001-F481-2240-AC7F-15F17413CD12}"/>
             </c:ext>
           </c:extLst>
         </c:ser>
@@ -1630,11 +1626,11 @@
           <c:showPercent val="0"/>
           <c:showBubbleSize val="0"/>
         </c:dLbls>
-        <c:axId val="403075712"/>
-        <c:axId val="403382960"/>
+        <c:axId val="784027439"/>
+        <c:axId val="807663503"/>
       </c:scatterChart>
       <c:valAx>
-        <c:axId val="403075712"/>
+        <c:axId val="784027439"/>
         <c:scaling>
           <c:orientation val="minMax"/>
         </c:scaling>
@@ -1691,12 +1687,12 @@
             <a:endParaRPr lang="en-US"/>
           </a:p>
         </c:txPr>
-        <c:crossAx val="403382960"/>
+        <c:crossAx val="807663503"/>
         <c:crosses val="autoZero"/>
         <c:crossBetween val="midCat"/>
       </c:valAx>
       <c:valAx>
-        <c:axId val="403382960"/>
+        <c:axId val="807663503"/>
         <c:scaling>
           <c:orientation val="minMax"/>
         </c:scaling>
@@ -1716,7 +1712,7 @@
             <a:effectLst/>
           </c:spPr>
         </c:majorGridlines>
-        <c:numFmt formatCode="0%" sourceLinked="1"/>
+        <c:numFmt formatCode="0.000" sourceLinked="1"/>
         <c:majorTickMark val="none"/>
         <c:minorTickMark val="none"/>
         <c:tickLblPos val="nextTo"/>
@@ -1753,7 +1749,7 @@
             <a:endParaRPr lang="en-US"/>
           </a:p>
         </c:txPr>
-        <c:crossAx val="403075712"/>
+        <c:crossAx val="784027439"/>
         <c:crosses val="autoZero"/>
         <c:crossBetween val="midCat"/>
       </c:valAx>
@@ -1834,6 +1830,851 @@
             </a:pPr>
             <a:r>
               <a:rPr lang="en-US" dirty="0"/>
+              <a:t>IMDB vs Number of Tweets</a:t>
+            </a:r>
+          </a:p>
+        </c:rich>
+      </c:tx>
+      <c:overlay val="0"/>
+      <c:spPr>
+        <a:noFill/>
+        <a:ln>
+          <a:noFill/>
+        </a:ln>
+        <a:effectLst/>
+      </c:spPr>
+      <c:txPr>
+        <a:bodyPr rot="0" spcFirstLastPara="1" vertOverflow="ellipsis" vert="horz" wrap="square" anchor="ctr" anchorCtr="1"/>
+        <a:lstStyle/>
+        <a:p>
+          <a:pPr>
+            <a:defRPr sz="1400" b="0" i="0" u="none" strike="noStrike" kern="1200" spc="0" baseline="0">
+              <a:solidFill>
+                <a:schemeClr val="tx1">
+                  <a:lumMod val="65000"/>
+                  <a:lumOff val="35000"/>
+                </a:schemeClr>
+              </a:solidFill>
+              <a:latin typeface="+mn-lt"/>
+              <a:ea typeface="+mn-ea"/>
+              <a:cs typeface="+mn-cs"/>
+            </a:defRPr>
+          </a:pPr>
+          <a:endParaRPr lang="en-US"/>
+        </a:p>
+      </c:txPr>
+    </c:title>
+    <c:autoTitleDeleted val="0"/>
+    <c:plotArea>
+      <c:layout/>
+      <c:scatterChart>
+        <c:scatterStyle val="lineMarker"/>
+        <c:varyColors val="0"/>
+        <c:ser>
+          <c:idx val="0"/>
+          <c:order val="0"/>
+          <c:tx>
+            <c:strRef>
+              <c:f>Data!$M$1</c:f>
+              <c:strCache>
+                <c:ptCount val="1"/>
+                <c:pt idx="0">
+                  <c:v>IMDB</c:v>
+                </c:pt>
+              </c:strCache>
+            </c:strRef>
+          </c:tx>
+          <c:spPr>
+            <a:ln w="19050" cap="rnd">
+              <a:noFill/>
+              <a:round/>
+            </a:ln>
+            <a:effectLst/>
+          </c:spPr>
+          <c:marker>
+            <c:symbol val="circle"/>
+            <c:size val="5"/>
+            <c:spPr>
+              <a:solidFill>
+                <a:schemeClr val="accent1"/>
+              </a:solidFill>
+              <a:ln w="9525">
+                <a:solidFill>
+                  <a:schemeClr val="accent1"/>
+                </a:solidFill>
+              </a:ln>
+              <a:effectLst/>
+            </c:spPr>
+          </c:marker>
+          <c:trendline>
+            <c:spPr>
+              <a:ln w="19050" cap="rnd">
+                <a:solidFill>
+                  <a:schemeClr val="accent1"/>
+                </a:solidFill>
+                <a:prstDash val="sysDot"/>
+              </a:ln>
+              <a:effectLst/>
+            </c:spPr>
+            <c:trendlineType val="linear"/>
+            <c:dispRSqr val="0"/>
+            <c:dispEq val="0"/>
+          </c:trendline>
+          <c:xVal>
+            <c:numRef>
+              <c:f>Data!$B$2:$B$16</c:f>
+              <c:numCache>
+                <c:formatCode>General</c:formatCode>
+                <c:ptCount val="15"/>
+                <c:pt idx="0">
+                  <c:v>146890</c:v>
+                </c:pt>
+                <c:pt idx="1">
+                  <c:v>167830</c:v>
+                </c:pt>
+                <c:pt idx="2">
+                  <c:v>206457</c:v>
+                </c:pt>
+                <c:pt idx="3">
+                  <c:v>116943</c:v>
+                </c:pt>
+                <c:pt idx="4">
+                  <c:v>120761</c:v>
+                </c:pt>
+                <c:pt idx="5">
+                  <c:v>186840</c:v>
+                </c:pt>
+                <c:pt idx="6">
+                  <c:v>112422</c:v>
+                </c:pt>
+                <c:pt idx="7">
+                  <c:v>71614</c:v>
+                </c:pt>
+                <c:pt idx="8">
+                  <c:v>124383</c:v>
+                </c:pt>
+                <c:pt idx="9">
+                  <c:v>62388</c:v>
+                </c:pt>
+                <c:pt idx="10">
+                  <c:v>32987</c:v>
+                </c:pt>
+                <c:pt idx="11">
+                  <c:v>22801</c:v>
+                </c:pt>
+                <c:pt idx="12">
+                  <c:v>10241</c:v>
+                </c:pt>
+                <c:pt idx="13">
+                  <c:v>7365</c:v>
+                </c:pt>
+                <c:pt idx="14">
+                  <c:v>6212</c:v>
+                </c:pt>
+              </c:numCache>
+            </c:numRef>
+          </c:xVal>
+          <c:yVal>
+            <c:numRef>
+              <c:f>Data!$M$2:$M$16</c:f>
+              <c:numCache>
+                <c:formatCode>0%</c:formatCode>
+                <c:ptCount val="15"/>
+                <c:pt idx="0">
+                  <c:v>0.77</c:v>
+                </c:pt>
+                <c:pt idx="1">
+                  <c:v>0.77</c:v>
+                </c:pt>
+                <c:pt idx="2">
+                  <c:v>0.75</c:v>
+                </c:pt>
+                <c:pt idx="3">
+                  <c:v>0.74</c:v>
+                </c:pt>
+                <c:pt idx="4">
+                  <c:v>0.8</c:v>
+                </c:pt>
+                <c:pt idx="5">
+                  <c:v>0.67</c:v>
+                </c:pt>
+                <c:pt idx="6">
+                  <c:v>0.72</c:v>
+                </c:pt>
+                <c:pt idx="7">
+                  <c:v>0.81</c:v>
+                </c:pt>
+                <c:pt idx="8">
+                  <c:v>0.79</c:v>
+                </c:pt>
+                <c:pt idx="9">
+                  <c:v>0.77</c:v>
+                </c:pt>
+                <c:pt idx="10">
+                  <c:v>0.73</c:v>
+                </c:pt>
+                <c:pt idx="11">
+                  <c:v>0.75</c:v>
+                </c:pt>
+                <c:pt idx="12">
+                  <c:v>0.75</c:v>
+                </c:pt>
+                <c:pt idx="13">
+                  <c:v>0.56000000000000005</c:v>
+                </c:pt>
+                <c:pt idx="14">
+                  <c:v>0.68</c:v>
+                </c:pt>
+              </c:numCache>
+            </c:numRef>
+          </c:yVal>
+          <c:smooth val="0"/>
+          <c:extLst>
+            <c:ext xmlns:c16="http://schemas.microsoft.com/office/drawing/2014/chart" uri="{C3380CC4-5D6E-409C-BE32-E72D297353CC}">
+              <c16:uniqueId val="{00000001-3651-C54A-B0D6-9724C4EC26B9}"/>
+            </c:ext>
+          </c:extLst>
+        </c:ser>
+        <c:dLbls>
+          <c:showLegendKey val="0"/>
+          <c:showVal val="0"/>
+          <c:showCatName val="0"/>
+          <c:showSerName val="0"/>
+          <c:showPercent val="0"/>
+          <c:showBubbleSize val="0"/>
+        </c:dLbls>
+        <c:axId val="389148320"/>
+        <c:axId val="389150016"/>
+      </c:scatterChart>
+      <c:valAx>
+        <c:axId val="389148320"/>
+        <c:scaling>
+          <c:orientation val="minMax"/>
+        </c:scaling>
+        <c:delete val="0"/>
+        <c:axPos val="b"/>
+        <c:majorGridlines>
+          <c:spPr>
+            <a:ln w="9525" cap="flat" cmpd="sng" algn="ctr">
+              <a:solidFill>
+                <a:schemeClr val="tx1">
+                  <a:lumMod val="15000"/>
+                  <a:lumOff val="85000"/>
+                </a:schemeClr>
+              </a:solidFill>
+              <a:round/>
+            </a:ln>
+            <a:effectLst/>
+          </c:spPr>
+        </c:majorGridlines>
+        <c:numFmt formatCode="General" sourceLinked="1"/>
+        <c:majorTickMark val="none"/>
+        <c:minorTickMark val="none"/>
+        <c:tickLblPos val="nextTo"/>
+        <c:spPr>
+          <a:noFill/>
+          <a:ln w="9525" cap="flat" cmpd="sng" algn="ctr">
+            <a:solidFill>
+              <a:schemeClr val="tx1">
+                <a:lumMod val="25000"/>
+                <a:lumOff val="75000"/>
+              </a:schemeClr>
+            </a:solidFill>
+            <a:round/>
+          </a:ln>
+          <a:effectLst/>
+        </c:spPr>
+        <c:txPr>
+          <a:bodyPr rot="-60000000" spcFirstLastPara="1" vertOverflow="ellipsis" vert="horz" wrap="square" anchor="ctr" anchorCtr="1"/>
+          <a:lstStyle/>
+          <a:p>
+            <a:pPr>
+              <a:defRPr sz="900" b="0" i="0" u="none" strike="noStrike" kern="1200" baseline="0">
+                <a:solidFill>
+                  <a:schemeClr val="tx1">
+                    <a:lumMod val="65000"/>
+                    <a:lumOff val="35000"/>
+                  </a:schemeClr>
+                </a:solidFill>
+                <a:latin typeface="+mn-lt"/>
+                <a:ea typeface="+mn-ea"/>
+                <a:cs typeface="+mn-cs"/>
+              </a:defRPr>
+            </a:pPr>
+            <a:endParaRPr lang="en-US"/>
+          </a:p>
+        </c:txPr>
+        <c:crossAx val="389150016"/>
+        <c:crosses val="autoZero"/>
+        <c:crossBetween val="midCat"/>
+      </c:valAx>
+      <c:valAx>
+        <c:axId val="389150016"/>
+        <c:scaling>
+          <c:orientation val="minMax"/>
+        </c:scaling>
+        <c:delete val="0"/>
+        <c:axPos val="l"/>
+        <c:majorGridlines>
+          <c:spPr>
+            <a:ln w="9525" cap="flat" cmpd="sng" algn="ctr">
+              <a:solidFill>
+                <a:schemeClr val="tx1">
+                  <a:lumMod val="15000"/>
+                  <a:lumOff val="85000"/>
+                </a:schemeClr>
+              </a:solidFill>
+              <a:round/>
+            </a:ln>
+            <a:effectLst/>
+          </c:spPr>
+        </c:majorGridlines>
+        <c:numFmt formatCode="0%" sourceLinked="1"/>
+        <c:majorTickMark val="none"/>
+        <c:minorTickMark val="none"/>
+        <c:tickLblPos val="nextTo"/>
+        <c:spPr>
+          <a:noFill/>
+          <a:ln w="9525" cap="flat" cmpd="sng" algn="ctr">
+            <a:solidFill>
+              <a:schemeClr val="tx1">
+                <a:lumMod val="25000"/>
+                <a:lumOff val="75000"/>
+              </a:schemeClr>
+            </a:solidFill>
+            <a:round/>
+          </a:ln>
+          <a:effectLst/>
+        </c:spPr>
+        <c:txPr>
+          <a:bodyPr rot="-60000000" spcFirstLastPara="1" vertOverflow="ellipsis" vert="horz" wrap="square" anchor="ctr" anchorCtr="1"/>
+          <a:lstStyle/>
+          <a:p>
+            <a:pPr>
+              <a:defRPr sz="900" b="0" i="0" u="none" strike="noStrike" kern="1200" baseline="0">
+                <a:solidFill>
+                  <a:schemeClr val="tx1">
+                    <a:lumMod val="65000"/>
+                    <a:lumOff val="35000"/>
+                  </a:schemeClr>
+                </a:solidFill>
+                <a:latin typeface="+mn-lt"/>
+                <a:ea typeface="+mn-ea"/>
+                <a:cs typeface="+mn-cs"/>
+              </a:defRPr>
+            </a:pPr>
+            <a:endParaRPr lang="en-US"/>
+          </a:p>
+        </c:txPr>
+        <c:crossAx val="389148320"/>
+        <c:crosses val="autoZero"/>
+        <c:crossBetween val="midCat"/>
+      </c:valAx>
+      <c:spPr>
+        <a:noFill/>
+        <a:ln>
+          <a:noFill/>
+        </a:ln>
+        <a:effectLst/>
+      </c:spPr>
+    </c:plotArea>
+    <c:plotVisOnly val="1"/>
+    <c:dispBlanksAs val="gap"/>
+    <c:extLst>
+      <c:ext xmlns:c16r3="http://schemas.microsoft.com/office/drawing/2017/03/chart" uri="{56B9EC1D-385E-4148-901F-78D8002777C0}">
+        <c16r3:dataDisplayOptions16>
+          <c16r3:dispNaAsBlank val="1"/>
+        </c16r3:dataDisplayOptions16>
+      </c:ext>
+    </c:extLst>
+    <c:showDLblsOverMax val="0"/>
+  </c:chart>
+  <c:spPr>
+    <a:noFill/>
+    <a:ln>
+      <a:noFill/>
+    </a:ln>
+    <a:effectLst/>
+  </c:spPr>
+  <c:txPr>
+    <a:bodyPr/>
+    <a:lstStyle/>
+    <a:p>
+      <a:pPr>
+        <a:defRPr/>
+      </a:pPr>
+      <a:endParaRPr lang="en-US"/>
+    </a:p>
+  </c:txPr>
+  <c:externalData r:id="rId3">
+    <c:autoUpdate val="0"/>
+  </c:externalData>
+</c:chartSpace>
+</file>
+
+<file path=ppt/charts/chart6.xml><?xml version="1.0" encoding="utf-8"?>
+<c:chartSpace xmlns:c="http://schemas.openxmlformats.org/drawingml/2006/chart" xmlns:a="http://schemas.openxmlformats.org/drawingml/2006/main" xmlns:r="http://schemas.openxmlformats.org/officeDocument/2006/relationships" xmlns:c16r2="http://schemas.microsoft.com/office/drawing/2015/06/chart">
+  <c:date1904 val="0"/>
+  <c:lang val="en-US"/>
+  <c:roundedCorners val="0"/>
+  <mc:AlternateContent xmlns:mc="http://schemas.openxmlformats.org/markup-compatibility/2006">
+    <mc:Choice xmlns:c14="http://schemas.microsoft.com/office/drawing/2007/8/2/chart" Requires="c14">
+      <c14:style val="102"/>
+    </mc:Choice>
+    <mc:Fallback>
+      <c:style val="2"/>
+    </mc:Fallback>
+  </mc:AlternateContent>
+  <c:chart>
+    <c:title>
+      <c:tx>
+        <c:rich>
+          <a:bodyPr rot="0" spcFirstLastPara="1" vertOverflow="ellipsis" vert="horz" wrap="square" anchor="ctr" anchorCtr="1"/>
+          <a:lstStyle/>
+          <a:p>
+            <a:pPr>
+              <a:defRPr sz="1400" b="0" i="0" u="none" strike="noStrike" kern="1200" spc="0" baseline="0">
+                <a:solidFill>
+                  <a:schemeClr val="tx1">
+                    <a:lumMod val="65000"/>
+                    <a:lumOff val="35000"/>
+                  </a:schemeClr>
+                </a:solidFill>
+                <a:latin typeface="+mn-lt"/>
+                <a:ea typeface="+mn-ea"/>
+                <a:cs typeface="+mn-cs"/>
+              </a:defRPr>
+            </a:pPr>
+            <a:r>
+              <a:rPr lang="en-US"/>
+              <a:t>Rotten Tomatoes vs </a:t>
+            </a:r>
+            <a:r>
+              <a:rPr lang="en-US" sz="1400" b="0" i="0" u="none" strike="noStrike" baseline="0">
+                <a:effectLst/>
+              </a:rPr>
+              <a:t>Number of Tweets</a:t>
+            </a:r>
+            <a:r>
+              <a:rPr lang="en-US" sz="1400" b="0" i="0" u="none" strike="noStrike" baseline="0"/>
+              <a:t> </a:t>
+            </a:r>
+            <a:endParaRPr lang="en-US"/>
+          </a:p>
+        </c:rich>
+      </c:tx>
+      <c:overlay val="0"/>
+      <c:spPr>
+        <a:noFill/>
+        <a:ln>
+          <a:noFill/>
+        </a:ln>
+        <a:effectLst/>
+      </c:spPr>
+      <c:txPr>
+        <a:bodyPr rot="0" spcFirstLastPara="1" vertOverflow="ellipsis" vert="horz" wrap="square" anchor="ctr" anchorCtr="1"/>
+        <a:lstStyle/>
+        <a:p>
+          <a:pPr>
+            <a:defRPr sz="1400" b="0" i="0" u="none" strike="noStrike" kern="1200" spc="0" baseline="0">
+              <a:solidFill>
+                <a:schemeClr val="tx1">
+                  <a:lumMod val="65000"/>
+                  <a:lumOff val="35000"/>
+                </a:schemeClr>
+              </a:solidFill>
+              <a:latin typeface="+mn-lt"/>
+              <a:ea typeface="+mn-ea"/>
+              <a:cs typeface="+mn-cs"/>
+            </a:defRPr>
+          </a:pPr>
+          <a:endParaRPr lang="en-US"/>
+        </a:p>
+      </c:txPr>
+    </c:title>
+    <c:autoTitleDeleted val="0"/>
+    <c:plotArea>
+      <c:layout/>
+      <c:scatterChart>
+        <c:scatterStyle val="lineMarker"/>
+        <c:varyColors val="0"/>
+        <c:ser>
+          <c:idx val="0"/>
+          <c:order val="0"/>
+          <c:tx>
+            <c:strRef>
+              <c:f>Data!$N$1</c:f>
+              <c:strCache>
+                <c:ptCount val="1"/>
+                <c:pt idx="0">
+                  <c:v>Rotten Tomatoes</c:v>
+                </c:pt>
+              </c:strCache>
+            </c:strRef>
+          </c:tx>
+          <c:spPr>
+            <a:ln w="19050" cap="rnd">
+              <a:noFill/>
+              <a:round/>
+            </a:ln>
+            <a:effectLst/>
+          </c:spPr>
+          <c:marker>
+            <c:symbol val="circle"/>
+            <c:size val="5"/>
+            <c:spPr>
+              <a:solidFill>
+                <a:schemeClr val="accent1"/>
+              </a:solidFill>
+              <a:ln w="9525">
+                <a:solidFill>
+                  <a:schemeClr val="accent1"/>
+                </a:solidFill>
+              </a:ln>
+              <a:effectLst/>
+            </c:spPr>
+          </c:marker>
+          <c:trendline>
+            <c:spPr>
+              <a:ln w="19050" cap="rnd">
+                <a:solidFill>
+                  <a:schemeClr val="accent1"/>
+                </a:solidFill>
+                <a:prstDash val="sysDot"/>
+              </a:ln>
+              <a:effectLst/>
+            </c:spPr>
+            <c:trendlineType val="linear"/>
+            <c:dispRSqr val="0"/>
+            <c:dispEq val="0"/>
+          </c:trendline>
+          <c:xVal>
+            <c:numRef>
+              <c:f>Data!$B$2:$B$16</c:f>
+              <c:numCache>
+                <c:formatCode>General</c:formatCode>
+                <c:ptCount val="15"/>
+                <c:pt idx="0">
+                  <c:v>146890</c:v>
+                </c:pt>
+                <c:pt idx="1">
+                  <c:v>167830</c:v>
+                </c:pt>
+                <c:pt idx="2">
+                  <c:v>206457</c:v>
+                </c:pt>
+                <c:pt idx="3">
+                  <c:v>116943</c:v>
+                </c:pt>
+                <c:pt idx="4">
+                  <c:v>120761</c:v>
+                </c:pt>
+                <c:pt idx="5">
+                  <c:v>186840</c:v>
+                </c:pt>
+                <c:pt idx="6">
+                  <c:v>112422</c:v>
+                </c:pt>
+                <c:pt idx="7">
+                  <c:v>71614</c:v>
+                </c:pt>
+                <c:pt idx="8">
+                  <c:v>124383</c:v>
+                </c:pt>
+                <c:pt idx="9">
+                  <c:v>62388</c:v>
+                </c:pt>
+                <c:pt idx="10">
+                  <c:v>32987</c:v>
+                </c:pt>
+                <c:pt idx="11">
+                  <c:v>22801</c:v>
+                </c:pt>
+                <c:pt idx="12">
+                  <c:v>10241</c:v>
+                </c:pt>
+                <c:pt idx="13">
+                  <c:v>7365</c:v>
+                </c:pt>
+                <c:pt idx="14">
+                  <c:v>6212</c:v>
+                </c:pt>
+              </c:numCache>
+            </c:numRef>
+          </c:xVal>
+          <c:yVal>
+            <c:numRef>
+              <c:f>Data!$N$2:$N$16</c:f>
+              <c:numCache>
+                <c:formatCode>0%</c:formatCode>
+                <c:ptCount val="15"/>
+                <c:pt idx="0">
+                  <c:v>0.99</c:v>
+                </c:pt>
+                <c:pt idx="1">
+                  <c:v>0.97</c:v>
+                </c:pt>
+                <c:pt idx="2">
+                  <c:v>0.92</c:v>
+                </c:pt>
+                <c:pt idx="3">
+                  <c:v>0.91</c:v>
+                </c:pt>
+                <c:pt idx="4">
+                  <c:v>0.92</c:v>
+                </c:pt>
+                <c:pt idx="5">
+                  <c:v>0.4</c:v>
+                </c:pt>
+                <c:pt idx="6">
+                  <c:v>0.71</c:v>
+                </c:pt>
+                <c:pt idx="7">
+                  <c:v>0.87</c:v>
+                </c:pt>
+                <c:pt idx="8">
+                  <c:v>0.92</c:v>
+                </c:pt>
+                <c:pt idx="9">
+                  <c:v>0.83</c:v>
+                </c:pt>
+                <c:pt idx="10">
+                  <c:v>0.9</c:v>
+                </c:pt>
+                <c:pt idx="11">
+                  <c:v>0.93</c:v>
+                </c:pt>
+                <c:pt idx="12">
+                  <c:v>0.92</c:v>
+                </c:pt>
+                <c:pt idx="13">
+                  <c:v>0.18</c:v>
+                </c:pt>
+                <c:pt idx="14">
+                  <c:v>0.3</c:v>
+                </c:pt>
+              </c:numCache>
+            </c:numRef>
+          </c:yVal>
+          <c:smooth val="0"/>
+          <c:extLst>
+            <c:ext xmlns:c16="http://schemas.microsoft.com/office/drawing/2014/chart" uri="{C3380CC4-5D6E-409C-BE32-E72D297353CC}">
+              <c16:uniqueId val="{00000001-0B2C-274D-B410-BB87F201C827}"/>
+            </c:ext>
+          </c:extLst>
+        </c:ser>
+        <c:dLbls>
+          <c:showLegendKey val="0"/>
+          <c:showVal val="0"/>
+          <c:showCatName val="0"/>
+          <c:showSerName val="0"/>
+          <c:showPercent val="0"/>
+          <c:showBubbleSize val="0"/>
+        </c:dLbls>
+        <c:axId val="403075712"/>
+        <c:axId val="403382960"/>
+      </c:scatterChart>
+      <c:valAx>
+        <c:axId val="403075712"/>
+        <c:scaling>
+          <c:orientation val="minMax"/>
+        </c:scaling>
+        <c:delete val="0"/>
+        <c:axPos val="b"/>
+        <c:majorGridlines>
+          <c:spPr>
+            <a:ln w="9525" cap="flat" cmpd="sng" algn="ctr">
+              <a:solidFill>
+                <a:schemeClr val="tx1">
+                  <a:lumMod val="15000"/>
+                  <a:lumOff val="85000"/>
+                </a:schemeClr>
+              </a:solidFill>
+              <a:round/>
+            </a:ln>
+            <a:effectLst/>
+          </c:spPr>
+        </c:majorGridlines>
+        <c:numFmt formatCode="General" sourceLinked="1"/>
+        <c:majorTickMark val="none"/>
+        <c:minorTickMark val="none"/>
+        <c:tickLblPos val="nextTo"/>
+        <c:spPr>
+          <a:noFill/>
+          <a:ln w="9525" cap="flat" cmpd="sng" algn="ctr">
+            <a:solidFill>
+              <a:schemeClr val="tx1">
+                <a:lumMod val="25000"/>
+                <a:lumOff val="75000"/>
+              </a:schemeClr>
+            </a:solidFill>
+            <a:round/>
+          </a:ln>
+          <a:effectLst/>
+        </c:spPr>
+        <c:txPr>
+          <a:bodyPr rot="-60000000" spcFirstLastPara="1" vertOverflow="ellipsis" vert="horz" wrap="square" anchor="ctr" anchorCtr="1"/>
+          <a:lstStyle/>
+          <a:p>
+            <a:pPr>
+              <a:defRPr sz="900" b="0" i="0" u="none" strike="noStrike" kern="1200" baseline="0">
+                <a:solidFill>
+                  <a:schemeClr val="tx1">
+                    <a:lumMod val="65000"/>
+                    <a:lumOff val="35000"/>
+                  </a:schemeClr>
+                </a:solidFill>
+                <a:latin typeface="+mn-lt"/>
+                <a:ea typeface="+mn-ea"/>
+                <a:cs typeface="+mn-cs"/>
+              </a:defRPr>
+            </a:pPr>
+            <a:endParaRPr lang="en-US"/>
+          </a:p>
+        </c:txPr>
+        <c:crossAx val="403382960"/>
+        <c:crosses val="autoZero"/>
+        <c:crossBetween val="midCat"/>
+      </c:valAx>
+      <c:valAx>
+        <c:axId val="403382960"/>
+        <c:scaling>
+          <c:orientation val="minMax"/>
+        </c:scaling>
+        <c:delete val="0"/>
+        <c:axPos val="l"/>
+        <c:majorGridlines>
+          <c:spPr>
+            <a:ln w="9525" cap="flat" cmpd="sng" algn="ctr">
+              <a:solidFill>
+                <a:schemeClr val="tx1">
+                  <a:lumMod val="15000"/>
+                  <a:lumOff val="85000"/>
+                </a:schemeClr>
+              </a:solidFill>
+              <a:round/>
+            </a:ln>
+            <a:effectLst/>
+          </c:spPr>
+        </c:majorGridlines>
+        <c:numFmt formatCode="0%" sourceLinked="1"/>
+        <c:majorTickMark val="none"/>
+        <c:minorTickMark val="none"/>
+        <c:tickLblPos val="nextTo"/>
+        <c:spPr>
+          <a:noFill/>
+          <a:ln w="9525" cap="flat" cmpd="sng" algn="ctr">
+            <a:solidFill>
+              <a:schemeClr val="tx1">
+                <a:lumMod val="25000"/>
+                <a:lumOff val="75000"/>
+              </a:schemeClr>
+            </a:solidFill>
+            <a:round/>
+          </a:ln>
+          <a:effectLst/>
+        </c:spPr>
+        <c:txPr>
+          <a:bodyPr rot="-60000000" spcFirstLastPara="1" vertOverflow="ellipsis" vert="horz" wrap="square" anchor="ctr" anchorCtr="1"/>
+          <a:lstStyle/>
+          <a:p>
+            <a:pPr>
+              <a:defRPr sz="900" b="0" i="0" u="none" strike="noStrike" kern="1200" baseline="0">
+                <a:solidFill>
+                  <a:schemeClr val="tx1">
+                    <a:lumMod val="65000"/>
+                    <a:lumOff val="35000"/>
+                  </a:schemeClr>
+                </a:solidFill>
+                <a:latin typeface="+mn-lt"/>
+                <a:ea typeface="+mn-ea"/>
+                <a:cs typeface="+mn-cs"/>
+              </a:defRPr>
+            </a:pPr>
+            <a:endParaRPr lang="en-US"/>
+          </a:p>
+        </c:txPr>
+        <c:crossAx val="403075712"/>
+        <c:crosses val="autoZero"/>
+        <c:crossBetween val="midCat"/>
+      </c:valAx>
+      <c:spPr>
+        <a:noFill/>
+        <a:ln>
+          <a:noFill/>
+        </a:ln>
+        <a:effectLst/>
+      </c:spPr>
+    </c:plotArea>
+    <c:plotVisOnly val="1"/>
+    <c:dispBlanksAs val="gap"/>
+    <c:extLst>
+      <c:ext xmlns:c16r3="http://schemas.microsoft.com/office/drawing/2017/03/chart" uri="{56B9EC1D-385E-4148-901F-78D8002777C0}">
+        <c16r3:dataDisplayOptions16>
+          <c16r3:dispNaAsBlank val="1"/>
+        </c16r3:dataDisplayOptions16>
+      </c:ext>
+    </c:extLst>
+    <c:showDLblsOverMax val="0"/>
+  </c:chart>
+  <c:spPr>
+    <a:noFill/>
+    <a:ln>
+      <a:noFill/>
+    </a:ln>
+    <a:effectLst/>
+  </c:spPr>
+  <c:txPr>
+    <a:bodyPr/>
+    <a:lstStyle/>
+    <a:p>
+      <a:pPr>
+        <a:defRPr/>
+      </a:pPr>
+      <a:endParaRPr lang="en-US"/>
+    </a:p>
+  </c:txPr>
+  <c:externalData r:id="rId3">
+    <c:autoUpdate val="0"/>
+  </c:externalData>
+</c:chartSpace>
+</file>
+
+<file path=ppt/charts/chart7.xml><?xml version="1.0" encoding="utf-8"?>
+<c:chartSpace xmlns:c="http://schemas.openxmlformats.org/drawingml/2006/chart" xmlns:a="http://schemas.openxmlformats.org/drawingml/2006/main" xmlns:r="http://schemas.openxmlformats.org/officeDocument/2006/relationships" xmlns:c16r2="http://schemas.microsoft.com/office/drawing/2015/06/chart">
+  <c:date1904 val="0"/>
+  <c:lang val="en-US"/>
+  <c:roundedCorners val="0"/>
+  <mc:AlternateContent xmlns:mc="http://schemas.openxmlformats.org/markup-compatibility/2006">
+    <mc:Choice xmlns:c14="http://schemas.microsoft.com/office/drawing/2007/8/2/chart" Requires="c14">
+      <c14:style val="102"/>
+    </mc:Choice>
+    <mc:Fallback>
+      <c:style val="2"/>
+    </mc:Fallback>
+  </mc:AlternateContent>
+  <c:chart>
+    <c:title>
+      <c:tx>
+        <c:rich>
+          <a:bodyPr rot="0" spcFirstLastPara="1" vertOverflow="ellipsis" vert="horz" wrap="square" anchor="ctr" anchorCtr="1"/>
+          <a:lstStyle/>
+          <a:p>
+            <a:pPr>
+              <a:defRPr sz="1400" b="0" i="0" u="none" strike="noStrike" kern="1200" spc="0" baseline="0">
+                <a:solidFill>
+                  <a:schemeClr val="tx1">
+                    <a:lumMod val="65000"/>
+                    <a:lumOff val="35000"/>
+                  </a:schemeClr>
+                </a:solidFill>
+                <a:latin typeface="+mn-lt"/>
+                <a:ea typeface="+mn-ea"/>
+                <a:cs typeface="+mn-cs"/>
+              </a:defRPr>
+            </a:pPr>
+            <a:r>
+              <a:rPr lang="en-US" dirty="0"/>
               <a:t>Movie Earnings vs Positive Tweets</a:t>
             </a:r>
           </a:p>
@@ -2231,7 +3072,7 @@
 </c:chartSpace>
 </file>
 
-<file path=ppt/charts/chart6.xml><?xml version="1.0" encoding="utf-8"?>
+<file path=ppt/charts/chart8.xml><?xml version="1.0" encoding="utf-8"?>
 <c:chartSpace xmlns:c="http://schemas.openxmlformats.org/drawingml/2006/chart" xmlns:a="http://schemas.openxmlformats.org/drawingml/2006/main" xmlns:r="http://schemas.openxmlformats.org/officeDocument/2006/relationships" xmlns:c16r2="http://schemas.microsoft.com/office/drawing/2015/06/chart">
   <c:date1904 val="0"/>
   <c:lang val="en-US"/>
@@ -2903,6 +3744,86 @@
 </cs:colorStyle>
 </file>
 
+<file path=ppt/charts/colors7.xml><?xml version="1.0" encoding="utf-8"?>
+<cs:colorStyle xmlns:cs="http://schemas.microsoft.com/office/drawing/2012/chartStyle" xmlns:a="http://schemas.openxmlformats.org/drawingml/2006/main" meth="cycle" id="10">
+  <a:schemeClr val="accent1"/>
+  <a:schemeClr val="accent2"/>
+  <a:schemeClr val="accent3"/>
+  <a:schemeClr val="accent4"/>
+  <a:schemeClr val="accent5"/>
+  <a:schemeClr val="accent6"/>
+  <cs:variation/>
+  <cs:variation>
+    <a:lumMod val="60000"/>
+  </cs:variation>
+  <cs:variation>
+    <a:lumMod val="80000"/>
+    <a:lumOff val="20000"/>
+  </cs:variation>
+  <cs:variation>
+    <a:lumMod val="80000"/>
+  </cs:variation>
+  <cs:variation>
+    <a:lumMod val="60000"/>
+    <a:lumOff val="40000"/>
+  </cs:variation>
+  <cs:variation>
+    <a:lumMod val="50000"/>
+  </cs:variation>
+  <cs:variation>
+    <a:lumMod val="70000"/>
+    <a:lumOff val="30000"/>
+  </cs:variation>
+  <cs:variation>
+    <a:lumMod val="70000"/>
+  </cs:variation>
+  <cs:variation>
+    <a:lumMod val="50000"/>
+    <a:lumOff val="50000"/>
+  </cs:variation>
+</cs:colorStyle>
+</file>
+
+<file path=ppt/charts/colors8.xml><?xml version="1.0" encoding="utf-8"?>
+<cs:colorStyle xmlns:cs="http://schemas.microsoft.com/office/drawing/2012/chartStyle" xmlns:a="http://schemas.openxmlformats.org/drawingml/2006/main" meth="cycle" id="10">
+  <a:schemeClr val="accent1"/>
+  <a:schemeClr val="accent2"/>
+  <a:schemeClr val="accent3"/>
+  <a:schemeClr val="accent4"/>
+  <a:schemeClr val="accent5"/>
+  <a:schemeClr val="accent6"/>
+  <cs:variation/>
+  <cs:variation>
+    <a:lumMod val="60000"/>
+  </cs:variation>
+  <cs:variation>
+    <a:lumMod val="80000"/>
+    <a:lumOff val="20000"/>
+  </cs:variation>
+  <cs:variation>
+    <a:lumMod val="80000"/>
+  </cs:variation>
+  <cs:variation>
+    <a:lumMod val="60000"/>
+    <a:lumOff val="40000"/>
+  </cs:variation>
+  <cs:variation>
+    <a:lumMod val="50000"/>
+  </cs:variation>
+  <cs:variation>
+    <a:lumMod val="70000"/>
+    <a:lumOff val="30000"/>
+  </cs:variation>
+  <cs:variation>
+    <a:lumMod val="70000"/>
+  </cs:variation>
+  <cs:variation>
+    <a:lumMod val="50000"/>
+    <a:lumOff val="50000"/>
+  </cs:variation>
+</cs:colorStyle>
+</file>
+
 <file path=ppt/charts/style1.xml><?xml version="1.0" encoding="utf-8"?>
 <cs:chartStyle xmlns:cs="http://schemas.microsoft.com/office/drawing/2012/chartStyle" xmlns:a="http://schemas.openxmlformats.org/drawingml/2006/main" id="240">
   <cs:axisTitle>
@@ -5484,6 +6405,1038 @@
 </file>
 
 <file path=ppt/charts/style6.xml><?xml version="1.0" encoding="utf-8"?>
+<cs:chartStyle xmlns:cs="http://schemas.microsoft.com/office/drawing/2012/chartStyle" xmlns:a="http://schemas.openxmlformats.org/drawingml/2006/main" id="240">
+  <cs:axisTitle>
+    <cs:lnRef idx="0"/>
+    <cs:fillRef idx="0"/>
+    <cs:effectRef idx="0"/>
+    <cs:fontRef idx="minor">
+      <a:schemeClr val="tx1">
+        <a:lumMod val="65000"/>
+        <a:lumOff val="35000"/>
+      </a:schemeClr>
+    </cs:fontRef>
+    <cs:defRPr sz="1000" kern="1200"/>
+  </cs:axisTitle>
+  <cs:categoryAxis>
+    <cs:lnRef idx="0"/>
+    <cs:fillRef idx="0"/>
+    <cs:effectRef idx="0"/>
+    <cs:fontRef idx="minor">
+      <a:schemeClr val="tx1">
+        <a:lumMod val="65000"/>
+        <a:lumOff val="35000"/>
+      </a:schemeClr>
+    </cs:fontRef>
+    <cs:spPr>
+      <a:ln w="9525" cap="flat" cmpd="sng" algn="ctr">
+        <a:solidFill>
+          <a:schemeClr val="tx1">
+            <a:lumMod val="25000"/>
+            <a:lumOff val="75000"/>
+          </a:schemeClr>
+        </a:solidFill>
+        <a:round/>
+      </a:ln>
+    </cs:spPr>
+    <cs:defRPr sz="900" kern="1200"/>
+  </cs:categoryAxis>
+  <cs:chartArea mods="allowNoFillOverride allowNoLineOverride">
+    <cs:lnRef idx="0"/>
+    <cs:fillRef idx="0"/>
+    <cs:effectRef idx="0"/>
+    <cs:fontRef idx="minor">
+      <a:schemeClr val="tx1"/>
+    </cs:fontRef>
+    <cs:spPr>
+      <a:solidFill>
+        <a:schemeClr val="bg1"/>
+      </a:solidFill>
+      <a:ln w="9525" cap="flat" cmpd="sng" algn="ctr">
+        <a:solidFill>
+          <a:schemeClr val="tx1">
+            <a:lumMod val="15000"/>
+            <a:lumOff val="85000"/>
+          </a:schemeClr>
+        </a:solidFill>
+        <a:round/>
+      </a:ln>
+    </cs:spPr>
+    <cs:defRPr sz="1000" kern="1200"/>
+  </cs:chartArea>
+  <cs:dataLabel>
+    <cs:lnRef idx="0"/>
+    <cs:fillRef idx="0"/>
+    <cs:effectRef idx="0"/>
+    <cs:fontRef idx="minor">
+      <a:schemeClr val="tx1">
+        <a:lumMod val="75000"/>
+        <a:lumOff val="25000"/>
+      </a:schemeClr>
+    </cs:fontRef>
+    <cs:defRPr sz="900" kern="1200"/>
+  </cs:dataLabel>
+  <cs:dataLabelCallout>
+    <cs:lnRef idx="0"/>
+    <cs:fillRef idx="0"/>
+    <cs:effectRef idx="0"/>
+    <cs:fontRef idx="minor">
+      <a:schemeClr val="dk1">
+        <a:lumMod val="65000"/>
+        <a:lumOff val="35000"/>
+      </a:schemeClr>
+    </cs:fontRef>
+    <cs:spPr>
+      <a:solidFill>
+        <a:schemeClr val="lt1"/>
+      </a:solidFill>
+      <a:ln>
+        <a:solidFill>
+          <a:schemeClr val="dk1">
+            <a:lumMod val="25000"/>
+            <a:lumOff val="75000"/>
+          </a:schemeClr>
+        </a:solidFill>
+      </a:ln>
+    </cs:spPr>
+    <cs:defRPr sz="900" kern="1200"/>
+    <cs:bodyPr rot="0" spcFirstLastPara="1" vertOverflow="clip" horzOverflow="clip" vert="horz" wrap="square" lIns="36576" tIns="18288" rIns="36576" bIns="18288" anchor="ctr" anchorCtr="1">
+      <a:spAutoFit/>
+    </cs:bodyPr>
+  </cs:dataLabelCallout>
+  <cs:dataPoint>
+    <cs:lnRef idx="0"/>
+    <cs:fillRef idx="1">
+      <cs:styleClr val="auto"/>
+    </cs:fillRef>
+    <cs:effectRef idx="0"/>
+    <cs:fontRef idx="minor">
+      <a:schemeClr val="tx1"/>
+    </cs:fontRef>
+  </cs:dataPoint>
+  <cs:dataPoint3D>
+    <cs:lnRef idx="0"/>
+    <cs:fillRef idx="1">
+      <cs:styleClr val="auto"/>
+    </cs:fillRef>
+    <cs:effectRef idx="0"/>
+    <cs:fontRef idx="minor">
+      <a:schemeClr val="tx1"/>
+    </cs:fontRef>
+  </cs:dataPoint3D>
+  <cs:dataPointLine>
+    <cs:lnRef idx="0">
+      <cs:styleClr val="auto"/>
+    </cs:lnRef>
+    <cs:fillRef idx="1"/>
+    <cs:effectRef idx="0"/>
+    <cs:fontRef idx="minor">
+      <a:schemeClr val="tx1"/>
+    </cs:fontRef>
+    <cs:spPr>
+      <a:ln w="19050" cap="rnd">
+        <a:solidFill>
+          <a:schemeClr val="phClr"/>
+        </a:solidFill>
+        <a:round/>
+      </a:ln>
+    </cs:spPr>
+  </cs:dataPointLine>
+  <cs:dataPointMarker>
+    <cs:lnRef idx="0">
+      <cs:styleClr val="auto"/>
+    </cs:lnRef>
+    <cs:fillRef idx="1">
+      <cs:styleClr val="auto"/>
+    </cs:fillRef>
+    <cs:effectRef idx="0"/>
+    <cs:fontRef idx="minor">
+      <a:schemeClr val="tx1"/>
+    </cs:fontRef>
+    <cs:spPr>
+      <a:ln w="9525">
+        <a:solidFill>
+          <a:schemeClr val="phClr"/>
+        </a:solidFill>
+      </a:ln>
+    </cs:spPr>
+  </cs:dataPointMarker>
+  <cs:dataPointMarkerLayout symbol="circle" size="5"/>
+  <cs:dataPointWireframe>
+    <cs:lnRef idx="0">
+      <cs:styleClr val="auto"/>
+    </cs:lnRef>
+    <cs:fillRef idx="0"/>
+    <cs:effectRef idx="0"/>
+    <cs:fontRef idx="minor">
+      <a:schemeClr val="dk1"/>
+    </cs:fontRef>
+    <cs:spPr>
+      <a:ln w="9525" cap="rnd">
+        <a:solidFill>
+          <a:schemeClr val="phClr"/>
+        </a:solidFill>
+        <a:round/>
+      </a:ln>
+    </cs:spPr>
+  </cs:dataPointWireframe>
+  <cs:dataTable>
+    <cs:lnRef idx="0"/>
+    <cs:fillRef idx="0"/>
+    <cs:effectRef idx="0"/>
+    <cs:fontRef idx="minor">
+      <a:schemeClr val="tx1">
+        <a:lumMod val="65000"/>
+        <a:lumOff val="35000"/>
+      </a:schemeClr>
+    </cs:fontRef>
+    <cs:spPr>
+      <a:noFill/>
+      <a:ln w="9525" cap="flat" cmpd="sng" algn="ctr">
+        <a:solidFill>
+          <a:schemeClr val="tx1">
+            <a:lumMod val="15000"/>
+            <a:lumOff val="85000"/>
+          </a:schemeClr>
+        </a:solidFill>
+        <a:round/>
+      </a:ln>
+    </cs:spPr>
+    <cs:defRPr sz="900" kern="1200"/>
+  </cs:dataTable>
+  <cs:downBar>
+    <cs:lnRef idx="0"/>
+    <cs:fillRef idx="0"/>
+    <cs:effectRef idx="0"/>
+    <cs:fontRef idx="minor">
+      <a:schemeClr val="tx1"/>
+    </cs:fontRef>
+    <cs:spPr>
+      <a:solidFill>
+        <a:schemeClr val="dk1">
+          <a:lumMod val="75000"/>
+          <a:lumOff val="25000"/>
+        </a:schemeClr>
+      </a:solidFill>
+      <a:ln w="9525" cap="flat" cmpd="sng" algn="ctr">
+        <a:solidFill>
+          <a:schemeClr val="tx1">
+            <a:lumMod val="65000"/>
+            <a:lumOff val="35000"/>
+          </a:schemeClr>
+        </a:solidFill>
+        <a:round/>
+      </a:ln>
+    </cs:spPr>
+  </cs:downBar>
+  <cs:dropLine>
+    <cs:lnRef idx="0"/>
+    <cs:fillRef idx="0"/>
+    <cs:effectRef idx="0"/>
+    <cs:fontRef idx="minor">
+      <a:schemeClr val="tx1"/>
+    </cs:fontRef>
+    <cs:spPr>
+      <a:ln w="9525" cap="flat" cmpd="sng" algn="ctr">
+        <a:solidFill>
+          <a:schemeClr val="tx1">
+            <a:lumMod val="35000"/>
+            <a:lumOff val="65000"/>
+          </a:schemeClr>
+        </a:solidFill>
+        <a:round/>
+      </a:ln>
+    </cs:spPr>
+  </cs:dropLine>
+  <cs:errorBar>
+    <cs:lnRef idx="0"/>
+    <cs:fillRef idx="0"/>
+    <cs:effectRef idx="0"/>
+    <cs:fontRef idx="minor">
+      <a:schemeClr val="tx1"/>
+    </cs:fontRef>
+    <cs:spPr>
+      <a:ln w="9525" cap="flat" cmpd="sng" algn="ctr">
+        <a:solidFill>
+          <a:schemeClr val="tx1">
+            <a:lumMod val="65000"/>
+            <a:lumOff val="35000"/>
+          </a:schemeClr>
+        </a:solidFill>
+        <a:round/>
+      </a:ln>
+    </cs:spPr>
+  </cs:errorBar>
+  <cs:floor>
+    <cs:lnRef idx="0"/>
+    <cs:fillRef idx="0"/>
+    <cs:effectRef idx="0"/>
+    <cs:fontRef idx="minor">
+      <a:schemeClr val="tx1"/>
+    </cs:fontRef>
+    <cs:spPr>
+      <a:noFill/>
+      <a:ln>
+        <a:noFill/>
+      </a:ln>
+    </cs:spPr>
+  </cs:floor>
+  <cs:gridlineMajor>
+    <cs:lnRef idx="0"/>
+    <cs:fillRef idx="0"/>
+    <cs:effectRef idx="0"/>
+    <cs:fontRef idx="minor">
+      <a:schemeClr val="tx1"/>
+    </cs:fontRef>
+    <cs:spPr>
+      <a:ln w="9525" cap="flat" cmpd="sng" algn="ctr">
+        <a:solidFill>
+          <a:schemeClr val="tx1">
+            <a:lumMod val="15000"/>
+            <a:lumOff val="85000"/>
+          </a:schemeClr>
+        </a:solidFill>
+        <a:round/>
+      </a:ln>
+    </cs:spPr>
+  </cs:gridlineMajor>
+  <cs:gridlineMinor>
+    <cs:lnRef idx="0"/>
+    <cs:fillRef idx="0"/>
+    <cs:effectRef idx="0"/>
+    <cs:fontRef idx="minor">
+      <a:schemeClr val="tx1"/>
+    </cs:fontRef>
+    <cs:spPr>
+      <a:ln w="9525" cap="flat" cmpd="sng" algn="ctr">
+        <a:solidFill>
+          <a:schemeClr val="tx1">
+            <a:lumMod val="5000"/>
+            <a:lumOff val="95000"/>
+          </a:schemeClr>
+        </a:solidFill>
+        <a:round/>
+      </a:ln>
+    </cs:spPr>
+  </cs:gridlineMinor>
+  <cs:hiLoLine>
+    <cs:lnRef idx="0"/>
+    <cs:fillRef idx="0"/>
+    <cs:effectRef idx="0"/>
+    <cs:fontRef idx="minor">
+      <a:schemeClr val="tx1"/>
+    </cs:fontRef>
+    <cs:spPr>
+      <a:ln w="9525" cap="flat" cmpd="sng" algn="ctr">
+        <a:solidFill>
+          <a:schemeClr val="tx1">
+            <a:lumMod val="50000"/>
+            <a:lumOff val="50000"/>
+          </a:schemeClr>
+        </a:solidFill>
+        <a:round/>
+      </a:ln>
+    </cs:spPr>
+  </cs:hiLoLine>
+  <cs:leaderLine>
+    <cs:lnRef idx="0"/>
+    <cs:fillRef idx="0"/>
+    <cs:effectRef idx="0"/>
+    <cs:fontRef idx="minor">
+      <a:schemeClr val="tx1"/>
+    </cs:fontRef>
+    <cs:spPr>
+      <a:ln w="9525" cap="flat" cmpd="sng" algn="ctr">
+        <a:solidFill>
+          <a:schemeClr val="tx1">
+            <a:lumMod val="35000"/>
+            <a:lumOff val="65000"/>
+          </a:schemeClr>
+        </a:solidFill>
+        <a:round/>
+      </a:ln>
+    </cs:spPr>
+  </cs:leaderLine>
+  <cs:legend>
+    <cs:lnRef idx="0"/>
+    <cs:fillRef idx="0"/>
+    <cs:effectRef idx="0"/>
+    <cs:fontRef idx="minor">
+      <a:schemeClr val="tx1">
+        <a:lumMod val="65000"/>
+        <a:lumOff val="35000"/>
+      </a:schemeClr>
+    </cs:fontRef>
+    <cs:defRPr sz="900" kern="1200"/>
+  </cs:legend>
+  <cs:plotArea mods="allowNoFillOverride allowNoLineOverride">
+    <cs:lnRef idx="0"/>
+    <cs:fillRef idx="0"/>
+    <cs:effectRef idx="0"/>
+    <cs:fontRef idx="minor">
+      <a:schemeClr val="tx1"/>
+    </cs:fontRef>
+  </cs:plotArea>
+  <cs:plotArea3D mods="allowNoFillOverride allowNoLineOverride">
+    <cs:lnRef idx="0"/>
+    <cs:fillRef idx="0"/>
+    <cs:effectRef idx="0"/>
+    <cs:fontRef idx="minor">
+      <a:schemeClr val="tx1"/>
+    </cs:fontRef>
+  </cs:plotArea3D>
+  <cs:seriesAxis>
+    <cs:lnRef idx="0"/>
+    <cs:fillRef idx="0"/>
+    <cs:effectRef idx="0"/>
+    <cs:fontRef idx="minor">
+      <a:schemeClr val="tx1">
+        <a:lumMod val="65000"/>
+        <a:lumOff val="35000"/>
+      </a:schemeClr>
+    </cs:fontRef>
+    <cs:defRPr sz="900" kern="1200"/>
+  </cs:seriesAxis>
+  <cs:seriesLine>
+    <cs:lnRef idx="0"/>
+    <cs:fillRef idx="0"/>
+    <cs:effectRef idx="0"/>
+    <cs:fontRef idx="minor">
+      <a:schemeClr val="tx1"/>
+    </cs:fontRef>
+    <cs:spPr>
+      <a:ln w="9525" cap="flat" cmpd="sng" algn="ctr">
+        <a:solidFill>
+          <a:schemeClr val="tx1">
+            <a:lumMod val="35000"/>
+            <a:lumOff val="65000"/>
+          </a:schemeClr>
+        </a:solidFill>
+        <a:round/>
+      </a:ln>
+    </cs:spPr>
+  </cs:seriesLine>
+  <cs:title>
+    <cs:lnRef idx="0"/>
+    <cs:fillRef idx="0"/>
+    <cs:effectRef idx="0"/>
+    <cs:fontRef idx="minor">
+      <a:schemeClr val="tx1">
+        <a:lumMod val="65000"/>
+        <a:lumOff val="35000"/>
+      </a:schemeClr>
+    </cs:fontRef>
+    <cs:defRPr sz="1400" b="0" kern="1200" spc="0" baseline="0"/>
+  </cs:title>
+  <cs:trendline>
+    <cs:lnRef idx="0">
+      <cs:styleClr val="auto"/>
+    </cs:lnRef>
+    <cs:fillRef idx="0"/>
+    <cs:effectRef idx="0"/>
+    <cs:fontRef idx="minor">
+      <a:schemeClr val="tx1"/>
+    </cs:fontRef>
+    <cs:spPr>
+      <a:ln w="19050" cap="rnd">
+        <a:solidFill>
+          <a:schemeClr val="phClr"/>
+        </a:solidFill>
+        <a:prstDash val="sysDot"/>
+      </a:ln>
+    </cs:spPr>
+  </cs:trendline>
+  <cs:trendlineLabel>
+    <cs:lnRef idx="0"/>
+    <cs:fillRef idx="0"/>
+    <cs:effectRef idx="0"/>
+    <cs:fontRef idx="minor">
+      <a:schemeClr val="tx1">
+        <a:lumMod val="65000"/>
+        <a:lumOff val="35000"/>
+      </a:schemeClr>
+    </cs:fontRef>
+    <cs:defRPr sz="900" kern="1200"/>
+  </cs:trendlineLabel>
+  <cs:upBar>
+    <cs:lnRef idx="0"/>
+    <cs:fillRef idx="0"/>
+    <cs:effectRef idx="0"/>
+    <cs:fontRef idx="minor">
+      <a:schemeClr val="tx1"/>
+    </cs:fontRef>
+    <cs:spPr>
+      <a:solidFill>
+        <a:schemeClr val="lt1"/>
+      </a:solidFill>
+      <a:ln w="9525" cap="flat" cmpd="sng" algn="ctr">
+        <a:solidFill>
+          <a:schemeClr val="tx1">
+            <a:lumMod val="65000"/>
+            <a:lumOff val="35000"/>
+          </a:schemeClr>
+        </a:solidFill>
+        <a:round/>
+      </a:ln>
+    </cs:spPr>
+  </cs:upBar>
+  <cs:valueAxis>
+    <cs:lnRef idx="0"/>
+    <cs:fillRef idx="0"/>
+    <cs:effectRef idx="0"/>
+    <cs:fontRef idx="minor">
+      <a:schemeClr val="tx1">
+        <a:lumMod val="65000"/>
+        <a:lumOff val="35000"/>
+      </a:schemeClr>
+    </cs:fontRef>
+    <cs:spPr>
+      <a:ln w="9525" cap="flat" cmpd="sng" algn="ctr">
+        <a:solidFill>
+          <a:schemeClr val="tx1">
+            <a:lumMod val="25000"/>
+            <a:lumOff val="75000"/>
+          </a:schemeClr>
+        </a:solidFill>
+        <a:round/>
+      </a:ln>
+    </cs:spPr>
+    <cs:defRPr sz="900" kern="1200"/>
+  </cs:valueAxis>
+  <cs:wall>
+    <cs:lnRef idx="0"/>
+    <cs:fillRef idx="0"/>
+    <cs:effectRef idx="0"/>
+    <cs:fontRef idx="minor">
+      <a:schemeClr val="tx1"/>
+    </cs:fontRef>
+    <cs:spPr>
+      <a:noFill/>
+      <a:ln>
+        <a:noFill/>
+      </a:ln>
+    </cs:spPr>
+  </cs:wall>
+</cs:chartStyle>
+</file>
+
+<file path=ppt/charts/style7.xml><?xml version="1.0" encoding="utf-8"?>
+<cs:chartStyle xmlns:cs="http://schemas.microsoft.com/office/drawing/2012/chartStyle" xmlns:a="http://schemas.openxmlformats.org/drawingml/2006/main" id="240">
+  <cs:axisTitle>
+    <cs:lnRef idx="0"/>
+    <cs:fillRef idx="0"/>
+    <cs:effectRef idx="0"/>
+    <cs:fontRef idx="minor">
+      <a:schemeClr val="tx1">
+        <a:lumMod val="65000"/>
+        <a:lumOff val="35000"/>
+      </a:schemeClr>
+    </cs:fontRef>
+    <cs:defRPr sz="1000" kern="1200"/>
+  </cs:axisTitle>
+  <cs:categoryAxis>
+    <cs:lnRef idx="0"/>
+    <cs:fillRef idx="0"/>
+    <cs:effectRef idx="0"/>
+    <cs:fontRef idx="minor">
+      <a:schemeClr val="tx1">
+        <a:lumMod val="65000"/>
+        <a:lumOff val="35000"/>
+      </a:schemeClr>
+    </cs:fontRef>
+    <cs:spPr>
+      <a:ln w="9525" cap="flat" cmpd="sng" algn="ctr">
+        <a:solidFill>
+          <a:schemeClr val="tx1">
+            <a:lumMod val="25000"/>
+            <a:lumOff val="75000"/>
+          </a:schemeClr>
+        </a:solidFill>
+        <a:round/>
+      </a:ln>
+    </cs:spPr>
+    <cs:defRPr sz="900" kern="1200"/>
+  </cs:categoryAxis>
+  <cs:chartArea mods="allowNoFillOverride allowNoLineOverride">
+    <cs:lnRef idx="0"/>
+    <cs:fillRef idx="0"/>
+    <cs:effectRef idx="0"/>
+    <cs:fontRef idx="minor">
+      <a:schemeClr val="tx1"/>
+    </cs:fontRef>
+    <cs:spPr>
+      <a:solidFill>
+        <a:schemeClr val="bg1"/>
+      </a:solidFill>
+      <a:ln w="9525" cap="flat" cmpd="sng" algn="ctr">
+        <a:solidFill>
+          <a:schemeClr val="tx1">
+            <a:lumMod val="15000"/>
+            <a:lumOff val="85000"/>
+          </a:schemeClr>
+        </a:solidFill>
+        <a:round/>
+      </a:ln>
+    </cs:spPr>
+    <cs:defRPr sz="1000" kern="1200"/>
+  </cs:chartArea>
+  <cs:dataLabel>
+    <cs:lnRef idx="0"/>
+    <cs:fillRef idx="0"/>
+    <cs:effectRef idx="0"/>
+    <cs:fontRef idx="minor">
+      <a:schemeClr val="tx1">
+        <a:lumMod val="75000"/>
+        <a:lumOff val="25000"/>
+      </a:schemeClr>
+    </cs:fontRef>
+    <cs:defRPr sz="900" kern="1200"/>
+  </cs:dataLabel>
+  <cs:dataLabelCallout>
+    <cs:lnRef idx="0"/>
+    <cs:fillRef idx="0"/>
+    <cs:effectRef idx="0"/>
+    <cs:fontRef idx="minor">
+      <a:schemeClr val="dk1">
+        <a:lumMod val="65000"/>
+        <a:lumOff val="35000"/>
+      </a:schemeClr>
+    </cs:fontRef>
+    <cs:spPr>
+      <a:solidFill>
+        <a:schemeClr val="lt1"/>
+      </a:solidFill>
+      <a:ln>
+        <a:solidFill>
+          <a:schemeClr val="dk1">
+            <a:lumMod val="25000"/>
+            <a:lumOff val="75000"/>
+          </a:schemeClr>
+        </a:solidFill>
+      </a:ln>
+    </cs:spPr>
+    <cs:defRPr sz="900" kern="1200"/>
+    <cs:bodyPr rot="0" spcFirstLastPara="1" vertOverflow="clip" horzOverflow="clip" vert="horz" wrap="square" lIns="36576" tIns="18288" rIns="36576" bIns="18288" anchor="ctr" anchorCtr="1">
+      <a:spAutoFit/>
+    </cs:bodyPr>
+  </cs:dataLabelCallout>
+  <cs:dataPoint>
+    <cs:lnRef idx="0"/>
+    <cs:fillRef idx="1">
+      <cs:styleClr val="auto"/>
+    </cs:fillRef>
+    <cs:effectRef idx="0"/>
+    <cs:fontRef idx="minor">
+      <a:schemeClr val="tx1"/>
+    </cs:fontRef>
+  </cs:dataPoint>
+  <cs:dataPoint3D>
+    <cs:lnRef idx="0"/>
+    <cs:fillRef idx="1">
+      <cs:styleClr val="auto"/>
+    </cs:fillRef>
+    <cs:effectRef idx="0"/>
+    <cs:fontRef idx="minor">
+      <a:schemeClr val="tx1"/>
+    </cs:fontRef>
+  </cs:dataPoint3D>
+  <cs:dataPointLine>
+    <cs:lnRef idx="0">
+      <cs:styleClr val="auto"/>
+    </cs:lnRef>
+    <cs:fillRef idx="1"/>
+    <cs:effectRef idx="0"/>
+    <cs:fontRef idx="minor">
+      <a:schemeClr val="tx1"/>
+    </cs:fontRef>
+    <cs:spPr>
+      <a:ln w="19050" cap="rnd">
+        <a:solidFill>
+          <a:schemeClr val="phClr"/>
+        </a:solidFill>
+        <a:round/>
+      </a:ln>
+    </cs:spPr>
+  </cs:dataPointLine>
+  <cs:dataPointMarker>
+    <cs:lnRef idx="0">
+      <cs:styleClr val="auto"/>
+    </cs:lnRef>
+    <cs:fillRef idx="1">
+      <cs:styleClr val="auto"/>
+    </cs:fillRef>
+    <cs:effectRef idx="0"/>
+    <cs:fontRef idx="minor">
+      <a:schemeClr val="tx1"/>
+    </cs:fontRef>
+    <cs:spPr>
+      <a:ln w="9525">
+        <a:solidFill>
+          <a:schemeClr val="phClr"/>
+        </a:solidFill>
+      </a:ln>
+    </cs:spPr>
+  </cs:dataPointMarker>
+  <cs:dataPointMarkerLayout symbol="circle" size="5"/>
+  <cs:dataPointWireframe>
+    <cs:lnRef idx="0">
+      <cs:styleClr val="auto"/>
+    </cs:lnRef>
+    <cs:fillRef idx="0"/>
+    <cs:effectRef idx="0"/>
+    <cs:fontRef idx="minor">
+      <a:schemeClr val="dk1"/>
+    </cs:fontRef>
+    <cs:spPr>
+      <a:ln w="9525" cap="rnd">
+        <a:solidFill>
+          <a:schemeClr val="phClr"/>
+        </a:solidFill>
+        <a:round/>
+      </a:ln>
+    </cs:spPr>
+  </cs:dataPointWireframe>
+  <cs:dataTable>
+    <cs:lnRef idx="0"/>
+    <cs:fillRef idx="0"/>
+    <cs:effectRef idx="0"/>
+    <cs:fontRef idx="minor">
+      <a:schemeClr val="tx1">
+        <a:lumMod val="65000"/>
+        <a:lumOff val="35000"/>
+      </a:schemeClr>
+    </cs:fontRef>
+    <cs:spPr>
+      <a:noFill/>
+      <a:ln w="9525" cap="flat" cmpd="sng" algn="ctr">
+        <a:solidFill>
+          <a:schemeClr val="tx1">
+            <a:lumMod val="15000"/>
+            <a:lumOff val="85000"/>
+          </a:schemeClr>
+        </a:solidFill>
+        <a:round/>
+      </a:ln>
+    </cs:spPr>
+    <cs:defRPr sz="900" kern="1200"/>
+  </cs:dataTable>
+  <cs:downBar>
+    <cs:lnRef idx="0"/>
+    <cs:fillRef idx="0"/>
+    <cs:effectRef idx="0"/>
+    <cs:fontRef idx="minor">
+      <a:schemeClr val="tx1"/>
+    </cs:fontRef>
+    <cs:spPr>
+      <a:solidFill>
+        <a:schemeClr val="dk1">
+          <a:lumMod val="75000"/>
+          <a:lumOff val="25000"/>
+        </a:schemeClr>
+      </a:solidFill>
+      <a:ln w="9525" cap="flat" cmpd="sng" algn="ctr">
+        <a:solidFill>
+          <a:schemeClr val="tx1">
+            <a:lumMod val="65000"/>
+            <a:lumOff val="35000"/>
+          </a:schemeClr>
+        </a:solidFill>
+        <a:round/>
+      </a:ln>
+    </cs:spPr>
+  </cs:downBar>
+  <cs:dropLine>
+    <cs:lnRef idx="0"/>
+    <cs:fillRef idx="0"/>
+    <cs:effectRef idx="0"/>
+    <cs:fontRef idx="minor">
+      <a:schemeClr val="tx1"/>
+    </cs:fontRef>
+    <cs:spPr>
+      <a:ln w="9525" cap="flat" cmpd="sng" algn="ctr">
+        <a:solidFill>
+          <a:schemeClr val="tx1">
+            <a:lumMod val="35000"/>
+            <a:lumOff val="65000"/>
+          </a:schemeClr>
+        </a:solidFill>
+        <a:round/>
+      </a:ln>
+    </cs:spPr>
+  </cs:dropLine>
+  <cs:errorBar>
+    <cs:lnRef idx="0"/>
+    <cs:fillRef idx="0"/>
+    <cs:effectRef idx="0"/>
+    <cs:fontRef idx="minor">
+      <a:schemeClr val="tx1"/>
+    </cs:fontRef>
+    <cs:spPr>
+      <a:ln w="9525" cap="flat" cmpd="sng" algn="ctr">
+        <a:solidFill>
+          <a:schemeClr val="tx1">
+            <a:lumMod val="65000"/>
+            <a:lumOff val="35000"/>
+          </a:schemeClr>
+        </a:solidFill>
+        <a:round/>
+      </a:ln>
+    </cs:spPr>
+  </cs:errorBar>
+  <cs:floor>
+    <cs:lnRef idx="0"/>
+    <cs:fillRef idx="0"/>
+    <cs:effectRef idx="0"/>
+    <cs:fontRef idx="minor">
+      <a:schemeClr val="tx1"/>
+    </cs:fontRef>
+    <cs:spPr>
+      <a:noFill/>
+      <a:ln>
+        <a:noFill/>
+      </a:ln>
+    </cs:spPr>
+  </cs:floor>
+  <cs:gridlineMajor>
+    <cs:lnRef idx="0"/>
+    <cs:fillRef idx="0"/>
+    <cs:effectRef idx="0"/>
+    <cs:fontRef idx="minor">
+      <a:schemeClr val="tx1"/>
+    </cs:fontRef>
+    <cs:spPr>
+      <a:ln w="9525" cap="flat" cmpd="sng" algn="ctr">
+        <a:solidFill>
+          <a:schemeClr val="tx1">
+            <a:lumMod val="15000"/>
+            <a:lumOff val="85000"/>
+          </a:schemeClr>
+        </a:solidFill>
+        <a:round/>
+      </a:ln>
+    </cs:spPr>
+  </cs:gridlineMajor>
+  <cs:gridlineMinor>
+    <cs:lnRef idx="0"/>
+    <cs:fillRef idx="0"/>
+    <cs:effectRef idx="0"/>
+    <cs:fontRef idx="minor">
+      <a:schemeClr val="tx1"/>
+    </cs:fontRef>
+    <cs:spPr>
+      <a:ln w="9525" cap="flat" cmpd="sng" algn="ctr">
+        <a:solidFill>
+          <a:schemeClr val="tx1">
+            <a:lumMod val="5000"/>
+            <a:lumOff val="95000"/>
+          </a:schemeClr>
+        </a:solidFill>
+        <a:round/>
+      </a:ln>
+    </cs:spPr>
+  </cs:gridlineMinor>
+  <cs:hiLoLine>
+    <cs:lnRef idx="0"/>
+    <cs:fillRef idx="0"/>
+    <cs:effectRef idx="0"/>
+    <cs:fontRef idx="minor">
+      <a:schemeClr val="tx1"/>
+    </cs:fontRef>
+    <cs:spPr>
+      <a:ln w="9525" cap="flat" cmpd="sng" algn="ctr">
+        <a:solidFill>
+          <a:schemeClr val="tx1">
+            <a:lumMod val="50000"/>
+            <a:lumOff val="50000"/>
+          </a:schemeClr>
+        </a:solidFill>
+        <a:round/>
+      </a:ln>
+    </cs:spPr>
+  </cs:hiLoLine>
+  <cs:leaderLine>
+    <cs:lnRef idx="0"/>
+    <cs:fillRef idx="0"/>
+    <cs:effectRef idx="0"/>
+    <cs:fontRef idx="minor">
+      <a:schemeClr val="tx1"/>
+    </cs:fontRef>
+    <cs:spPr>
+      <a:ln w="9525" cap="flat" cmpd="sng" algn="ctr">
+        <a:solidFill>
+          <a:schemeClr val="tx1">
+            <a:lumMod val="35000"/>
+            <a:lumOff val="65000"/>
+          </a:schemeClr>
+        </a:solidFill>
+        <a:round/>
+      </a:ln>
+    </cs:spPr>
+  </cs:leaderLine>
+  <cs:legend>
+    <cs:lnRef idx="0"/>
+    <cs:fillRef idx="0"/>
+    <cs:effectRef idx="0"/>
+    <cs:fontRef idx="minor">
+      <a:schemeClr val="tx1">
+        <a:lumMod val="65000"/>
+        <a:lumOff val="35000"/>
+      </a:schemeClr>
+    </cs:fontRef>
+    <cs:defRPr sz="900" kern="1200"/>
+  </cs:legend>
+  <cs:plotArea mods="allowNoFillOverride allowNoLineOverride">
+    <cs:lnRef idx="0"/>
+    <cs:fillRef idx="0"/>
+    <cs:effectRef idx="0"/>
+    <cs:fontRef idx="minor">
+      <a:schemeClr val="tx1"/>
+    </cs:fontRef>
+  </cs:plotArea>
+  <cs:plotArea3D mods="allowNoFillOverride allowNoLineOverride">
+    <cs:lnRef idx="0"/>
+    <cs:fillRef idx="0"/>
+    <cs:effectRef idx="0"/>
+    <cs:fontRef idx="minor">
+      <a:schemeClr val="tx1"/>
+    </cs:fontRef>
+  </cs:plotArea3D>
+  <cs:seriesAxis>
+    <cs:lnRef idx="0"/>
+    <cs:fillRef idx="0"/>
+    <cs:effectRef idx="0"/>
+    <cs:fontRef idx="minor">
+      <a:schemeClr val="tx1">
+        <a:lumMod val="65000"/>
+        <a:lumOff val="35000"/>
+      </a:schemeClr>
+    </cs:fontRef>
+    <cs:defRPr sz="900" kern="1200"/>
+  </cs:seriesAxis>
+  <cs:seriesLine>
+    <cs:lnRef idx="0"/>
+    <cs:fillRef idx="0"/>
+    <cs:effectRef idx="0"/>
+    <cs:fontRef idx="minor">
+      <a:schemeClr val="tx1"/>
+    </cs:fontRef>
+    <cs:spPr>
+      <a:ln w="9525" cap="flat" cmpd="sng" algn="ctr">
+        <a:solidFill>
+          <a:schemeClr val="tx1">
+            <a:lumMod val="35000"/>
+            <a:lumOff val="65000"/>
+          </a:schemeClr>
+        </a:solidFill>
+        <a:round/>
+      </a:ln>
+    </cs:spPr>
+  </cs:seriesLine>
+  <cs:title>
+    <cs:lnRef idx="0"/>
+    <cs:fillRef idx="0"/>
+    <cs:effectRef idx="0"/>
+    <cs:fontRef idx="minor">
+      <a:schemeClr val="tx1">
+        <a:lumMod val="65000"/>
+        <a:lumOff val="35000"/>
+      </a:schemeClr>
+    </cs:fontRef>
+    <cs:defRPr sz="1400" b="0" kern="1200" spc="0" baseline="0"/>
+  </cs:title>
+  <cs:trendline>
+    <cs:lnRef idx="0">
+      <cs:styleClr val="auto"/>
+    </cs:lnRef>
+    <cs:fillRef idx="0"/>
+    <cs:effectRef idx="0"/>
+    <cs:fontRef idx="minor">
+      <a:schemeClr val="tx1"/>
+    </cs:fontRef>
+    <cs:spPr>
+      <a:ln w="19050" cap="rnd">
+        <a:solidFill>
+          <a:schemeClr val="phClr"/>
+        </a:solidFill>
+        <a:prstDash val="sysDot"/>
+      </a:ln>
+    </cs:spPr>
+  </cs:trendline>
+  <cs:trendlineLabel>
+    <cs:lnRef idx="0"/>
+    <cs:fillRef idx="0"/>
+    <cs:effectRef idx="0"/>
+    <cs:fontRef idx="minor">
+      <a:schemeClr val="tx1">
+        <a:lumMod val="65000"/>
+        <a:lumOff val="35000"/>
+      </a:schemeClr>
+    </cs:fontRef>
+    <cs:defRPr sz="900" kern="1200"/>
+  </cs:trendlineLabel>
+  <cs:upBar>
+    <cs:lnRef idx="0"/>
+    <cs:fillRef idx="0"/>
+    <cs:effectRef idx="0"/>
+    <cs:fontRef idx="minor">
+      <a:schemeClr val="tx1"/>
+    </cs:fontRef>
+    <cs:spPr>
+      <a:solidFill>
+        <a:schemeClr val="lt1"/>
+      </a:solidFill>
+      <a:ln w="9525" cap="flat" cmpd="sng" algn="ctr">
+        <a:solidFill>
+          <a:schemeClr val="tx1">
+            <a:lumMod val="65000"/>
+            <a:lumOff val="35000"/>
+          </a:schemeClr>
+        </a:solidFill>
+        <a:round/>
+      </a:ln>
+    </cs:spPr>
+  </cs:upBar>
+  <cs:valueAxis>
+    <cs:lnRef idx="0"/>
+    <cs:fillRef idx="0"/>
+    <cs:effectRef idx="0"/>
+    <cs:fontRef idx="minor">
+      <a:schemeClr val="tx1">
+        <a:lumMod val="65000"/>
+        <a:lumOff val="35000"/>
+      </a:schemeClr>
+    </cs:fontRef>
+    <cs:spPr>
+      <a:ln w="9525" cap="flat" cmpd="sng" algn="ctr">
+        <a:solidFill>
+          <a:schemeClr val="tx1">
+            <a:lumMod val="25000"/>
+            <a:lumOff val="75000"/>
+          </a:schemeClr>
+        </a:solidFill>
+        <a:round/>
+      </a:ln>
+    </cs:spPr>
+    <cs:defRPr sz="900" kern="1200"/>
+  </cs:valueAxis>
+  <cs:wall>
+    <cs:lnRef idx="0"/>
+    <cs:fillRef idx="0"/>
+    <cs:effectRef idx="0"/>
+    <cs:fontRef idx="minor">
+      <a:schemeClr val="tx1"/>
+    </cs:fontRef>
+    <cs:spPr>
+      <a:noFill/>
+      <a:ln>
+        <a:noFill/>
+      </a:ln>
+    </cs:spPr>
+  </cs:wall>
+</cs:chartStyle>
+</file>
+
+<file path=ppt/charts/style8.xml><?xml version="1.0" encoding="utf-8"?>
 <cs:chartStyle xmlns:cs="http://schemas.microsoft.com/office/drawing/2012/chartStyle" xmlns:a="http://schemas.openxmlformats.org/drawingml/2006/main" id="240">
   <cs:axisTitle>
     <cs:lnRef idx="0"/>
@@ -6081,7 +8034,7 @@
           <a:p>
             <a:fld id="{EB32E11D-AA62-1A48-B42E-F452D285CE0B}" type="datetimeFigureOut">
               <a:rPr lang="en-US" smtClean="0"/>
-              <a:t>4/23/18</a:t>
+              <a:t>4/24/18</a:t>
             </a:fld>
             <a:endParaRPr lang="en-US"/>
           </a:p>
@@ -6689,7 +8642,7 @@
             <a:fld id="{B61BEF0D-F0BB-DE4B-95CE-6DB70DBA9567}" type="datetimeFigureOut">
               <a:rPr lang="en-US" smtClean="0"/>
               <a:pPr/>
-              <a:t>4/23/18</a:t>
+              <a:t>4/24/18</a:t>
             </a:fld>
             <a:endParaRPr lang="en-US" dirty="0"/>
           </a:p>
@@ -6953,7 +8906,7 @@
             <a:fld id="{B61BEF0D-F0BB-DE4B-95CE-6DB70DBA9567}" type="datetimeFigureOut">
               <a:rPr lang="en-US" smtClean="0"/>
               <a:pPr/>
-              <a:t>4/23/18</a:t>
+              <a:t>4/24/18</a:t>
             </a:fld>
             <a:endParaRPr lang="en-US" dirty="0"/>
           </a:p>
@@ -7190,7 +9143,7 @@
             <a:fld id="{B61BEF0D-F0BB-DE4B-95CE-6DB70DBA9567}" type="datetimeFigureOut">
               <a:rPr lang="en-US" smtClean="0"/>
               <a:pPr/>
-              <a:t>4/23/18</a:t>
+              <a:t>4/24/18</a:t>
             </a:fld>
             <a:endParaRPr lang="en-US" dirty="0"/>
           </a:p>
@@ -7432,7 +9385,7 @@
             <a:fld id="{B61BEF0D-F0BB-DE4B-95CE-6DB70DBA9567}" type="datetimeFigureOut">
               <a:rPr lang="en-US" smtClean="0"/>
               <a:pPr/>
-              <a:t>4/23/18</a:t>
+              <a:t>4/24/18</a:t>
             </a:fld>
             <a:endParaRPr lang="en-US" dirty="0"/>
           </a:p>
@@ -7741,7 +9694,7 @@
             <a:fld id="{B61BEF0D-F0BB-DE4B-95CE-6DB70DBA9567}" type="datetimeFigureOut">
               <a:rPr lang="en-US" smtClean="0"/>
               <a:pPr/>
-              <a:t>4/23/18</a:t>
+              <a:t>4/24/18</a:t>
             </a:fld>
             <a:endParaRPr lang="en-US" dirty="0"/>
           </a:p>
@@ -8045,7 +9998,7 @@
             <a:fld id="{B61BEF0D-F0BB-DE4B-95CE-6DB70DBA9567}" type="datetimeFigureOut">
               <a:rPr lang="en-US" smtClean="0"/>
               <a:pPr/>
-              <a:t>4/23/18</a:t>
+              <a:t>4/24/18</a:t>
             </a:fld>
             <a:endParaRPr lang="en-US" dirty="0"/>
           </a:p>
@@ -8469,7 +10422,7 @@
             <a:fld id="{B61BEF0D-F0BB-DE4B-95CE-6DB70DBA9567}" type="datetimeFigureOut">
               <a:rPr lang="en-US" smtClean="0"/>
               <a:pPr/>
-              <a:t>4/23/18</a:t>
+              <a:t>4/24/18</a:t>
             </a:fld>
             <a:endParaRPr lang="en-US" dirty="0"/>
           </a:p>
@@ -8633,7 +10586,7 @@
             <a:fld id="{B61BEF0D-F0BB-DE4B-95CE-6DB70DBA9567}" type="datetimeFigureOut">
               <a:rPr lang="en-US" smtClean="0"/>
               <a:pPr/>
-              <a:t>4/23/18</a:t>
+              <a:t>4/24/18</a:t>
             </a:fld>
             <a:endParaRPr lang="en-US" dirty="0"/>
           </a:p>
@@ -8730,7 +10683,7 @@
             <a:fld id="{B61BEF0D-F0BB-DE4B-95CE-6DB70DBA9567}" type="datetimeFigureOut">
               <a:rPr lang="en-US" smtClean="0"/>
               <a:pPr/>
-              <a:t>4/23/18</a:t>
+              <a:t>4/24/18</a:t>
             </a:fld>
             <a:endParaRPr lang="en-US" dirty="0"/>
           </a:p>
@@ -9110,7 +11063,7 @@
             <a:fld id="{B61BEF0D-F0BB-DE4B-95CE-6DB70DBA9567}" type="datetimeFigureOut">
               <a:rPr lang="en-US" smtClean="0"/>
               <a:pPr/>
-              <a:t>4/23/18</a:t>
+              <a:t>4/24/18</a:t>
             </a:fld>
             <a:endParaRPr lang="en-US" dirty="0"/>
           </a:p>
@@ -9401,7 +11354,7 @@
             <a:fld id="{B61BEF0D-F0BB-DE4B-95CE-6DB70DBA9567}" type="datetimeFigureOut">
               <a:rPr lang="en-US" smtClean="0"/>
               <a:pPr/>
-              <a:t>4/23/18</a:t>
+              <a:t>4/24/18</a:t>
             </a:fld>
             <a:endParaRPr lang="en-US" dirty="0"/>
           </a:p>
@@ -9614,7 +11567,7 @@
             <a:fld id="{B61BEF0D-F0BB-DE4B-95CE-6DB70DBA9567}" type="datetimeFigureOut">
               <a:rPr lang="en-US" smtClean="0"/>
               <a:pPr/>
-              <a:t>4/23/18</a:t>
+              <a:t>4/24/18</a:t>
             </a:fld>
             <a:endParaRPr lang="en-US" dirty="0"/>
           </a:p>
@@ -10307,6 +12260,166 @@
           <p:cNvPr id="2" name="Title 1">
             <a:extLst>
               <a:ext uri="{FF2B5EF4-FFF2-40B4-BE49-F238E27FC236}">
+                <a16:creationId xmlns:a16="http://schemas.microsoft.com/office/drawing/2014/main" id="{012C64E4-5E9D-7B4D-955F-20C041FDF78A}"/>
+              </a:ext>
+            </a:extLst>
+          </p:cNvPr>
+          <p:cNvSpPr>
+            <a:spLocks noGrp="1"/>
+          </p:cNvSpPr>
+          <p:nvPr>
+            <p:ph type="title"/>
+          </p:nvPr>
+        </p:nvSpPr>
+        <p:spPr/>
+        <p:txBody>
+          <a:bodyPr/>
+          <a:lstStyle/>
+          <a:p>
+            <a:r>
+              <a:rPr lang="en-US" dirty="0"/>
+              <a:t>Sentiment Analysis</a:t>
+            </a:r>
+          </a:p>
+        </p:txBody>
+      </p:sp>
+      <p:sp>
+        <p:nvSpPr>
+          <p:cNvPr id="3" name="Content Placeholder 2">
+            <a:extLst>
+              <a:ext uri="{FF2B5EF4-FFF2-40B4-BE49-F238E27FC236}">
+                <a16:creationId xmlns:a16="http://schemas.microsoft.com/office/drawing/2014/main" id="{D227301D-E8AD-B345-8759-9579297AE24E}"/>
+              </a:ext>
+            </a:extLst>
+          </p:cNvPr>
+          <p:cNvSpPr>
+            <a:spLocks noGrp="1"/>
+          </p:cNvSpPr>
+          <p:nvPr>
+            <p:ph idx="1"/>
+          </p:nvPr>
+        </p:nvSpPr>
+        <p:spPr/>
+        <p:txBody>
+          <a:bodyPr anchor="t"/>
+          <a:lstStyle/>
+          <a:p>
+            <a:r>
+              <a:rPr lang="en-US" dirty="0"/>
+              <a:t>Sentiment analysis was overwhelmingly neutral due to Tweets like “In less than 100 hours I'll be watching #</a:t>
+            </a:r>
+            <a:r>
+              <a:rPr lang="en-US" dirty="0" err="1"/>
+              <a:t>WonderWoman</a:t>
+            </a:r>
+            <a:r>
+              <a:rPr lang="en-US" dirty="0"/>
+              <a:t>” and “And there's a new Planet of the Apes movie coming out, too.”</a:t>
+            </a:r>
+          </a:p>
+          <a:p>
+            <a:r>
+              <a:rPr lang="en-US" dirty="0"/>
+              <a:t>Positive tweet count still provided insight to movie earnings and ratings, though the correlation is no better than total tweet count.</a:t>
+            </a:r>
+          </a:p>
+        </p:txBody>
+      </p:sp>
+      <p:graphicFrame>
+        <p:nvGraphicFramePr>
+          <p:cNvPr id="4" name="Chart 3">
+            <a:extLst>
+              <a:ext uri="{FF2B5EF4-FFF2-40B4-BE49-F238E27FC236}">
+                <a16:creationId xmlns:a16="http://schemas.microsoft.com/office/drawing/2014/main" id="{06A25DE3-268A-7F47-BAA6-80481197EB86}"/>
+              </a:ext>
+            </a:extLst>
+          </p:cNvPr>
+          <p:cNvGraphicFramePr>
+            <a:graphicFrameLocks noGrp="1"/>
+          </p:cNvGraphicFramePr>
+          <p:nvPr>
+            <p:extLst>
+              <p:ext uri="{D42A27DB-BD31-4B8C-83A1-F6EECF244321}">
+                <p14:modId xmlns:p14="http://schemas.microsoft.com/office/powerpoint/2010/main" val="3989043370"/>
+              </p:ext>
+            </p:extLst>
+          </p:nvPr>
+        </p:nvGraphicFramePr>
+        <p:xfrm>
+          <a:off x="581192" y="3398838"/>
+          <a:ext cx="5029200" cy="3200400"/>
+        </p:xfrm>
+        <a:graphic>
+          <a:graphicData uri="http://schemas.openxmlformats.org/drawingml/2006/chart">
+            <c:chart xmlns:c="http://schemas.openxmlformats.org/drawingml/2006/chart" xmlns:r="http://schemas.openxmlformats.org/officeDocument/2006/relationships" r:id="rId2"/>
+          </a:graphicData>
+        </a:graphic>
+      </p:graphicFrame>
+      <p:graphicFrame>
+        <p:nvGraphicFramePr>
+          <p:cNvPr id="5" name="Chart 4">
+            <a:extLst>
+              <a:ext uri="{FF2B5EF4-FFF2-40B4-BE49-F238E27FC236}">
+                <a16:creationId xmlns:a16="http://schemas.microsoft.com/office/drawing/2014/main" id="{4D9AB950-1E78-5F41-86A9-E012510506A9}"/>
+              </a:ext>
+            </a:extLst>
+          </p:cNvPr>
+          <p:cNvGraphicFramePr>
+            <a:graphicFrameLocks noGrp="1"/>
+          </p:cNvGraphicFramePr>
+          <p:nvPr>
+            <p:extLst>
+              <p:ext uri="{D42A27DB-BD31-4B8C-83A1-F6EECF244321}">
+                <p14:modId xmlns:p14="http://schemas.microsoft.com/office/powerpoint/2010/main" val="981798805"/>
+              </p:ext>
+            </p:extLst>
+          </p:nvPr>
+        </p:nvGraphicFramePr>
+        <p:xfrm>
+          <a:off x="6581607" y="3398838"/>
+          <a:ext cx="5029200" cy="3200400"/>
+        </p:xfrm>
+        <a:graphic>
+          <a:graphicData uri="http://schemas.openxmlformats.org/drawingml/2006/chart">
+            <c:chart xmlns:c="http://schemas.openxmlformats.org/drawingml/2006/chart" xmlns:r="http://schemas.openxmlformats.org/officeDocument/2006/relationships" r:id="rId3"/>
+          </a:graphicData>
+        </a:graphic>
+      </p:graphicFrame>
+    </p:spTree>
+    <p:extLst>
+      <p:ext uri="{BB962C8B-B14F-4D97-AF65-F5344CB8AC3E}">
+        <p14:creationId xmlns:p14="http://schemas.microsoft.com/office/powerpoint/2010/main" val="2198733068"/>
+      </p:ext>
+    </p:extLst>
+  </p:cSld>
+  <p:clrMapOvr>
+    <a:masterClrMapping/>
+  </p:clrMapOvr>
+</p:sld>
+</file>
+
+<file path=ppt/slides/slide11.xml><?xml version="1.0" encoding="utf-8"?>
+<p:sld xmlns:a="http://schemas.openxmlformats.org/drawingml/2006/main" xmlns:r="http://schemas.openxmlformats.org/officeDocument/2006/relationships" xmlns:p="http://schemas.openxmlformats.org/presentationml/2006/main">
+  <p:cSld>
+    <p:spTree>
+      <p:nvGrpSpPr>
+        <p:cNvPr id="1" name=""/>
+        <p:cNvGrpSpPr/>
+        <p:nvPr/>
+      </p:nvGrpSpPr>
+      <p:grpSpPr>
+        <a:xfrm>
+          <a:off x="0" y="0"/>
+          <a:ext cx="0" cy="0"/>
+          <a:chOff x="0" y="0"/>
+          <a:chExt cx="0" cy="0"/>
+        </a:xfrm>
+      </p:grpSpPr>
+      <p:sp>
+        <p:nvSpPr>
+          <p:cNvPr id="2" name="Title 1">
+            <a:extLst>
+              <a:ext uri="{FF2B5EF4-FFF2-40B4-BE49-F238E27FC236}">
                 <a16:creationId xmlns:a16="http://schemas.microsoft.com/office/drawing/2014/main" id="{ACFC4EE0-9626-294D-9E7A-C6013D6F095F}"/>
               </a:ext>
             </a:extLst>
@@ -10403,7 +12516,7 @@
 </p:sld>
 </file>
 
-<file path=ppt/slides/slide11.xml><?xml version="1.0" encoding="utf-8"?>
+<file path=ppt/slides/slide12.xml><?xml version="1.0" encoding="utf-8"?>
 <p:sld xmlns:a="http://schemas.openxmlformats.org/drawingml/2006/main" xmlns:r="http://schemas.openxmlformats.org/officeDocument/2006/relationships" xmlns:p="http://schemas.openxmlformats.org/presentationml/2006/main">
   <p:cSld>
     <p:spTree>
@@ -10515,7 +12628,7 @@
 </p:sld>
 </file>
 
-<file path=ppt/slides/slide12.xml><?xml version="1.0" encoding="utf-8"?>
+<file path=ppt/slides/slide13.xml><?xml version="1.0" encoding="utf-8"?>
 <p:sld xmlns:a="http://schemas.openxmlformats.org/drawingml/2006/main" xmlns:r="http://schemas.openxmlformats.org/officeDocument/2006/relationships" xmlns:p="http://schemas.openxmlformats.org/presentationml/2006/main">
   <p:cSld>
     <p:spTree>
@@ -10621,7 +12734,7 @@
 </p:sld>
 </file>
 
-<file path=ppt/slides/slide13.xml><?xml version="1.0" encoding="utf-8"?>
+<file path=ppt/slides/slide14.xml><?xml version="1.0" encoding="utf-8"?>
 <p:sld xmlns:a="http://schemas.openxmlformats.org/drawingml/2006/main" xmlns:r="http://schemas.openxmlformats.org/officeDocument/2006/relationships" xmlns:p="http://schemas.openxmlformats.org/presentationml/2006/main">
   <p:cSld>
     <p:spTree>
@@ -11733,6 +13846,158 @@
           <p:cNvPr id="2" name="Title 1">
             <a:extLst>
               <a:ext uri="{FF2B5EF4-FFF2-40B4-BE49-F238E27FC236}">
+                <a16:creationId xmlns:a16="http://schemas.microsoft.com/office/drawing/2014/main" id="{2FCDE258-A9BE-1C43-8B2A-BB7B17B0D30D}"/>
+              </a:ext>
+            </a:extLst>
+          </p:cNvPr>
+          <p:cNvSpPr>
+            <a:spLocks noGrp="1"/>
+          </p:cNvSpPr>
+          <p:nvPr>
+            <p:ph type="title"/>
+          </p:nvPr>
+        </p:nvSpPr>
+        <p:spPr/>
+        <p:txBody>
+          <a:bodyPr/>
+          <a:lstStyle/>
+          <a:p>
+            <a:r>
+              <a:rPr lang="en-US" dirty="0"/>
+              <a:t>Other Measures of Success</a:t>
+            </a:r>
+          </a:p>
+        </p:txBody>
+      </p:sp>
+      <p:sp>
+        <p:nvSpPr>
+          <p:cNvPr id="3" name="Content Placeholder 2">
+            <a:extLst>
+              <a:ext uri="{FF2B5EF4-FFF2-40B4-BE49-F238E27FC236}">
+                <a16:creationId xmlns:a16="http://schemas.microsoft.com/office/drawing/2014/main" id="{83303CEF-9754-C249-AF3B-831D60123582}"/>
+              </a:ext>
+            </a:extLst>
+          </p:cNvPr>
+          <p:cNvSpPr>
+            <a:spLocks noGrp="1"/>
+          </p:cNvSpPr>
+          <p:nvPr>
+            <p:ph idx="1"/>
+          </p:nvPr>
+        </p:nvSpPr>
+        <p:spPr/>
+        <p:txBody>
+          <a:bodyPr anchor="t"/>
+          <a:lstStyle/>
+          <a:p>
+            <a:r>
+              <a:rPr lang="en-US" dirty="0"/>
+              <a:t>Ratio = Budget/Movie Earnings (Lower is better)</a:t>
+            </a:r>
+          </a:p>
+          <a:p>
+            <a:r>
+              <a:rPr lang="en-US" dirty="0"/>
+              <a:t>Twitter Attention is total number of Likes, Retweets, and Replies</a:t>
+            </a:r>
+          </a:p>
+        </p:txBody>
+      </p:sp>
+      <p:graphicFrame>
+        <p:nvGraphicFramePr>
+          <p:cNvPr id="4" name="Chart 3">
+            <a:extLst>
+              <a:ext uri="{FF2B5EF4-FFF2-40B4-BE49-F238E27FC236}">
+                <a16:creationId xmlns:a16="http://schemas.microsoft.com/office/drawing/2014/main" id="{14BFCF0A-C1AA-414F-9E6D-F97CA3EA56FC}"/>
+              </a:ext>
+            </a:extLst>
+          </p:cNvPr>
+          <p:cNvGraphicFramePr>
+            <a:graphicFrameLocks noGrp="1"/>
+          </p:cNvGraphicFramePr>
+          <p:nvPr>
+            <p:extLst>
+              <p:ext uri="{D42A27DB-BD31-4B8C-83A1-F6EECF244321}">
+                <p14:modId xmlns:p14="http://schemas.microsoft.com/office/powerpoint/2010/main" val="23715728"/>
+              </p:ext>
+            </p:extLst>
+          </p:nvPr>
+        </p:nvGraphicFramePr>
+        <p:xfrm>
+          <a:off x="581192" y="3333847"/>
+          <a:ext cx="5029200" cy="3200400"/>
+        </p:xfrm>
+        <a:graphic>
+          <a:graphicData uri="http://schemas.openxmlformats.org/drawingml/2006/chart">
+            <c:chart xmlns:c="http://schemas.openxmlformats.org/drawingml/2006/chart" xmlns:r="http://schemas.openxmlformats.org/officeDocument/2006/relationships" r:id="rId2"/>
+          </a:graphicData>
+        </a:graphic>
+      </p:graphicFrame>
+      <p:graphicFrame>
+        <p:nvGraphicFramePr>
+          <p:cNvPr id="5" name="Chart 4">
+            <a:extLst>
+              <a:ext uri="{FF2B5EF4-FFF2-40B4-BE49-F238E27FC236}">
+                <a16:creationId xmlns:a16="http://schemas.microsoft.com/office/drawing/2014/main" id="{CB865CFB-B4EF-1246-83F1-42EFDA0D739D}"/>
+              </a:ext>
+            </a:extLst>
+          </p:cNvPr>
+          <p:cNvGraphicFramePr>
+            <a:graphicFrameLocks noGrp="1"/>
+          </p:cNvGraphicFramePr>
+          <p:nvPr>
+            <p:extLst>
+              <p:ext uri="{D42A27DB-BD31-4B8C-83A1-F6EECF244321}">
+                <p14:modId xmlns:p14="http://schemas.microsoft.com/office/powerpoint/2010/main" val="1729253510"/>
+              </p:ext>
+            </p:extLst>
+          </p:nvPr>
+        </p:nvGraphicFramePr>
+        <p:xfrm>
+          <a:off x="6581607" y="3333847"/>
+          <a:ext cx="5029200" cy="3200400"/>
+        </p:xfrm>
+        <a:graphic>
+          <a:graphicData uri="http://schemas.openxmlformats.org/drawingml/2006/chart">
+            <c:chart xmlns:c="http://schemas.openxmlformats.org/drawingml/2006/chart" xmlns:r="http://schemas.openxmlformats.org/officeDocument/2006/relationships" r:id="rId3"/>
+          </a:graphicData>
+        </a:graphic>
+      </p:graphicFrame>
+    </p:spTree>
+    <p:extLst>
+      <p:ext uri="{BB962C8B-B14F-4D97-AF65-F5344CB8AC3E}">
+        <p14:creationId xmlns:p14="http://schemas.microsoft.com/office/powerpoint/2010/main" val="2946504864"/>
+      </p:ext>
+    </p:extLst>
+  </p:cSld>
+  <p:clrMapOvr>
+    <a:masterClrMapping/>
+  </p:clrMapOvr>
+</p:sld>
+</file>
+
+<file path=ppt/slides/slide9.xml><?xml version="1.0" encoding="utf-8"?>
+<p:sld xmlns:a="http://schemas.openxmlformats.org/drawingml/2006/main" xmlns:r="http://schemas.openxmlformats.org/officeDocument/2006/relationships" xmlns:p="http://schemas.openxmlformats.org/presentationml/2006/main">
+  <p:cSld>
+    <p:spTree>
+      <p:nvGrpSpPr>
+        <p:cNvPr id="1" name=""/>
+        <p:cNvGrpSpPr/>
+        <p:nvPr/>
+      </p:nvGrpSpPr>
+      <p:grpSpPr>
+        <a:xfrm>
+          <a:off x="0" y="0"/>
+          <a:ext cx="0" cy="0"/>
+          <a:chOff x="0" y="0"/>
+          <a:chExt cx="0" cy="0"/>
+        </a:xfrm>
+      </p:grpSpPr>
+      <p:sp>
+        <p:nvSpPr>
+          <p:cNvPr id="2" name="Title 1">
+            <a:extLst>
+              <a:ext uri="{FF2B5EF4-FFF2-40B4-BE49-F238E27FC236}">
                 <a16:creationId xmlns:a16="http://schemas.microsoft.com/office/drawing/2014/main" id="{DD43417F-8CC5-1E42-830F-3EF2C235AC6F}"/>
               </a:ext>
             </a:extLst>
@@ -11856,166 +14121,6 @@
     <p:extLst>
       <p:ext uri="{BB962C8B-B14F-4D97-AF65-F5344CB8AC3E}">
         <p14:creationId xmlns:p14="http://schemas.microsoft.com/office/powerpoint/2010/main" val="816074318"/>
-      </p:ext>
-    </p:extLst>
-  </p:cSld>
-  <p:clrMapOvr>
-    <a:masterClrMapping/>
-  </p:clrMapOvr>
-</p:sld>
-</file>
-
-<file path=ppt/slides/slide9.xml><?xml version="1.0" encoding="utf-8"?>
-<p:sld xmlns:a="http://schemas.openxmlformats.org/drawingml/2006/main" xmlns:r="http://schemas.openxmlformats.org/officeDocument/2006/relationships" xmlns:p="http://schemas.openxmlformats.org/presentationml/2006/main">
-  <p:cSld>
-    <p:spTree>
-      <p:nvGrpSpPr>
-        <p:cNvPr id="1" name=""/>
-        <p:cNvGrpSpPr/>
-        <p:nvPr/>
-      </p:nvGrpSpPr>
-      <p:grpSpPr>
-        <a:xfrm>
-          <a:off x="0" y="0"/>
-          <a:ext cx="0" cy="0"/>
-          <a:chOff x="0" y="0"/>
-          <a:chExt cx="0" cy="0"/>
-        </a:xfrm>
-      </p:grpSpPr>
-      <p:sp>
-        <p:nvSpPr>
-          <p:cNvPr id="2" name="Title 1">
-            <a:extLst>
-              <a:ext uri="{FF2B5EF4-FFF2-40B4-BE49-F238E27FC236}">
-                <a16:creationId xmlns:a16="http://schemas.microsoft.com/office/drawing/2014/main" id="{012C64E4-5E9D-7B4D-955F-20C041FDF78A}"/>
-              </a:ext>
-            </a:extLst>
-          </p:cNvPr>
-          <p:cNvSpPr>
-            <a:spLocks noGrp="1"/>
-          </p:cNvSpPr>
-          <p:nvPr>
-            <p:ph type="title"/>
-          </p:nvPr>
-        </p:nvSpPr>
-        <p:spPr/>
-        <p:txBody>
-          <a:bodyPr/>
-          <a:lstStyle/>
-          <a:p>
-            <a:r>
-              <a:rPr lang="en-US" dirty="0"/>
-              <a:t>Sentiment Analysis</a:t>
-            </a:r>
-          </a:p>
-        </p:txBody>
-      </p:sp>
-      <p:sp>
-        <p:nvSpPr>
-          <p:cNvPr id="3" name="Content Placeholder 2">
-            <a:extLst>
-              <a:ext uri="{FF2B5EF4-FFF2-40B4-BE49-F238E27FC236}">
-                <a16:creationId xmlns:a16="http://schemas.microsoft.com/office/drawing/2014/main" id="{D227301D-E8AD-B345-8759-9579297AE24E}"/>
-              </a:ext>
-            </a:extLst>
-          </p:cNvPr>
-          <p:cNvSpPr>
-            <a:spLocks noGrp="1"/>
-          </p:cNvSpPr>
-          <p:nvPr>
-            <p:ph idx="1"/>
-          </p:nvPr>
-        </p:nvSpPr>
-        <p:spPr/>
-        <p:txBody>
-          <a:bodyPr anchor="t"/>
-          <a:lstStyle/>
-          <a:p>
-            <a:r>
-              <a:rPr lang="en-US" dirty="0"/>
-              <a:t>Sentiment analysis was overwhelmingly neutral due to Tweets like “In less than 100 hours I'll be watching #</a:t>
-            </a:r>
-            <a:r>
-              <a:rPr lang="en-US" dirty="0" err="1"/>
-              <a:t>WonderWoman</a:t>
-            </a:r>
-            <a:r>
-              <a:rPr lang="en-US" dirty="0"/>
-              <a:t>” and “And there's a new Planet of the Apes movie coming out, too.”</a:t>
-            </a:r>
-          </a:p>
-          <a:p>
-            <a:r>
-              <a:rPr lang="en-US" dirty="0"/>
-              <a:t>Positive tweet count still provided insight to movie earnings and ratings, though the correlation is no better than total tweet count.</a:t>
-            </a:r>
-          </a:p>
-        </p:txBody>
-      </p:sp>
-      <p:graphicFrame>
-        <p:nvGraphicFramePr>
-          <p:cNvPr id="4" name="Chart 3">
-            <a:extLst>
-              <a:ext uri="{FF2B5EF4-FFF2-40B4-BE49-F238E27FC236}">
-                <a16:creationId xmlns:a16="http://schemas.microsoft.com/office/drawing/2014/main" id="{06A25DE3-268A-7F47-BAA6-80481197EB86}"/>
-              </a:ext>
-            </a:extLst>
-          </p:cNvPr>
-          <p:cNvGraphicFramePr>
-            <a:graphicFrameLocks noGrp="1"/>
-          </p:cNvGraphicFramePr>
-          <p:nvPr>
-            <p:extLst>
-              <p:ext uri="{D42A27DB-BD31-4B8C-83A1-F6EECF244321}">
-                <p14:modId xmlns:p14="http://schemas.microsoft.com/office/powerpoint/2010/main" val="3989043370"/>
-              </p:ext>
-            </p:extLst>
-          </p:nvPr>
-        </p:nvGraphicFramePr>
-        <p:xfrm>
-          <a:off x="581192" y="3398838"/>
-          <a:ext cx="5029200" cy="3200400"/>
-        </p:xfrm>
-        <a:graphic>
-          <a:graphicData uri="http://schemas.openxmlformats.org/drawingml/2006/chart">
-            <c:chart xmlns:c="http://schemas.openxmlformats.org/drawingml/2006/chart" xmlns:r="http://schemas.openxmlformats.org/officeDocument/2006/relationships" r:id="rId2"/>
-          </a:graphicData>
-        </a:graphic>
-      </p:graphicFrame>
-      <p:graphicFrame>
-        <p:nvGraphicFramePr>
-          <p:cNvPr id="5" name="Chart 4">
-            <a:extLst>
-              <a:ext uri="{FF2B5EF4-FFF2-40B4-BE49-F238E27FC236}">
-                <a16:creationId xmlns:a16="http://schemas.microsoft.com/office/drawing/2014/main" id="{4D9AB950-1E78-5F41-86A9-E012510506A9}"/>
-              </a:ext>
-            </a:extLst>
-          </p:cNvPr>
-          <p:cNvGraphicFramePr>
-            <a:graphicFrameLocks noGrp="1"/>
-          </p:cNvGraphicFramePr>
-          <p:nvPr>
-            <p:extLst>
-              <p:ext uri="{D42A27DB-BD31-4B8C-83A1-F6EECF244321}">
-                <p14:modId xmlns:p14="http://schemas.microsoft.com/office/powerpoint/2010/main" val="981798805"/>
-              </p:ext>
-            </p:extLst>
-          </p:nvPr>
-        </p:nvGraphicFramePr>
-        <p:xfrm>
-          <a:off x="6581607" y="3398838"/>
-          <a:ext cx="5029200" cy="3200400"/>
-        </p:xfrm>
-        <a:graphic>
-          <a:graphicData uri="http://schemas.openxmlformats.org/drawingml/2006/chart">
-            <c:chart xmlns:c="http://schemas.openxmlformats.org/drawingml/2006/chart" xmlns:r="http://schemas.openxmlformats.org/officeDocument/2006/relationships" r:id="rId3"/>
-          </a:graphicData>
-        </a:graphic>
-      </p:graphicFrame>
-    </p:spTree>
-    <p:extLst>
-      <p:ext uri="{BB962C8B-B14F-4D97-AF65-F5344CB8AC3E}">
-        <p14:creationId xmlns:p14="http://schemas.microsoft.com/office/powerpoint/2010/main" val="2198733068"/>
       </p:ext>
     </p:extLst>
   </p:cSld>

--- a/Final Presentation.pptx
+++ b/Final Presentation.pptx
@@ -8347,15 +8347,7 @@
           <a:p>
             <a:r>
               <a:rPr lang="en-US" dirty="0"/>
-              <a:t>https://</a:t>
-            </a:r>
-            <a:r>
-              <a:rPr lang="en-US" dirty="0" err="1"/>
-              <a:t>nycdatascience.com</a:t>
-            </a:r>
-            <a:r>
-              <a:rPr lang="en-US" dirty="0"/>
-              <a:t>/blog/student-works/web-scraping/movie-rating-prediction/</a:t>
+              <a:t>Colt</a:t>
             </a:r>
           </a:p>
         </p:txBody>
@@ -8377,6 +8369,284 @@
           <a:p>
             <a:fld id="{DAB187A9-6396-CD48-B221-E339CDB4EDAA}" type="slidenum">
               <a:rPr lang="en-US" smtClean="0"/>
+              <a:t>3</a:t>
+            </a:fld>
+            <a:endParaRPr lang="en-US"/>
+          </a:p>
+        </p:txBody>
+      </p:sp>
+    </p:spTree>
+    <p:extLst>
+      <p:ext uri="{BB962C8B-B14F-4D97-AF65-F5344CB8AC3E}">
+        <p14:creationId xmlns:p14="http://schemas.microsoft.com/office/powerpoint/2010/main" val="2258518923"/>
+      </p:ext>
+    </p:extLst>
+  </p:cSld>
+  <p:clrMapOvr>
+    <a:masterClrMapping/>
+  </p:clrMapOvr>
+</p:notes>
+</file>
+
+<file path=ppt/notesSlides/notesSlide10.xml><?xml version="1.0" encoding="utf-8"?>
+<p:notes xmlns:a="http://schemas.openxmlformats.org/drawingml/2006/main" xmlns:r="http://schemas.openxmlformats.org/officeDocument/2006/relationships" xmlns:p="http://schemas.openxmlformats.org/presentationml/2006/main">
+  <p:cSld>
+    <p:spTree>
+      <p:nvGrpSpPr>
+        <p:cNvPr id="1" name=""/>
+        <p:cNvGrpSpPr/>
+        <p:nvPr/>
+      </p:nvGrpSpPr>
+      <p:grpSpPr>
+        <a:xfrm>
+          <a:off x="0" y="0"/>
+          <a:ext cx="0" cy="0"/>
+          <a:chOff x="0" y="0"/>
+          <a:chExt cx="0" cy="0"/>
+        </a:xfrm>
+      </p:grpSpPr>
+      <p:sp>
+        <p:nvSpPr>
+          <p:cNvPr id="2" name="Slide Image Placeholder 1"/>
+          <p:cNvSpPr>
+            <a:spLocks noGrp="1" noRot="1" noChangeAspect="1"/>
+          </p:cNvSpPr>
+          <p:nvPr>
+            <p:ph type="sldImg"/>
+          </p:nvPr>
+        </p:nvSpPr>
+        <p:spPr/>
+      </p:sp>
+      <p:sp>
+        <p:nvSpPr>
+          <p:cNvPr id="3" name="Notes Placeholder 2"/>
+          <p:cNvSpPr>
+            <a:spLocks noGrp="1"/>
+          </p:cNvSpPr>
+          <p:nvPr>
+            <p:ph type="body" idx="1"/>
+          </p:nvPr>
+        </p:nvSpPr>
+        <p:spPr/>
+        <p:txBody>
+          <a:bodyPr/>
+          <a:lstStyle/>
+          <a:p>
+            <a:r>
+              <a:rPr lang="en-US" dirty="0"/>
+              <a:t>Shawn</a:t>
+            </a:r>
+          </a:p>
+        </p:txBody>
+      </p:sp>
+      <p:sp>
+        <p:nvSpPr>
+          <p:cNvPr id="4" name="Slide Number Placeholder 3"/>
+          <p:cNvSpPr>
+            <a:spLocks noGrp="1"/>
+          </p:cNvSpPr>
+          <p:nvPr>
+            <p:ph type="sldNum" sz="quarter" idx="10"/>
+          </p:nvPr>
+        </p:nvSpPr>
+        <p:spPr/>
+        <p:txBody>
+          <a:bodyPr/>
+          <a:lstStyle/>
+          <a:p>
+            <a:fld id="{DAB187A9-6396-CD48-B221-E339CDB4EDAA}" type="slidenum">
+              <a:rPr lang="en-US" smtClean="0"/>
+              <a:t>12</a:t>
+            </a:fld>
+            <a:endParaRPr lang="en-US"/>
+          </a:p>
+        </p:txBody>
+      </p:sp>
+    </p:spTree>
+    <p:extLst>
+      <p:ext uri="{BB962C8B-B14F-4D97-AF65-F5344CB8AC3E}">
+        <p14:creationId xmlns:p14="http://schemas.microsoft.com/office/powerpoint/2010/main" val="3247569007"/>
+      </p:ext>
+    </p:extLst>
+  </p:cSld>
+  <p:clrMapOvr>
+    <a:masterClrMapping/>
+  </p:clrMapOvr>
+</p:notes>
+</file>
+
+<file path=ppt/notesSlides/notesSlide11.xml><?xml version="1.0" encoding="utf-8"?>
+<p:notes xmlns:a="http://schemas.openxmlformats.org/drawingml/2006/main" xmlns:r="http://schemas.openxmlformats.org/officeDocument/2006/relationships" xmlns:p="http://schemas.openxmlformats.org/presentationml/2006/main">
+  <p:cSld>
+    <p:spTree>
+      <p:nvGrpSpPr>
+        <p:cNvPr id="1" name=""/>
+        <p:cNvGrpSpPr/>
+        <p:nvPr/>
+      </p:nvGrpSpPr>
+      <p:grpSpPr>
+        <a:xfrm>
+          <a:off x="0" y="0"/>
+          <a:ext cx="0" cy="0"/>
+          <a:chOff x="0" y="0"/>
+          <a:chExt cx="0" cy="0"/>
+        </a:xfrm>
+      </p:grpSpPr>
+      <p:sp>
+        <p:nvSpPr>
+          <p:cNvPr id="2" name="Slide Image Placeholder 1"/>
+          <p:cNvSpPr>
+            <a:spLocks noGrp="1" noRot="1" noChangeAspect="1"/>
+          </p:cNvSpPr>
+          <p:nvPr>
+            <p:ph type="sldImg"/>
+          </p:nvPr>
+        </p:nvSpPr>
+        <p:spPr/>
+      </p:sp>
+      <p:sp>
+        <p:nvSpPr>
+          <p:cNvPr id="3" name="Notes Placeholder 2"/>
+          <p:cNvSpPr>
+            <a:spLocks noGrp="1"/>
+          </p:cNvSpPr>
+          <p:nvPr>
+            <p:ph type="body" idx="1"/>
+          </p:nvPr>
+        </p:nvSpPr>
+        <p:spPr/>
+        <p:txBody>
+          <a:bodyPr/>
+          <a:lstStyle/>
+          <a:p>
+            <a:r>
+              <a:rPr lang="en-US"/>
+              <a:t>Logan</a:t>
+            </a:r>
+          </a:p>
+        </p:txBody>
+      </p:sp>
+      <p:sp>
+        <p:nvSpPr>
+          <p:cNvPr id="4" name="Slide Number Placeholder 3"/>
+          <p:cNvSpPr>
+            <a:spLocks noGrp="1"/>
+          </p:cNvSpPr>
+          <p:nvPr>
+            <p:ph type="sldNum" sz="quarter" idx="10"/>
+          </p:nvPr>
+        </p:nvSpPr>
+        <p:spPr/>
+        <p:txBody>
+          <a:bodyPr/>
+          <a:lstStyle/>
+          <a:p>
+            <a:fld id="{DAB187A9-6396-CD48-B221-E339CDB4EDAA}" type="slidenum">
+              <a:rPr lang="en-US" smtClean="0"/>
+              <a:t>13</a:t>
+            </a:fld>
+            <a:endParaRPr lang="en-US"/>
+          </a:p>
+        </p:txBody>
+      </p:sp>
+    </p:spTree>
+    <p:extLst>
+      <p:ext uri="{BB962C8B-B14F-4D97-AF65-F5344CB8AC3E}">
+        <p14:creationId xmlns:p14="http://schemas.microsoft.com/office/powerpoint/2010/main" val="2482174926"/>
+      </p:ext>
+    </p:extLst>
+  </p:cSld>
+  <p:clrMapOvr>
+    <a:masterClrMapping/>
+  </p:clrMapOvr>
+</p:notes>
+</file>
+
+<file path=ppt/notesSlides/notesSlide2.xml><?xml version="1.0" encoding="utf-8"?>
+<p:notes xmlns:a="http://schemas.openxmlformats.org/drawingml/2006/main" xmlns:r="http://schemas.openxmlformats.org/officeDocument/2006/relationships" xmlns:p="http://schemas.openxmlformats.org/presentationml/2006/main">
+  <p:cSld>
+    <p:spTree>
+      <p:nvGrpSpPr>
+        <p:cNvPr id="1" name=""/>
+        <p:cNvGrpSpPr/>
+        <p:nvPr/>
+      </p:nvGrpSpPr>
+      <p:grpSpPr>
+        <a:xfrm>
+          <a:off x="0" y="0"/>
+          <a:ext cx="0" cy="0"/>
+          <a:chOff x="0" y="0"/>
+          <a:chExt cx="0" cy="0"/>
+        </a:xfrm>
+      </p:grpSpPr>
+      <p:sp>
+        <p:nvSpPr>
+          <p:cNvPr id="2" name="Slide Image Placeholder 1"/>
+          <p:cNvSpPr>
+            <a:spLocks noGrp="1" noRot="1" noChangeAspect="1"/>
+          </p:cNvSpPr>
+          <p:nvPr>
+            <p:ph type="sldImg"/>
+          </p:nvPr>
+        </p:nvSpPr>
+        <p:spPr/>
+      </p:sp>
+      <p:sp>
+        <p:nvSpPr>
+          <p:cNvPr id="3" name="Notes Placeholder 2"/>
+          <p:cNvSpPr>
+            <a:spLocks noGrp="1"/>
+          </p:cNvSpPr>
+          <p:nvPr>
+            <p:ph type="body" idx="1"/>
+          </p:nvPr>
+        </p:nvSpPr>
+        <p:spPr/>
+        <p:txBody>
+          <a:bodyPr/>
+          <a:lstStyle/>
+          <a:p>
+            <a:r>
+              <a:rPr lang="en-US" dirty="0"/>
+              <a:t>https://</a:t>
+            </a:r>
+            <a:r>
+              <a:rPr lang="en-US" dirty="0" err="1"/>
+              <a:t>nycdatascience.com</a:t>
+            </a:r>
+            <a:r>
+              <a:rPr lang="en-US" dirty="0"/>
+              <a:t>/blog/student-works/web-scraping/movie-rating-prediction/</a:t>
+            </a:r>
+          </a:p>
+          <a:p>
+            <a:endParaRPr lang="en-US" dirty="0"/>
+          </a:p>
+          <a:p>
+            <a:r>
+              <a:rPr lang="en-US" dirty="0"/>
+              <a:t>Colt</a:t>
+            </a:r>
+          </a:p>
+        </p:txBody>
+      </p:sp>
+      <p:sp>
+        <p:nvSpPr>
+          <p:cNvPr id="4" name="Slide Number Placeholder 3"/>
+          <p:cNvSpPr>
+            <a:spLocks noGrp="1"/>
+          </p:cNvSpPr>
+          <p:nvPr>
+            <p:ph type="sldNum" sz="quarter" idx="10"/>
+          </p:nvPr>
+        </p:nvSpPr>
+        <p:spPr/>
+        <p:txBody>
+          <a:bodyPr/>
+          <a:lstStyle/>
+          <a:p>
+            <a:fld id="{DAB187A9-6396-CD48-B221-E339CDB4EDAA}" type="slidenum">
+              <a:rPr lang="en-US" smtClean="0"/>
               <a:t>4</a:t>
             </a:fld>
             <a:endParaRPr lang="en-US"/>
@@ -8387,6 +8657,615 @@
     <p:extLst>
       <p:ext uri="{BB962C8B-B14F-4D97-AF65-F5344CB8AC3E}">
         <p14:creationId xmlns:p14="http://schemas.microsoft.com/office/powerpoint/2010/main" val="3247542548"/>
+      </p:ext>
+    </p:extLst>
+  </p:cSld>
+  <p:clrMapOvr>
+    <a:masterClrMapping/>
+  </p:clrMapOvr>
+</p:notes>
+</file>
+
+<file path=ppt/notesSlides/notesSlide3.xml><?xml version="1.0" encoding="utf-8"?>
+<p:notes xmlns:a="http://schemas.openxmlformats.org/drawingml/2006/main" xmlns:r="http://schemas.openxmlformats.org/officeDocument/2006/relationships" xmlns:p="http://schemas.openxmlformats.org/presentationml/2006/main">
+  <p:cSld>
+    <p:spTree>
+      <p:nvGrpSpPr>
+        <p:cNvPr id="1" name=""/>
+        <p:cNvGrpSpPr/>
+        <p:nvPr/>
+      </p:nvGrpSpPr>
+      <p:grpSpPr>
+        <a:xfrm>
+          <a:off x="0" y="0"/>
+          <a:ext cx="0" cy="0"/>
+          <a:chOff x="0" y="0"/>
+          <a:chExt cx="0" cy="0"/>
+        </a:xfrm>
+      </p:grpSpPr>
+      <p:sp>
+        <p:nvSpPr>
+          <p:cNvPr id="2" name="Slide Image Placeholder 1"/>
+          <p:cNvSpPr>
+            <a:spLocks noGrp="1" noRot="1" noChangeAspect="1"/>
+          </p:cNvSpPr>
+          <p:nvPr>
+            <p:ph type="sldImg"/>
+          </p:nvPr>
+        </p:nvSpPr>
+        <p:spPr/>
+      </p:sp>
+      <p:sp>
+        <p:nvSpPr>
+          <p:cNvPr id="3" name="Notes Placeholder 2"/>
+          <p:cNvSpPr>
+            <a:spLocks noGrp="1"/>
+          </p:cNvSpPr>
+          <p:nvPr>
+            <p:ph type="body" idx="1"/>
+          </p:nvPr>
+        </p:nvSpPr>
+        <p:spPr/>
+        <p:txBody>
+          <a:bodyPr/>
+          <a:lstStyle/>
+          <a:p>
+            <a:r>
+              <a:rPr lang="en-US" dirty="0"/>
+              <a:t>Logan</a:t>
+            </a:r>
+          </a:p>
+        </p:txBody>
+      </p:sp>
+      <p:sp>
+        <p:nvSpPr>
+          <p:cNvPr id="4" name="Slide Number Placeholder 3"/>
+          <p:cNvSpPr>
+            <a:spLocks noGrp="1"/>
+          </p:cNvSpPr>
+          <p:nvPr>
+            <p:ph type="sldNum" sz="quarter" idx="10"/>
+          </p:nvPr>
+        </p:nvSpPr>
+        <p:spPr/>
+        <p:txBody>
+          <a:bodyPr/>
+          <a:lstStyle/>
+          <a:p>
+            <a:fld id="{DAB187A9-6396-CD48-B221-E339CDB4EDAA}" type="slidenum">
+              <a:rPr lang="en-US" smtClean="0"/>
+              <a:t>5</a:t>
+            </a:fld>
+            <a:endParaRPr lang="en-US"/>
+          </a:p>
+        </p:txBody>
+      </p:sp>
+    </p:spTree>
+    <p:extLst>
+      <p:ext uri="{BB962C8B-B14F-4D97-AF65-F5344CB8AC3E}">
+        <p14:creationId xmlns:p14="http://schemas.microsoft.com/office/powerpoint/2010/main" val="164812803"/>
+      </p:ext>
+    </p:extLst>
+  </p:cSld>
+  <p:clrMapOvr>
+    <a:masterClrMapping/>
+  </p:clrMapOvr>
+</p:notes>
+</file>
+
+<file path=ppt/notesSlides/notesSlide4.xml><?xml version="1.0" encoding="utf-8"?>
+<p:notes xmlns:a="http://schemas.openxmlformats.org/drawingml/2006/main" xmlns:r="http://schemas.openxmlformats.org/officeDocument/2006/relationships" xmlns:p="http://schemas.openxmlformats.org/presentationml/2006/main">
+  <p:cSld>
+    <p:spTree>
+      <p:nvGrpSpPr>
+        <p:cNvPr id="1" name=""/>
+        <p:cNvGrpSpPr/>
+        <p:nvPr/>
+      </p:nvGrpSpPr>
+      <p:grpSpPr>
+        <a:xfrm>
+          <a:off x="0" y="0"/>
+          <a:ext cx="0" cy="0"/>
+          <a:chOff x="0" y="0"/>
+          <a:chExt cx="0" cy="0"/>
+        </a:xfrm>
+      </p:grpSpPr>
+      <p:sp>
+        <p:nvSpPr>
+          <p:cNvPr id="2" name="Slide Image Placeholder 1"/>
+          <p:cNvSpPr>
+            <a:spLocks noGrp="1" noRot="1" noChangeAspect="1"/>
+          </p:cNvSpPr>
+          <p:nvPr>
+            <p:ph type="sldImg"/>
+          </p:nvPr>
+        </p:nvSpPr>
+        <p:spPr/>
+      </p:sp>
+      <p:sp>
+        <p:nvSpPr>
+          <p:cNvPr id="3" name="Notes Placeholder 2"/>
+          <p:cNvSpPr>
+            <a:spLocks noGrp="1"/>
+          </p:cNvSpPr>
+          <p:nvPr>
+            <p:ph type="body" idx="1"/>
+          </p:nvPr>
+        </p:nvSpPr>
+        <p:spPr/>
+        <p:txBody>
+          <a:bodyPr/>
+          <a:lstStyle/>
+          <a:p>
+            <a:r>
+              <a:rPr lang="en-US" dirty="0"/>
+              <a:t>Logan</a:t>
+            </a:r>
+          </a:p>
+        </p:txBody>
+      </p:sp>
+      <p:sp>
+        <p:nvSpPr>
+          <p:cNvPr id="4" name="Slide Number Placeholder 3"/>
+          <p:cNvSpPr>
+            <a:spLocks noGrp="1"/>
+          </p:cNvSpPr>
+          <p:nvPr>
+            <p:ph type="sldNum" sz="quarter" idx="10"/>
+          </p:nvPr>
+        </p:nvSpPr>
+        <p:spPr/>
+        <p:txBody>
+          <a:bodyPr/>
+          <a:lstStyle/>
+          <a:p>
+            <a:fld id="{DAB187A9-6396-CD48-B221-E339CDB4EDAA}" type="slidenum">
+              <a:rPr lang="en-US" smtClean="0"/>
+              <a:t>6</a:t>
+            </a:fld>
+            <a:endParaRPr lang="en-US"/>
+          </a:p>
+        </p:txBody>
+      </p:sp>
+    </p:spTree>
+    <p:extLst>
+      <p:ext uri="{BB962C8B-B14F-4D97-AF65-F5344CB8AC3E}">
+        <p14:creationId xmlns:p14="http://schemas.microsoft.com/office/powerpoint/2010/main" val="3817381529"/>
+      </p:ext>
+    </p:extLst>
+  </p:cSld>
+  <p:clrMapOvr>
+    <a:masterClrMapping/>
+  </p:clrMapOvr>
+</p:notes>
+</file>
+
+<file path=ppt/notesSlides/notesSlide5.xml><?xml version="1.0" encoding="utf-8"?>
+<p:notes xmlns:a="http://schemas.openxmlformats.org/drawingml/2006/main" xmlns:r="http://schemas.openxmlformats.org/officeDocument/2006/relationships" xmlns:p="http://schemas.openxmlformats.org/presentationml/2006/main">
+  <p:cSld>
+    <p:spTree>
+      <p:nvGrpSpPr>
+        <p:cNvPr id="1" name=""/>
+        <p:cNvGrpSpPr/>
+        <p:nvPr/>
+      </p:nvGrpSpPr>
+      <p:grpSpPr>
+        <a:xfrm>
+          <a:off x="0" y="0"/>
+          <a:ext cx="0" cy="0"/>
+          <a:chOff x="0" y="0"/>
+          <a:chExt cx="0" cy="0"/>
+        </a:xfrm>
+      </p:grpSpPr>
+      <p:sp>
+        <p:nvSpPr>
+          <p:cNvPr id="2" name="Slide Image Placeholder 1"/>
+          <p:cNvSpPr>
+            <a:spLocks noGrp="1" noRot="1" noChangeAspect="1"/>
+          </p:cNvSpPr>
+          <p:nvPr>
+            <p:ph type="sldImg"/>
+          </p:nvPr>
+        </p:nvSpPr>
+        <p:spPr/>
+      </p:sp>
+      <p:sp>
+        <p:nvSpPr>
+          <p:cNvPr id="3" name="Notes Placeholder 2"/>
+          <p:cNvSpPr>
+            <a:spLocks noGrp="1"/>
+          </p:cNvSpPr>
+          <p:nvPr>
+            <p:ph type="body" idx="1"/>
+          </p:nvPr>
+        </p:nvSpPr>
+        <p:spPr/>
+        <p:txBody>
+          <a:bodyPr/>
+          <a:lstStyle/>
+          <a:p>
+            <a:r>
+              <a:rPr lang="en-US" dirty="0"/>
+              <a:t>Logan</a:t>
+            </a:r>
+          </a:p>
+        </p:txBody>
+      </p:sp>
+      <p:sp>
+        <p:nvSpPr>
+          <p:cNvPr id="4" name="Slide Number Placeholder 3"/>
+          <p:cNvSpPr>
+            <a:spLocks noGrp="1"/>
+          </p:cNvSpPr>
+          <p:nvPr>
+            <p:ph type="sldNum" sz="quarter" idx="10"/>
+          </p:nvPr>
+        </p:nvSpPr>
+        <p:spPr/>
+        <p:txBody>
+          <a:bodyPr/>
+          <a:lstStyle/>
+          <a:p>
+            <a:fld id="{DAB187A9-6396-CD48-B221-E339CDB4EDAA}" type="slidenum">
+              <a:rPr lang="en-US" smtClean="0"/>
+              <a:t>7</a:t>
+            </a:fld>
+            <a:endParaRPr lang="en-US"/>
+          </a:p>
+        </p:txBody>
+      </p:sp>
+    </p:spTree>
+    <p:extLst>
+      <p:ext uri="{BB962C8B-B14F-4D97-AF65-F5344CB8AC3E}">
+        <p14:creationId xmlns:p14="http://schemas.microsoft.com/office/powerpoint/2010/main" val="2665094439"/>
+      </p:ext>
+    </p:extLst>
+  </p:cSld>
+  <p:clrMapOvr>
+    <a:masterClrMapping/>
+  </p:clrMapOvr>
+</p:notes>
+</file>
+
+<file path=ppt/notesSlides/notesSlide6.xml><?xml version="1.0" encoding="utf-8"?>
+<p:notes xmlns:a="http://schemas.openxmlformats.org/drawingml/2006/main" xmlns:r="http://schemas.openxmlformats.org/officeDocument/2006/relationships" xmlns:p="http://schemas.openxmlformats.org/presentationml/2006/main">
+  <p:cSld>
+    <p:spTree>
+      <p:nvGrpSpPr>
+        <p:cNvPr id="1" name=""/>
+        <p:cNvGrpSpPr/>
+        <p:nvPr/>
+      </p:nvGrpSpPr>
+      <p:grpSpPr>
+        <a:xfrm>
+          <a:off x="0" y="0"/>
+          <a:ext cx="0" cy="0"/>
+          <a:chOff x="0" y="0"/>
+          <a:chExt cx="0" cy="0"/>
+        </a:xfrm>
+      </p:grpSpPr>
+      <p:sp>
+        <p:nvSpPr>
+          <p:cNvPr id="2" name="Slide Image Placeholder 1"/>
+          <p:cNvSpPr>
+            <a:spLocks noGrp="1" noRot="1" noChangeAspect="1"/>
+          </p:cNvSpPr>
+          <p:nvPr>
+            <p:ph type="sldImg"/>
+          </p:nvPr>
+        </p:nvSpPr>
+        <p:spPr/>
+      </p:sp>
+      <p:sp>
+        <p:nvSpPr>
+          <p:cNvPr id="3" name="Notes Placeholder 2"/>
+          <p:cNvSpPr>
+            <a:spLocks noGrp="1"/>
+          </p:cNvSpPr>
+          <p:nvPr>
+            <p:ph type="body" idx="1"/>
+          </p:nvPr>
+        </p:nvSpPr>
+        <p:spPr/>
+        <p:txBody>
+          <a:bodyPr/>
+          <a:lstStyle/>
+          <a:p>
+            <a:r>
+              <a:rPr lang="en-US" dirty="0"/>
+              <a:t>Logan</a:t>
+            </a:r>
+          </a:p>
+        </p:txBody>
+      </p:sp>
+      <p:sp>
+        <p:nvSpPr>
+          <p:cNvPr id="4" name="Slide Number Placeholder 3"/>
+          <p:cNvSpPr>
+            <a:spLocks noGrp="1"/>
+          </p:cNvSpPr>
+          <p:nvPr>
+            <p:ph type="sldNum" sz="quarter" idx="10"/>
+          </p:nvPr>
+        </p:nvSpPr>
+        <p:spPr/>
+        <p:txBody>
+          <a:bodyPr/>
+          <a:lstStyle/>
+          <a:p>
+            <a:fld id="{DAB187A9-6396-CD48-B221-E339CDB4EDAA}" type="slidenum">
+              <a:rPr lang="en-US" smtClean="0"/>
+              <a:t>8</a:t>
+            </a:fld>
+            <a:endParaRPr lang="en-US"/>
+          </a:p>
+        </p:txBody>
+      </p:sp>
+    </p:spTree>
+    <p:extLst>
+      <p:ext uri="{BB962C8B-B14F-4D97-AF65-F5344CB8AC3E}">
+        <p14:creationId xmlns:p14="http://schemas.microsoft.com/office/powerpoint/2010/main" val="71940124"/>
+      </p:ext>
+    </p:extLst>
+  </p:cSld>
+  <p:clrMapOvr>
+    <a:masterClrMapping/>
+  </p:clrMapOvr>
+</p:notes>
+</file>
+
+<file path=ppt/notesSlides/notesSlide7.xml><?xml version="1.0" encoding="utf-8"?>
+<p:notes xmlns:a="http://schemas.openxmlformats.org/drawingml/2006/main" xmlns:r="http://schemas.openxmlformats.org/officeDocument/2006/relationships" xmlns:p="http://schemas.openxmlformats.org/presentationml/2006/main">
+  <p:cSld>
+    <p:spTree>
+      <p:nvGrpSpPr>
+        <p:cNvPr id="1" name=""/>
+        <p:cNvGrpSpPr/>
+        <p:nvPr/>
+      </p:nvGrpSpPr>
+      <p:grpSpPr>
+        <a:xfrm>
+          <a:off x="0" y="0"/>
+          <a:ext cx="0" cy="0"/>
+          <a:chOff x="0" y="0"/>
+          <a:chExt cx="0" cy="0"/>
+        </a:xfrm>
+      </p:grpSpPr>
+      <p:sp>
+        <p:nvSpPr>
+          <p:cNvPr id="2" name="Slide Image Placeholder 1"/>
+          <p:cNvSpPr>
+            <a:spLocks noGrp="1" noRot="1" noChangeAspect="1"/>
+          </p:cNvSpPr>
+          <p:nvPr>
+            <p:ph type="sldImg"/>
+          </p:nvPr>
+        </p:nvSpPr>
+        <p:spPr/>
+      </p:sp>
+      <p:sp>
+        <p:nvSpPr>
+          <p:cNvPr id="3" name="Notes Placeholder 2"/>
+          <p:cNvSpPr>
+            <a:spLocks noGrp="1"/>
+          </p:cNvSpPr>
+          <p:nvPr>
+            <p:ph type="body" idx="1"/>
+          </p:nvPr>
+        </p:nvSpPr>
+        <p:spPr/>
+        <p:txBody>
+          <a:bodyPr/>
+          <a:lstStyle/>
+          <a:p>
+            <a:r>
+              <a:rPr lang="en-US" dirty="0"/>
+              <a:t>Shawn</a:t>
+            </a:r>
+          </a:p>
+        </p:txBody>
+      </p:sp>
+      <p:sp>
+        <p:nvSpPr>
+          <p:cNvPr id="4" name="Slide Number Placeholder 3"/>
+          <p:cNvSpPr>
+            <a:spLocks noGrp="1"/>
+          </p:cNvSpPr>
+          <p:nvPr>
+            <p:ph type="sldNum" sz="quarter" idx="10"/>
+          </p:nvPr>
+        </p:nvSpPr>
+        <p:spPr/>
+        <p:txBody>
+          <a:bodyPr/>
+          <a:lstStyle/>
+          <a:p>
+            <a:fld id="{DAB187A9-6396-CD48-B221-E339CDB4EDAA}" type="slidenum">
+              <a:rPr lang="en-US" smtClean="0"/>
+              <a:t>9</a:t>
+            </a:fld>
+            <a:endParaRPr lang="en-US"/>
+          </a:p>
+        </p:txBody>
+      </p:sp>
+    </p:spTree>
+    <p:extLst>
+      <p:ext uri="{BB962C8B-B14F-4D97-AF65-F5344CB8AC3E}">
+        <p14:creationId xmlns:p14="http://schemas.microsoft.com/office/powerpoint/2010/main" val="3273722056"/>
+      </p:ext>
+    </p:extLst>
+  </p:cSld>
+  <p:clrMapOvr>
+    <a:masterClrMapping/>
+  </p:clrMapOvr>
+</p:notes>
+</file>
+
+<file path=ppt/notesSlides/notesSlide8.xml><?xml version="1.0" encoding="utf-8"?>
+<p:notes xmlns:a="http://schemas.openxmlformats.org/drawingml/2006/main" xmlns:r="http://schemas.openxmlformats.org/officeDocument/2006/relationships" xmlns:p="http://schemas.openxmlformats.org/presentationml/2006/main">
+  <p:cSld>
+    <p:spTree>
+      <p:nvGrpSpPr>
+        <p:cNvPr id="1" name=""/>
+        <p:cNvGrpSpPr/>
+        <p:nvPr/>
+      </p:nvGrpSpPr>
+      <p:grpSpPr>
+        <a:xfrm>
+          <a:off x="0" y="0"/>
+          <a:ext cx="0" cy="0"/>
+          <a:chOff x="0" y="0"/>
+          <a:chExt cx="0" cy="0"/>
+        </a:xfrm>
+      </p:grpSpPr>
+      <p:sp>
+        <p:nvSpPr>
+          <p:cNvPr id="2" name="Slide Image Placeholder 1"/>
+          <p:cNvSpPr>
+            <a:spLocks noGrp="1" noRot="1" noChangeAspect="1"/>
+          </p:cNvSpPr>
+          <p:nvPr>
+            <p:ph type="sldImg"/>
+          </p:nvPr>
+        </p:nvSpPr>
+        <p:spPr/>
+      </p:sp>
+      <p:sp>
+        <p:nvSpPr>
+          <p:cNvPr id="3" name="Notes Placeholder 2"/>
+          <p:cNvSpPr>
+            <a:spLocks noGrp="1"/>
+          </p:cNvSpPr>
+          <p:nvPr>
+            <p:ph type="body" idx="1"/>
+          </p:nvPr>
+        </p:nvSpPr>
+        <p:spPr/>
+        <p:txBody>
+          <a:bodyPr/>
+          <a:lstStyle/>
+          <a:p>
+            <a:r>
+              <a:rPr lang="en-US" dirty="0"/>
+              <a:t>Shawn</a:t>
+            </a:r>
+          </a:p>
+        </p:txBody>
+      </p:sp>
+      <p:sp>
+        <p:nvSpPr>
+          <p:cNvPr id="4" name="Slide Number Placeholder 3"/>
+          <p:cNvSpPr>
+            <a:spLocks noGrp="1"/>
+          </p:cNvSpPr>
+          <p:nvPr>
+            <p:ph type="sldNum" sz="quarter" idx="10"/>
+          </p:nvPr>
+        </p:nvSpPr>
+        <p:spPr/>
+        <p:txBody>
+          <a:bodyPr/>
+          <a:lstStyle/>
+          <a:p>
+            <a:fld id="{DAB187A9-6396-CD48-B221-E339CDB4EDAA}" type="slidenum">
+              <a:rPr lang="en-US" smtClean="0"/>
+              <a:t>10</a:t>
+            </a:fld>
+            <a:endParaRPr lang="en-US"/>
+          </a:p>
+        </p:txBody>
+      </p:sp>
+    </p:spTree>
+    <p:extLst>
+      <p:ext uri="{BB962C8B-B14F-4D97-AF65-F5344CB8AC3E}">
+        <p14:creationId xmlns:p14="http://schemas.microsoft.com/office/powerpoint/2010/main" val="3480988894"/>
+      </p:ext>
+    </p:extLst>
+  </p:cSld>
+  <p:clrMapOvr>
+    <a:masterClrMapping/>
+  </p:clrMapOvr>
+</p:notes>
+</file>
+
+<file path=ppt/notesSlides/notesSlide9.xml><?xml version="1.0" encoding="utf-8"?>
+<p:notes xmlns:a="http://schemas.openxmlformats.org/drawingml/2006/main" xmlns:r="http://schemas.openxmlformats.org/officeDocument/2006/relationships" xmlns:p="http://schemas.openxmlformats.org/presentationml/2006/main">
+  <p:cSld>
+    <p:spTree>
+      <p:nvGrpSpPr>
+        <p:cNvPr id="1" name=""/>
+        <p:cNvGrpSpPr/>
+        <p:nvPr/>
+      </p:nvGrpSpPr>
+      <p:grpSpPr>
+        <a:xfrm>
+          <a:off x="0" y="0"/>
+          <a:ext cx="0" cy="0"/>
+          <a:chOff x="0" y="0"/>
+          <a:chExt cx="0" cy="0"/>
+        </a:xfrm>
+      </p:grpSpPr>
+      <p:sp>
+        <p:nvSpPr>
+          <p:cNvPr id="2" name="Slide Image Placeholder 1"/>
+          <p:cNvSpPr>
+            <a:spLocks noGrp="1" noRot="1" noChangeAspect="1"/>
+          </p:cNvSpPr>
+          <p:nvPr>
+            <p:ph type="sldImg"/>
+          </p:nvPr>
+        </p:nvSpPr>
+        <p:spPr/>
+      </p:sp>
+      <p:sp>
+        <p:nvSpPr>
+          <p:cNvPr id="3" name="Notes Placeholder 2"/>
+          <p:cNvSpPr>
+            <a:spLocks noGrp="1"/>
+          </p:cNvSpPr>
+          <p:nvPr>
+            <p:ph type="body" idx="1"/>
+          </p:nvPr>
+        </p:nvSpPr>
+        <p:spPr/>
+        <p:txBody>
+          <a:bodyPr/>
+          <a:lstStyle/>
+          <a:p>
+            <a:r>
+              <a:rPr lang="en-US" dirty="0"/>
+              <a:t>All</a:t>
+            </a:r>
+          </a:p>
+        </p:txBody>
+      </p:sp>
+      <p:sp>
+        <p:nvSpPr>
+          <p:cNvPr id="4" name="Slide Number Placeholder 3"/>
+          <p:cNvSpPr>
+            <a:spLocks noGrp="1"/>
+          </p:cNvSpPr>
+          <p:nvPr>
+            <p:ph type="sldNum" sz="quarter" idx="10"/>
+          </p:nvPr>
+        </p:nvSpPr>
+        <p:spPr/>
+        <p:txBody>
+          <a:bodyPr/>
+          <a:lstStyle/>
+          <a:p>
+            <a:fld id="{DAB187A9-6396-CD48-B221-E339CDB4EDAA}" type="slidenum">
+              <a:rPr lang="en-US" smtClean="0"/>
+              <a:t>11</a:t>
+            </a:fld>
+            <a:endParaRPr lang="en-US"/>
+          </a:p>
+        </p:txBody>
+      </p:sp>
+    </p:spTree>
+    <p:extLst>
+      <p:ext uri="{BB962C8B-B14F-4D97-AF65-F5344CB8AC3E}">
+        <p14:creationId xmlns:p14="http://schemas.microsoft.com/office/powerpoint/2010/main" val="3083569809"/>
       </p:ext>
     </p:extLst>
   </p:cSld>
@@ -12351,7 +13230,7 @@
         </p:xfrm>
         <a:graphic>
           <a:graphicData uri="http://schemas.openxmlformats.org/drawingml/2006/chart">
-            <c:chart xmlns:c="http://schemas.openxmlformats.org/drawingml/2006/chart" xmlns:r="http://schemas.openxmlformats.org/officeDocument/2006/relationships" r:id="rId2"/>
+            <c:chart xmlns:c="http://schemas.openxmlformats.org/drawingml/2006/chart" xmlns:r="http://schemas.openxmlformats.org/officeDocument/2006/relationships" r:id="rId3"/>
           </a:graphicData>
         </a:graphic>
       </p:graphicFrame>
@@ -12381,7 +13260,7 @@
         </p:xfrm>
         <a:graphic>
           <a:graphicData uri="http://schemas.openxmlformats.org/drawingml/2006/chart">
-            <c:chart xmlns:c="http://schemas.openxmlformats.org/drawingml/2006/chart" xmlns:r="http://schemas.openxmlformats.org/officeDocument/2006/relationships" r:id="rId3"/>
+            <c:chart xmlns:c="http://schemas.openxmlformats.org/drawingml/2006/chart" xmlns:r="http://schemas.openxmlformats.org/officeDocument/2006/relationships" r:id="rId4"/>
           </a:graphicData>
         </a:graphic>
       </p:graphicFrame>
@@ -13038,7 +13917,7 @@
           <p:nvPr/>
         </p:nvPicPr>
         <p:blipFill>
-          <a:blip r:embed="rId2"/>
+          <a:blip r:embed="rId3"/>
           <a:stretch>
             <a:fillRect/>
           </a:stretch>
@@ -13068,7 +13947,7 @@
           <p:nvPr/>
         </p:nvPicPr>
         <p:blipFill>
-          <a:blip r:embed="rId3"/>
+          <a:blip r:embed="rId4"/>
           <a:stretch>
             <a:fillRect/>
           </a:stretch>
@@ -13098,7 +13977,7 @@
           <p:nvPr/>
         </p:nvPicPr>
         <p:blipFill>
-          <a:blip r:embed="rId4"/>
+          <a:blip r:embed="rId5"/>
           <a:stretch>
             <a:fillRect/>
           </a:stretch>
@@ -13376,7 +14255,7 @@
           <p:nvPr/>
         </p:nvPicPr>
         <p:blipFill>
-          <a:blip r:embed="rId2"/>
+          <a:blip r:embed="rId3"/>
           <a:stretch>
             <a:fillRect/>
           </a:stretch>
@@ -13406,7 +14285,7 @@
           <p:nvPr/>
         </p:nvPicPr>
         <p:blipFill>
-          <a:blip r:embed="rId3"/>
+          <a:blip r:embed="rId4"/>
           <a:stretch>
             <a:fillRect/>
           </a:stretch>
@@ -13436,7 +14315,7 @@
           <p:nvPr/>
         </p:nvPicPr>
         <p:blipFill>
-          <a:blip r:embed="rId4"/>
+          <a:blip r:embed="rId5"/>
           <a:stretch>
             <a:fillRect/>
           </a:stretch>
@@ -13575,7 +14454,7 @@
           <p:nvPr/>
         </p:nvPicPr>
         <p:blipFill>
-          <a:blip r:embed="rId2"/>
+          <a:blip r:embed="rId3"/>
           <a:stretch>
             <a:fillRect/>
           </a:stretch>
@@ -13605,7 +14484,7 @@
           <p:nvPr/>
         </p:nvPicPr>
         <p:blipFill>
-          <a:blip r:embed="rId3"/>
+          <a:blip r:embed="rId4"/>
           <a:stretch>
             <a:fillRect/>
           </a:stretch>
@@ -13635,7 +14514,7 @@
           <p:nvPr/>
         </p:nvPicPr>
         <p:blipFill>
-          <a:blip r:embed="rId4"/>
+          <a:blip r:embed="rId5"/>
           <a:stretch>
             <a:fillRect/>
           </a:stretch>
@@ -13777,7 +14656,7 @@
         </p:xfrm>
         <a:graphic>
           <a:graphicData uri="http://schemas.openxmlformats.org/drawingml/2006/chart">
-            <c:chart xmlns:c="http://schemas.openxmlformats.org/drawingml/2006/chart" xmlns:r="http://schemas.openxmlformats.org/officeDocument/2006/relationships" r:id="rId2"/>
+            <c:chart xmlns:c="http://schemas.openxmlformats.org/drawingml/2006/chart" xmlns:r="http://schemas.openxmlformats.org/officeDocument/2006/relationships" r:id="rId3"/>
           </a:graphicData>
         </a:graphic>
       </p:graphicFrame>
@@ -13807,7 +14686,7 @@
         </p:xfrm>
         <a:graphic>
           <a:graphicData uri="http://schemas.openxmlformats.org/drawingml/2006/chart">
-            <c:chart xmlns:c="http://schemas.openxmlformats.org/drawingml/2006/chart" xmlns:r="http://schemas.openxmlformats.org/officeDocument/2006/relationships" r:id="rId3"/>
+            <c:chart xmlns:c="http://schemas.openxmlformats.org/drawingml/2006/chart" xmlns:r="http://schemas.openxmlformats.org/officeDocument/2006/relationships" r:id="rId4"/>
           </a:graphicData>
         </a:graphic>
       </p:graphicFrame>
@@ -13929,7 +14808,7 @@
         </p:xfrm>
         <a:graphic>
           <a:graphicData uri="http://schemas.openxmlformats.org/drawingml/2006/chart">
-            <c:chart xmlns:c="http://schemas.openxmlformats.org/drawingml/2006/chart" xmlns:r="http://schemas.openxmlformats.org/officeDocument/2006/relationships" r:id="rId2"/>
+            <c:chart xmlns:c="http://schemas.openxmlformats.org/drawingml/2006/chart" xmlns:r="http://schemas.openxmlformats.org/officeDocument/2006/relationships" r:id="rId3"/>
           </a:graphicData>
         </a:graphic>
       </p:graphicFrame>
@@ -13959,7 +14838,7 @@
         </p:xfrm>
         <a:graphic>
           <a:graphicData uri="http://schemas.openxmlformats.org/drawingml/2006/chart">
-            <c:chart xmlns:c="http://schemas.openxmlformats.org/drawingml/2006/chart" xmlns:r="http://schemas.openxmlformats.org/officeDocument/2006/relationships" r:id="rId3"/>
+            <c:chart xmlns:c="http://schemas.openxmlformats.org/drawingml/2006/chart" xmlns:r="http://schemas.openxmlformats.org/officeDocument/2006/relationships" r:id="rId4"/>
           </a:graphicData>
         </a:graphic>
       </p:graphicFrame>
@@ -14083,7 +14962,7 @@
         </p:xfrm>
         <a:graphic>
           <a:graphicData uri="http://schemas.openxmlformats.org/drawingml/2006/chart">
-            <c:chart xmlns:c="http://schemas.openxmlformats.org/drawingml/2006/chart" xmlns:r="http://schemas.openxmlformats.org/officeDocument/2006/relationships" r:id="rId2"/>
+            <c:chart xmlns:c="http://schemas.openxmlformats.org/drawingml/2006/chart" xmlns:r="http://schemas.openxmlformats.org/officeDocument/2006/relationships" r:id="rId3"/>
           </a:graphicData>
         </a:graphic>
       </p:graphicFrame>
@@ -14113,7 +14992,7 @@
         </p:xfrm>
         <a:graphic>
           <a:graphicData uri="http://schemas.openxmlformats.org/drawingml/2006/chart">
-            <c:chart xmlns:c="http://schemas.openxmlformats.org/drawingml/2006/chart" xmlns:r="http://schemas.openxmlformats.org/officeDocument/2006/relationships" r:id="rId3"/>
+            <c:chart xmlns:c="http://schemas.openxmlformats.org/drawingml/2006/chart" xmlns:r="http://schemas.openxmlformats.org/officeDocument/2006/relationships" r:id="rId4"/>
           </a:graphicData>
         </a:graphic>
       </p:graphicFrame>
